--- a/plans/PerformanceLayout.pptx
+++ b/plans/PerformanceLayout.pptx
@@ -105,6 +105,11 @@
       </a:defRPr>
     </a:lvl9pPr>
   </p:defaultTextStyle>
+  <p:extLst>
+    <p:ext uri="{EFAFB233-063F-42B5-8137-9DF3F51BA10A}">
+      <p15:sldGuideLst xmlns:p15="http://schemas.microsoft.com/office/powerpoint/2012/main"/>
+    </p:ext>
+  </p:extLst>
 </p:presentation>
 </file>
 
@@ -255,7 +260,7 @@
           <a:p>
             <a:fld id="{21130B58-C831-4C23-84C1-2D5909AC39A7}" type="datetimeFigureOut">
               <a:rPr lang="de-DE" smtClean="0"/>
-              <a:t>24.10.2022</a:t>
+              <a:t>25.10.2022</a:t>
             </a:fld>
             <a:endParaRPr lang="de-DE"/>
           </a:p>
@@ -453,7 +458,7 @@
           <a:p>
             <a:fld id="{21130B58-C831-4C23-84C1-2D5909AC39A7}" type="datetimeFigureOut">
               <a:rPr lang="de-DE" smtClean="0"/>
-              <a:t>24.10.2022</a:t>
+              <a:t>25.10.2022</a:t>
             </a:fld>
             <a:endParaRPr lang="de-DE"/>
           </a:p>
@@ -661,7 +666,7 @@
           <a:p>
             <a:fld id="{21130B58-C831-4C23-84C1-2D5909AC39A7}" type="datetimeFigureOut">
               <a:rPr lang="de-DE" smtClean="0"/>
-              <a:t>24.10.2022</a:t>
+              <a:t>25.10.2022</a:t>
             </a:fld>
             <a:endParaRPr lang="de-DE"/>
           </a:p>
@@ -859,7 +864,7 @@
           <a:p>
             <a:fld id="{21130B58-C831-4C23-84C1-2D5909AC39A7}" type="datetimeFigureOut">
               <a:rPr lang="de-DE" smtClean="0"/>
-              <a:t>24.10.2022</a:t>
+              <a:t>25.10.2022</a:t>
             </a:fld>
             <a:endParaRPr lang="de-DE"/>
           </a:p>
@@ -1134,7 +1139,7 @@
           <a:p>
             <a:fld id="{21130B58-C831-4C23-84C1-2D5909AC39A7}" type="datetimeFigureOut">
               <a:rPr lang="de-DE" smtClean="0"/>
-              <a:t>24.10.2022</a:t>
+              <a:t>25.10.2022</a:t>
             </a:fld>
             <a:endParaRPr lang="de-DE"/>
           </a:p>
@@ -1399,7 +1404,7 @@
           <a:p>
             <a:fld id="{21130B58-C831-4C23-84C1-2D5909AC39A7}" type="datetimeFigureOut">
               <a:rPr lang="de-DE" smtClean="0"/>
-              <a:t>24.10.2022</a:t>
+              <a:t>25.10.2022</a:t>
             </a:fld>
             <a:endParaRPr lang="de-DE"/>
           </a:p>
@@ -1811,7 +1816,7 @@
           <a:p>
             <a:fld id="{21130B58-C831-4C23-84C1-2D5909AC39A7}" type="datetimeFigureOut">
               <a:rPr lang="de-DE" smtClean="0"/>
-              <a:t>24.10.2022</a:t>
+              <a:t>25.10.2022</a:t>
             </a:fld>
             <a:endParaRPr lang="de-DE"/>
           </a:p>
@@ -1952,7 +1957,7 @@
           <a:p>
             <a:fld id="{21130B58-C831-4C23-84C1-2D5909AC39A7}" type="datetimeFigureOut">
               <a:rPr lang="de-DE" smtClean="0"/>
-              <a:t>24.10.2022</a:t>
+              <a:t>25.10.2022</a:t>
             </a:fld>
             <a:endParaRPr lang="de-DE"/>
           </a:p>
@@ -2065,7 +2070,7 @@
           <a:p>
             <a:fld id="{21130B58-C831-4C23-84C1-2D5909AC39A7}" type="datetimeFigureOut">
               <a:rPr lang="de-DE" smtClean="0"/>
-              <a:t>24.10.2022</a:t>
+              <a:t>25.10.2022</a:t>
             </a:fld>
             <a:endParaRPr lang="de-DE"/>
           </a:p>
@@ -2376,7 +2381,7 @@
           <a:p>
             <a:fld id="{21130B58-C831-4C23-84C1-2D5909AC39A7}" type="datetimeFigureOut">
               <a:rPr lang="de-DE" smtClean="0"/>
-              <a:t>24.10.2022</a:t>
+              <a:t>25.10.2022</a:t>
             </a:fld>
             <a:endParaRPr lang="de-DE"/>
           </a:p>
@@ -2664,7 +2669,7 @@
           <a:p>
             <a:fld id="{21130B58-C831-4C23-84C1-2D5909AC39A7}" type="datetimeFigureOut">
               <a:rPr lang="de-DE" smtClean="0"/>
-              <a:t>24.10.2022</a:t>
+              <a:t>25.10.2022</a:t>
             </a:fld>
             <a:endParaRPr lang="de-DE"/>
           </a:p>
@@ -2905,7 +2910,7 @@
           <a:p>
             <a:fld id="{21130B58-C831-4C23-84C1-2D5909AC39A7}" type="datetimeFigureOut">
               <a:rPr lang="de-DE" smtClean="0"/>
-              <a:t>24.10.2022</a:t>
+              <a:t>25.10.2022</a:t>
             </a:fld>
             <a:endParaRPr lang="de-DE"/>
           </a:p>
@@ -5212,7 +5217,7 @@
         </p:nvSpPr>
         <p:spPr>
           <a:xfrm>
-            <a:off x="7766443" y="0"/>
+            <a:off x="7766443" y="-611"/>
             <a:ext cx="3737468" cy="6858000"/>
           </a:xfrm>
           <a:prstGeom prst="rect">
@@ -5261,7 +5266,7 @@
         </p:nvSpPr>
         <p:spPr>
           <a:xfrm>
-            <a:off x="8091578" y="379562"/>
+            <a:off x="8061457" y="229342"/>
             <a:ext cx="3101896" cy="830997"/>
           </a:xfrm>
           <a:prstGeom prst="rect">
@@ -5354,7 +5359,7 @@
         </p:nvSpPr>
         <p:spPr>
           <a:xfrm>
-            <a:off x="8091578" y="1946391"/>
+            <a:off x="8075158" y="1463289"/>
             <a:ext cx="3101896" cy="406967"/>
           </a:xfrm>
           <a:prstGeom prst="roundRect">
@@ -5412,7 +5417,7 @@
         </p:nvCxnSpPr>
         <p:spPr>
           <a:xfrm>
-            <a:off x="8173710" y="2301927"/>
+            <a:off x="8146026" y="1807978"/>
             <a:ext cx="2913390" cy="0"/>
           </a:xfrm>
           <a:prstGeom prst="line">
@@ -5511,7 +5516,7 @@
         </p:nvSpPr>
         <p:spPr>
           <a:xfrm>
-            <a:off x="8012394" y="3683408"/>
+            <a:off x="8077805" y="3843854"/>
             <a:ext cx="2096219" cy="369332"/>
           </a:xfrm>
           <a:prstGeom prst="rect">
@@ -5573,7 +5578,7 @@
         </p:nvSpPr>
         <p:spPr>
           <a:xfrm>
-            <a:off x="8091578" y="2497567"/>
+            <a:off x="8094401" y="2965265"/>
             <a:ext cx="2096219" cy="369332"/>
           </a:xfrm>
           <a:prstGeom prst="rect">
@@ -5614,7 +5619,7 @@
         </p:nvSpPr>
         <p:spPr>
           <a:xfrm>
-            <a:off x="8115705" y="1466600"/>
+            <a:off x="8082198" y="1091902"/>
             <a:ext cx="2096219" cy="369332"/>
           </a:xfrm>
           <a:prstGeom prst="rect">
@@ -5634,7 +5639,7 @@
                   <a:srgbClr val="728EDC"/>
                 </a:solidFill>
               </a:rPr>
-              <a:t>Date</a:t>
+              <a:t>Name</a:t>
             </a:r>
           </a:p>
         </p:txBody>
@@ -5653,8 +5658,8 @@
         </p:nvSpPr>
         <p:spPr>
           <a:xfrm>
-            <a:off x="8091579" y="3011108"/>
-            <a:ext cx="765240" cy="406967"/>
+            <a:off x="8104383" y="3339273"/>
+            <a:ext cx="708583" cy="406967"/>
           </a:xfrm>
           <a:prstGeom prst="roundRect">
             <a:avLst/>
@@ -5709,7 +5714,7 @@
         </p:nvSpPr>
         <p:spPr>
           <a:xfrm>
-            <a:off x="8968713" y="3002626"/>
+            <a:off x="8920874" y="3322848"/>
             <a:ext cx="1097474" cy="406967"/>
           </a:xfrm>
           <a:prstGeom prst="roundRect">
@@ -5765,8 +5770,8 @@
         </p:nvSpPr>
         <p:spPr>
           <a:xfrm>
-            <a:off x="10164033" y="2994683"/>
-            <a:ext cx="1097474" cy="406967"/>
+            <a:off x="10126256" y="3322848"/>
+            <a:ext cx="1037097" cy="406967"/>
           </a:xfrm>
           <a:prstGeom prst="roundRect">
             <a:avLst/>
@@ -5822,7 +5827,7 @@
         </p:nvSpPr>
         <p:spPr>
           <a:xfrm>
-            <a:off x="8086833" y="4145425"/>
+            <a:off x="8099637" y="4292821"/>
             <a:ext cx="3101896" cy="406967"/>
           </a:xfrm>
           <a:prstGeom prst="roundRect">
@@ -5886,7 +5891,7 @@
         </p:nvCxnSpPr>
         <p:spPr>
           <a:xfrm>
-            <a:off x="8168965" y="4500961"/>
+            <a:off x="8181769" y="4648357"/>
             <a:ext cx="2543805" cy="0"/>
           </a:xfrm>
           <a:prstGeom prst="line">
@@ -5937,7 +5942,7 @@
         </p:blipFill>
         <p:spPr>
           <a:xfrm>
-            <a:off x="10811630" y="4205242"/>
+            <a:off x="10824434" y="4352638"/>
             <a:ext cx="270725" cy="293357"/>
           </a:xfrm>
           <a:prstGeom prst="rect">
@@ -5959,7 +5964,7 @@
         </p:nvSpPr>
         <p:spPr>
           <a:xfrm>
-            <a:off x="8106485" y="4784015"/>
+            <a:off x="8119289" y="4931411"/>
             <a:ext cx="3101896" cy="406967"/>
           </a:xfrm>
           <a:prstGeom prst="roundRect">
@@ -6015,7 +6020,7 @@
         </p:nvGrpSpPr>
         <p:grpSpPr>
           <a:xfrm>
-            <a:off x="8164772" y="4815808"/>
+            <a:off x="8177576" y="4963204"/>
             <a:ext cx="364905" cy="364905"/>
             <a:chOff x="7934606" y="4575395"/>
             <a:chExt cx="1315529" cy="1315529"/>
@@ -6186,7 +6191,7 @@
         </p:nvSpPr>
         <p:spPr>
           <a:xfrm>
-            <a:off x="8086833" y="5315856"/>
+            <a:off x="8099637" y="5463252"/>
             <a:ext cx="3101896" cy="406967"/>
           </a:xfrm>
           <a:prstGeom prst="roundRect">
@@ -6242,7 +6247,7 @@
         </p:nvGrpSpPr>
         <p:grpSpPr>
           <a:xfrm>
-            <a:off x="8145120" y="5347649"/>
+            <a:off x="8157924" y="5495045"/>
             <a:ext cx="364905" cy="364905"/>
             <a:chOff x="7934606" y="4575395"/>
             <a:chExt cx="1315529" cy="1315529"/>
@@ -6413,7 +6418,7 @@
         </p:nvSpPr>
         <p:spPr>
           <a:xfrm>
-            <a:off x="10811630" y="4815808"/>
+            <a:off x="10824434" y="4963204"/>
             <a:ext cx="364905" cy="341705"/>
           </a:xfrm>
           <a:prstGeom prst="ellipse">
@@ -6468,7 +6473,7 @@
         </p:nvSpPr>
         <p:spPr>
           <a:xfrm>
-            <a:off x="10811630" y="5358865"/>
+            <a:off x="10824434" y="5506261"/>
             <a:ext cx="364905" cy="341705"/>
           </a:xfrm>
           <a:prstGeom prst="ellipse">
@@ -6565,6 +6570,110 @@
               <a:rPr lang="de-DE" dirty="0"/>
               <a:t>Create</a:t>
             </a:r>
+          </a:p>
+        </p:txBody>
+      </p:sp>
+      <p:sp>
+        <p:nvSpPr>
+          <p:cNvPr id="12" name="Textfeld 11">
+            <a:extLst>
+              <a:ext uri="{FF2B5EF4-FFF2-40B4-BE49-F238E27FC236}">
+                <a16:creationId xmlns:a16="http://schemas.microsoft.com/office/drawing/2014/main" id="{4CDECC23-ECE0-EE83-223F-3A4D40B66A6F}"/>
+              </a:ext>
+            </a:extLst>
+          </p:cNvPr>
+          <p:cNvSpPr txBox="1">
+            <a:spLocks/>
+          </p:cNvSpPr>
+          <p:nvPr/>
+        </p:nvSpPr>
+        <p:spPr>
+          <a:xfrm>
+            <a:off x="8082198" y="1977255"/>
+            <a:ext cx="2096219" cy="369332"/>
+          </a:xfrm>
+          <a:prstGeom prst="rect">
+            <a:avLst/>
+          </a:prstGeom>
+          <a:noFill/>
+        </p:spPr>
+        <p:txBody>
+          <a:bodyPr wrap="square" rtlCol="0">
+            <a:spAutoFit/>
+          </a:bodyPr>
+          <a:lstStyle/>
+          <a:p>
+            <a:r>
+              <a:rPr lang="de-DE" dirty="0">
+                <a:solidFill>
+                  <a:srgbClr val="728EDC"/>
+                </a:solidFill>
+              </a:rPr>
+              <a:t>Description</a:t>
+            </a:r>
+          </a:p>
+        </p:txBody>
+      </p:sp>
+      <p:sp>
+        <p:nvSpPr>
+          <p:cNvPr id="18" name="Rechteck: abgerundete Ecken 17">
+            <a:extLst>
+              <a:ext uri="{FF2B5EF4-FFF2-40B4-BE49-F238E27FC236}">
+                <a16:creationId xmlns:a16="http://schemas.microsoft.com/office/drawing/2014/main" id="{E007CA23-8A1C-D868-841C-B24B1C64A314}"/>
+              </a:ext>
+            </a:extLst>
+          </p:cNvPr>
+          <p:cNvSpPr>
+            <a:spLocks/>
+          </p:cNvSpPr>
+          <p:nvPr/>
+        </p:nvSpPr>
+        <p:spPr>
+          <a:xfrm>
+            <a:off x="8104383" y="2345711"/>
+            <a:ext cx="3072671" cy="579423"/>
+          </a:xfrm>
+          <a:prstGeom prst="roundRect">
+            <a:avLst/>
+          </a:prstGeom>
+          <a:solidFill>
+            <a:srgbClr val="2C4288"/>
+          </a:solidFill>
+          <a:ln>
+            <a:solidFill>
+              <a:schemeClr val="accent1">
+                <a:lumMod val="50000"/>
+              </a:schemeClr>
+            </a:solidFill>
+          </a:ln>
+        </p:spPr>
+        <p:style>
+          <a:lnRef idx="2">
+            <a:schemeClr val="accent1">
+              <a:shade val="50000"/>
+            </a:schemeClr>
+          </a:lnRef>
+          <a:fillRef idx="1">
+            <a:schemeClr val="accent1"/>
+          </a:fillRef>
+          <a:effectRef idx="0">
+            <a:schemeClr val="accent1"/>
+          </a:effectRef>
+          <a:fontRef idx="minor">
+            <a:schemeClr val="lt1"/>
+          </a:fontRef>
+        </p:style>
+        <p:txBody>
+          <a:bodyPr rtlCol="0" anchor="ctr"/>
+          <a:lstStyle/>
+          <a:p>
+            <a:r>
+              <a:rPr lang="de-DE" dirty="0"/>
+              <a:t>Morning Heart rate</a:t>
+            </a:r>
+          </a:p>
+          <a:p>
+            <a:endParaRPr lang="de-DE" dirty="0"/>
           </a:p>
         </p:txBody>
       </p:sp>
@@ -6612,7 +6721,7 @@
         </p:nvSpPr>
         <p:spPr>
           <a:xfrm>
-            <a:off x="1" y="0"/>
+            <a:off x="-1" y="215900"/>
             <a:ext cx="3737468" cy="6858000"/>
           </a:xfrm>
           <a:prstGeom prst="rect">
@@ -6692,6 +6801,804 @@
               </a:rPr>
               <a:t> Performance</a:t>
             </a:r>
+          </a:p>
+        </p:txBody>
+      </p:sp>
+      <p:sp>
+        <p:nvSpPr>
+          <p:cNvPr id="2" name="Rechteck: abgerundete Ecken 1">
+            <a:extLst>
+              <a:ext uri="{FF2B5EF4-FFF2-40B4-BE49-F238E27FC236}">
+                <a16:creationId xmlns:a16="http://schemas.microsoft.com/office/drawing/2014/main" id="{507964A9-941B-94A2-8E35-6112DD3D558C}"/>
+              </a:ext>
+            </a:extLst>
+          </p:cNvPr>
+          <p:cNvSpPr>
+            <a:spLocks/>
+          </p:cNvSpPr>
+          <p:nvPr/>
+        </p:nvSpPr>
+        <p:spPr>
+          <a:xfrm rot="21550660">
+            <a:off x="4966857" y="1677270"/>
+            <a:ext cx="1780458" cy="731295"/>
+          </a:xfrm>
+          <a:prstGeom prst="roundRect">
+            <a:avLst/>
+          </a:prstGeom>
+          <a:solidFill>
+            <a:srgbClr val="031956"/>
+          </a:solidFill>
+          <a:ln w="38100">
+            <a:solidFill>
+              <a:schemeClr val="bg1"/>
+            </a:solidFill>
+          </a:ln>
+        </p:spPr>
+        <p:style>
+          <a:lnRef idx="2">
+            <a:schemeClr val="accent1">
+              <a:shade val="50000"/>
+            </a:schemeClr>
+          </a:lnRef>
+          <a:fillRef idx="1">
+            <a:schemeClr val="accent1"/>
+          </a:fillRef>
+          <a:effectRef idx="0">
+            <a:schemeClr val="accent1"/>
+          </a:effectRef>
+          <a:fontRef idx="minor">
+            <a:schemeClr val="lt1"/>
+          </a:fontRef>
+        </p:style>
+        <p:txBody>
+          <a:bodyPr rtlCol="0" anchor="ctr"/>
+          <a:lstStyle/>
+          <a:p>
+            <a:r>
+              <a:rPr lang="de-DE" sz="1100" dirty="0">
+                <a:solidFill>
+                  <a:schemeClr val="accent1">
+                    <a:lumMod val="60000"/>
+                    <a:lumOff val="40000"/>
+                  </a:schemeClr>
+                </a:solidFill>
+              </a:rPr>
+              <a:t>14 Records</a:t>
+            </a:r>
+          </a:p>
+          <a:p>
+            <a:r>
+              <a:rPr lang="de-DE" dirty="0"/>
+              <a:t>200m	     </a:t>
+            </a:r>
+          </a:p>
+          <a:p>
+            <a:r>
+              <a:rPr lang="de-DE" sz="1100" dirty="0"/>
+              <a:t> 	       75%</a:t>
+            </a:r>
+            <a:endParaRPr lang="de-DE" dirty="0"/>
+          </a:p>
+        </p:txBody>
+      </p:sp>
+      <p:sp>
+        <p:nvSpPr>
+          <p:cNvPr id="3" name="Textfeld 2">
+            <a:extLst>
+              <a:ext uri="{FF2B5EF4-FFF2-40B4-BE49-F238E27FC236}">
+                <a16:creationId xmlns:a16="http://schemas.microsoft.com/office/drawing/2014/main" id="{0AC7F5D2-E119-6B2D-F8E9-E8B3F31F9AE8}"/>
+              </a:ext>
+            </a:extLst>
+          </p:cNvPr>
+          <p:cNvSpPr txBox="1"/>
+          <p:nvPr/>
+        </p:nvSpPr>
+        <p:spPr>
+          <a:xfrm>
+            <a:off x="317787" y="759124"/>
+            <a:ext cx="3101895" cy="615553"/>
+          </a:xfrm>
+          <a:prstGeom prst="rect">
+            <a:avLst/>
+          </a:prstGeom>
+          <a:noFill/>
+        </p:spPr>
+        <p:txBody>
+          <a:bodyPr wrap="square" rtlCol="0">
+            <a:spAutoFit/>
+          </a:bodyPr>
+          <a:lstStyle/>
+          <a:p>
+            <a:r>
+              <a:rPr lang="de-DE" sz="2000" dirty="0">
+                <a:solidFill>
+                  <a:schemeClr val="bg1"/>
+                </a:solidFill>
+              </a:rPr>
+              <a:t>200m</a:t>
+            </a:r>
+            <a:r>
+              <a:rPr lang="de-DE" dirty="0">
+                <a:solidFill>
+                  <a:schemeClr val="bg1"/>
+                </a:solidFill>
+              </a:rPr>
+              <a:t> </a:t>
+            </a:r>
+            <a:r>
+              <a:rPr lang="de-DE" sz="1400" dirty="0">
+                <a:solidFill>
+                  <a:schemeClr val="bg1">
+                    <a:lumMod val="85000"/>
+                  </a:schemeClr>
+                </a:solidFill>
+              </a:rPr>
+              <a:t>This </a:t>
+            </a:r>
+            <a:r>
+              <a:rPr lang="de-DE" sz="1400" dirty="0" err="1">
+                <a:solidFill>
+                  <a:schemeClr val="bg1">
+                    <a:lumMod val="85000"/>
+                  </a:schemeClr>
+                </a:solidFill>
+              </a:rPr>
+              <a:t>is</a:t>
+            </a:r>
+            <a:r>
+              <a:rPr lang="de-DE" sz="1400" dirty="0">
+                <a:solidFill>
+                  <a:schemeClr val="bg1">
+                    <a:lumMod val="85000"/>
+                  </a:schemeClr>
+                </a:solidFill>
+              </a:rPr>
+              <a:t> a </a:t>
+            </a:r>
+            <a:r>
+              <a:rPr lang="de-DE" sz="1400" dirty="0" err="1">
+                <a:solidFill>
+                  <a:schemeClr val="bg1">
+                    <a:lumMod val="85000"/>
+                  </a:schemeClr>
+                </a:solidFill>
+              </a:rPr>
+              <a:t>wonderful</a:t>
+            </a:r>
+            <a:r>
+              <a:rPr lang="de-DE" sz="1400" dirty="0">
+                <a:solidFill>
+                  <a:schemeClr val="bg1">
+                    <a:lumMod val="85000"/>
+                  </a:schemeClr>
+                </a:solidFill>
+              </a:rPr>
+              <a:t> </a:t>
+            </a:r>
+            <a:r>
+              <a:rPr lang="de-DE" sz="1400" dirty="0" err="1">
+                <a:solidFill>
+                  <a:schemeClr val="bg1">
+                    <a:lumMod val="85000"/>
+                  </a:schemeClr>
+                </a:solidFill>
+              </a:rPr>
+              <a:t>description</a:t>
+            </a:r>
+            <a:r>
+              <a:rPr lang="de-DE" sz="1400" dirty="0">
+                <a:solidFill>
+                  <a:schemeClr val="bg1">
+                    <a:lumMod val="85000"/>
+                  </a:schemeClr>
+                </a:solidFill>
+              </a:rPr>
+              <a:t> like </a:t>
+            </a:r>
+            <a:r>
+              <a:rPr lang="de-DE" sz="1400" dirty="0" err="1">
+                <a:solidFill>
+                  <a:schemeClr val="bg1">
+                    <a:lumMod val="85000"/>
+                  </a:schemeClr>
+                </a:solidFill>
+              </a:rPr>
+              <a:t>no</a:t>
+            </a:r>
+            <a:r>
+              <a:rPr lang="de-DE" sz="1400" dirty="0">
+                <a:solidFill>
+                  <a:schemeClr val="bg1">
+                    <a:lumMod val="85000"/>
+                  </a:schemeClr>
+                </a:solidFill>
+              </a:rPr>
+              <a:t> </a:t>
+            </a:r>
+            <a:r>
+              <a:rPr lang="de-DE" sz="1400" dirty="0" err="1">
+                <a:solidFill>
+                  <a:schemeClr val="bg1">
+                    <a:lumMod val="85000"/>
+                  </a:schemeClr>
+                </a:solidFill>
+              </a:rPr>
+              <a:t>other</a:t>
+            </a:r>
+            <a:endParaRPr lang="de-DE" dirty="0">
+              <a:solidFill>
+                <a:schemeClr val="bg1">
+                  <a:lumMod val="85000"/>
+                </a:schemeClr>
+              </a:solidFill>
+            </a:endParaRPr>
+          </a:p>
+        </p:txBody>
+      </p:sp>
+      <p:grpSp>
+        <p:nvGrpSpPr>
+          <p:cNvPr id="18" name="Gruppieren 17">
+            <a:extLst>
+              <a:ext uri="{FF2B5EF4-FFF2-40B4-BE49-F238E27FC236}">
+                <a16:creationId xmlns:a16="http://schemas.microsoft.com/office/drawing/2014/main" id="{9D26D2CD-A3AF-E50E-A54E-16B55AF0D3A5}"/>
+              </a:ext>
+            </a:extLst>
+          </p:cNvPr>
+          <p:cNvGrpSpPr/>
+          <p:nvPr/>
+        </p:nvGrpSpPr>
+        <p:grpSpPr>
+          <a:xfrm>
+            <a:off x="317784" y="2696509"/>
+            <a:ext cx="3101895" cy="315215"/>
+            <a:chOff x="317786" y="1545334"/>
+            <a:chExt cx="3101895" cy="315215"/>
+          </a:xfrm>
+        </p:grpSpPr>
+        <p:sp>
+          <p:nvSpPr>
+            <p:cNvPr id="9" name="Rechteck: abgerundete Ecken 8">
+              <a:extLst>
+                <a:ext uri="{FF2B5EF4-FFF2-40B4-BE49-F238E27FC236}">
+                  <a16:creationId xmlns:a16="http://schemas.microsoft.com/office/drawing/2014/main" id="{FCB68831-469A-CD52-3A55-B9C1C14A8550}"/>
+                </a:ext>
+              </a:extLst>
+            </p:cNvPr>
+            <p:cNvSpPr/>
+            <p:nvPr/>
+          </p:nvSpPr>
+          <p:spPr>
+            <a:xfrm>
+              <a:off x="317786" y="1545334"/>
+              <a:ext cx="3101895" cy="315215"/>
+            </a:xfrm>
+            <a:prstGeom prst="roundRect">
+              <a:avLst/>
+            </a:prstGeom>
+            <a:ln>
+              <a:noFill/>
+            </a:ln>
+          </p:spPr>
+          <p:style>
+            <a:lnRef idx="2">
+              <a:schemeClr val="accent1">
+                <a:shade val="50000"/>
+              </a:schemeClr>
+            </a:lnRef>
+            <a:fillRef idx="1">
+              <a:schemeClr val="accent1"/>
+            </a:fillRef>
+            <a:effectRef idx="0">
+              <a:schemeClr val="accent1"/>
+            </a:effectRef>
+            <a:fontRef idx="minor">
+              <a:schemeClr val="lt1"/>
+            </a:fontRef>
+          </p:style>
+          <p:txBody>
+            <a:bodyPr rtlCol="0" anchor="ctr"/>
+            <a:lstStyle/>
+            <a:p>
+              <a:pPr algn="r"/>
+              <a:r>
+                <a:rPr lang="de-DE" dirty="0"/>
+                <a:t>75%</a:t>
+              </a:r>
+            </a:p>
+          </p:txBody>
+        </p:sp>
+        <p:cxnSp>
+          <p:nvCxnSpPr>
+            <p:cNvPr id="12" name="Gerader Verbinder 11">
+              <a:extLst>
+                <a:ext uri="{FF2B5EF4-FFF2-40B4-BE49-F238E27FC236}">
+                  <a16:creationId xmlns:a16="http://schemas.microsoft.com/office/drawing/2014/main" id="{C484E6E9-DCD0-4838-8E85-680EE6DB1E3D}"/>
+                </a:ext>
+              </a:extLst>
+            </p:cNvPr>
+            <p:cNvCxnSpPr>
+              <a:cxnSpLocks/>
+            </p:cNvCxnSpPr>
+            <p:nvPr/>
+          </p:nvCxnSpPr>
+          <p:spPr>
+            <a:xfrm>
+              <a:off x="387350" y="1698625"/>
+              <a:ext cx="1720850" cy="0"/>
+            </a:xfrm>
+            <a:prstGeom prst="line">
+              <a:avLst/>
+            </a:prstGeom>
+            <a:ln w="38100">
+              <a:solidFill>
+                <a:srgbClr val="031956"/>
+              </a:solidFill>
+            </a:ln>
+          </p:spPr>
+          <p:style>
+            <a:lnRef idx="1">
+              <a:schemeClr val="accent1"/>
+            </a:lnRef>
+            <a:fillRef idx="0">
+              <a:schemeClr val="accent1"/>
+            </a:fillRef>
+            <a:effectRef idx="0">
+              <a:schemeClr val="accent1"/>
+            </a:effectRef>
+            <a:fontRef idx="minor">
+              <a:schemeClr val="tx1"/>
+            </a:fontRef>
+          </p:style>
+        </p:cxnSp>
+        <p:cxnSp>
+          <p:nvCxnSpPr>
+            <p:cNvPr id="13" name="Gerader Verbinder 12">
+              <a:extLst>
+                <a:ext uri="{FF2B5EF4-FFF2-40B4-BE49-F238E27FC236}">
+                  <a16:creationId xmlns:a16="http://schemas.microsoft.com/office/drawing/2014/main" id="{ADE3B203-1867-0C2A-B1C6-0663A8782A90}"/>
+                </a:ext>
+              </a:extLst>
+            </p:cNvPr>
+            <p:cNvCxnSpPr>
+              <a:cxnSpLocks/>
+            </p:cNvCxnSpPr>
+            <p:nvPr/>
+          </p:nvCxnSpPr>
+          <p:spPr>
+            <a:xfrm>
+              <a:off x="2108200" y="1698625"/>
+              <a:ext cx="727075" cy="0"/>
+            </a:xfrm>
+            <a:prstGeom prst="line">
+              <a:avLst/>
+            </a:prstGeom>
+            <a:ln w="38100">
+              <a:solidFill>
+                <a:schemeClr val="bg1"/>
+              </a:solidFill>
+            </a:ln>
+          </p:spPr>
+          <p:style>
+            <a:lnRef idx="1">
+              <a:schemeClr val="accent1"/>
+            </a:lnRef>
+            <a:fillRef idx="0">
+              <a:schemeClr val="accent1"/>
+            </a:fillRef>
+            <a:effectRef idx="0">
+              <a:schemeClr val="accent1"/>
+            </a:effectRef>
+            <a:fontRef idx="minor">
+              <a:schemeClr val="tx1"/>
+            </a:fontRef>
+          </p:style>
+        </p:cxnSp>
+      </p:grpSp>
+      <p:sp>
+        <p:nvSpPr>
+          <p:cNvPr id="19" name="Textfeld 18">
+            <a:extLst>
+              <a:ext uri="{FF2B5EF4-FFF2-40B4-BE49-F238E27FC236}">
+                <a16:creationId xmlns:a16="http://schemas.microsoft.com/office/drawing/2014/main" id="{8F72B3C7-1FB8-64A0-78C5-D4EDB7954F7A}"/>
+              </a:ext>
+            </a:extLst>
+          </p:cNvPr>
+          <p:cNvSpPr txBox="1"/>
+          <p:nvPr/>
+        </p:nvSpPr>
+        <p:spPr>
+          <a:xfrm>
+            <a:off x="317787" y="2295812"/>
+            <a:ext cx="1187168" cy="369332"/>
+          </a:xfrm>
+          <a:prstGeom prst="rect">
+            <a:avLst/>
+          </a:prstGeom>
+          <a:noFill/>
+        </p:spPr>
+        <p:txBody>
+          <a:bodyPr wrap="square" rtlCol="0">
+            <a:spAutoFit/>
+          </a:bodyPr>
+          <a:lstStyle/>
+          <a:p>
+            <a:r>
+              <a:rPr lang="de-DE" dirty="0" err="1">
+                <a:solidFill>
+                  <a:srgbClr val="728EDC"/>
+                </a:solidFill>
+              </a:rPr>
+              <a:t>Your</a:t>
+            </a:r>
+            <a:r>
+              <a:rPr lang="de-DE" dirty="0">
+                <a:solidFill>
+                  <a:srgbClr val="728EDC"/>
+                </a:solidFill>
+              </a:rPr>
+              <a:t> Goal</a:t>
+            </a:r>
+          </a:p>
+        </p:txBody>
+      </p:sp>
+      <p:sp>
+        <p:nvSpPr>
+          <p:cNvPr id="20" name="Rechteck: abgerundete Ecken 19">
+            <a:extLst>
+              <a:ext uri="{FF2B5EF4-FFF2-40B4-BE49-F238E27FC236}">
+                <a16:creationId xmlns:a16="http://schemas.microsoft.com/office/drawing/2014/main" id="{C3F03DAA-6E97-A61E-B178-885587B999AC}"/>
+              </a:ext>
+            </a:extLst>
+          </p:cNvPr>
+          <p:cNvSpPr/>
+          <p:nvPr/>
+        </p:nvSpPr>
+        <p:spPr>
+          <a:xfrm>
+            <a:off x="317785" y="3180001"/>
+            <a:ext cx="3101894" cy="406967"/>
+          </a:xfrm>
+          <a:prstGeom prst="roundRect">
+            <a:avLst/>
+          </a:prstGeom>
+          <a:solidFill>
+            <a:srgbClr val="2C4288"/>
+          </a:solidFill>
+          <a:ln>
+            <a:solidFill>
+              <a:srgbClr val="203864"/>
+            </a:solidFill>
+          </a:ln>
+        </p:spPr>
+        <p:style>
+          <a:lnRef idx="2">
+            <a:schemeClr val="accent1">
+              <a:shade val="50000"/>
+            </a:schemeClr>
+          </a:lnRef>
+          <a:fillRef idx="1">
+            <a:schemeClr val="accent1"/>
+          </a:fillRef>
+          <a:effectRef idx="0">
+            <a:schemeClr val="accent1"/>
+          </a:effectRef>
+          <a:fontRef idx="minor">
+            <a:schemeClr val="lt1"/>
+          </a:fontRef>
+        </p:style>
+        <p:txBody>
+          <a:bodyPr rtlCol="0" anchor="ctr"/>
+          <a:lstStyle/>
+          <a:p>
+            <a:r>
+              <a:rPr lang="en-US" dirty="0"/>
+              <a:t>Set yourself a new target</a:t>
+            </a:r>
+            <a:endParaRPr lang="de-DE" dirty="0"/>
+          </a:p>
+        </p:txBody>
+      </p:sp>
+      <p:sp>
+        <p:nvSpPr>
+          <p:cNvPr id="21" name="Rechteck: abgerundete Ecken 20">
+            <a:extLst>
+              <a:ext uri="{FF2B5EF4-FFF2-40B4-BE49-F238E27FC236}">
+                <a16:creationId xmlns:a16="http://schemas.microsoft.com/office/drawing/2014/main" id="{4844221F-574E-80F5-208D-3115C1652A1F}"/>
+              </a:ext>
+            </a:extLst>
+          </p:cNvPr>
+          <p:cNvSpPr/>
+          <p:nvPr/>
+        </p:nvSpPr>
+        <p:spPr>
+          <a:xfrm>
+            <a:off x="2807490" y="3801329"/>
+            <a:ext cx="612189" cy="406967"/>
+          </a:xfrm>
+          <a:prstGeom prst="roundRect">
+            <a:avLst/>
+          </a:prstGeom>
+          <a:solidFill>
+            <a:srgbClr val="2C4288"/>
+          </a:solidFill>
+          <a:ln>
+            <a:solidFill>
+              <a:srgbClr val="203864"/>
+            </a:solidFill>
+          </a:ln>
+        </p:spPr>
+        <p:style>
+          <a:lnRef idx="2">
+            <a:schemeClr val="accent1">
+              <a:shade val="50000"/>
+            </a:schemeClr>
+          </a:lnRef>
+          <a:fillRef idx="1">
+            <a:schemeClr val="accent1"/>
+          </a:fillRef>
+          <a:effectRef idx="0">
+            <a:schemeClr val="accent1"/>
+          </a:effectRef>
+          <a:fontRef idx="minor">
+            <a:schemeClr val="lt1"/>
+          </a:fontRef>
+        </p:style>
+        <p:txBody>
+          <a:bodyPr rtlCol="0" anchor="ctr"/>
+          <a:lstStyle/>
+          <a:p>
+            <a:r>
+              <a:rPr lang="en-US" dirty="0"/>
+              <a:t>Set</a:t>
+            </a:r>
+            <a:endParaRPr lang="de-DE" dirty="0"/>
+          </a:p>
+        </p:txBody>
+      </p:sp>
+      <p:sp>
+        <p:nvSpPr>
+          <p:cNvPr id="22" name="Rechteck: abgerundete Ecken 21">
+            <a:extLst>
+              <a:ext uri="{FF2B5EF4-FFF2-40B4-BE49-F238E27FC236}">
+                <a16:creationId xmlns:a16="http://schemas.microsoft.com/office/drawing/2014/main" id="{09F960B3-A896-1399-BA67-C30BE72C58ED}"/>
+              </a:ext>
+            </a:extLst>
+          </p:cNvPr>
+          <p:cNvSpPr/>
+          <p:nvPr/>
+        </p:nvSpPr>
+        <p:spPr>
+          <a:xfrm>
+            <a:off x="317783" y="3801329"/>
+            <a:ext cx="2263491" cy="406967"/>
+          </a:xfrm>
+          <a:prstGeom prst="roundRect">
+            <a:avLst/>
+          </a:prstGeom>
+          <a:solidFill>
+            <a:srgbClr val="2C4288"/>
+          </a:solidFill>
+          <a:ln>
+            <a:solidFill>
+              <a:srgbClr val="203864"/>
+            </a:solidFill>
+          </a:ln>
+        </p:spPr>
+        <p:style>
+          <a:lnRef idx="2">
+            <a:schemeClr val="accent1">
+              <a:shade val="50000"/>
+            </a:schemeClr>
+          </a:lnRef>
+          <a:fillRef idx="1">
+            <a:schemeClr val="accent1"/>
+          </a:fillRef>
+          <a:effectRef idx="0">
+            <a:schemeClr val="accent1"/>
+          </a:effectRef>
+          <a:fontRef idx="minor">
+            <a:schemeClr val="lt1"/>
+          </a:fontRef>
+        </p:style>
+        <p:txBody>
+          <a:bodyPr rtlCol="0" anchor="ctr"/>
+          <a:lstStyle/>
+          <a:p>
+            <a:r>
+              <a:rPr lang="de-DE" dirty="0"/>
+              <a:t>00:00</a:t>
+            </a:r>
+          </a:p>
+        </p:txBody>
+      </p:sp>
+      <p:cxnSp>
+        <p:nvCxnSpPr>
+          <p:cNvPr id="23" name="Gerader Verbinder 22">
+            <a:extLst>
+              <a:ext uri="{FF2B5EF4-FFF2-40B4-BE49-F238E27FC236}">
+                <a16:creationId xmlns:a16="http://schemas.microsoft.com/office/drawing/2014/main" id="{B50A948C-D18E-FD71-6E86-9DB045DD975A}"/>
+              </a:ext>
+            </a:extLst>
+          </p:cNvPr>
+          <p:cNvCxnSpPr>
+            <a:cxnSpLocks/>
+          </p:cNvCxnSpPr>
+          <p:nvPr/>
+        </p:nvCxnSpPr>
+        <p:spPr>
+          <a:xfrm>
+            <a:off x="431041" y="4151069"/>
+            <a:ext cx="2040694" cy="0"/>
+          </a:xfrm>
+          <a:prstGeom prst="line">
+            <a:avLst/>
+          </a:prstGeom>
+          <a:ln w="28575"/>
+        </p:spPr>
+        <p:style>
+          <a:lnRef idx="1">
+            <a:schemeClr val="accent1"/>
+          </a:lnRef>
+          <a:fillRef idx="0">
+            <a:schemeClr val="accent1"/>
+          </a:fillRef>
+          <a:effectRef idx="0">
+            <a:schemeClr val="accent1"/>
+          </a:effectRef>
+          <a:fontRef idx="minor">
+            <a:schemeClr val="tx1"/>
+          </a:fontRef>
+        </p:style>
+      </p:cxnSp>
+      <p:cxnSp>
+        <p:nvCxnSpPr>
+          <p:cNvPr id="27" name="Gerade Verbindung mit Pfeil 26">
+            <a:extLst>
+              <a:ext uri="{FF2B5EF4-FFF2-40B4-BE49-F238E27FC236}">
+                <a16:creationId xmlns:a16="http://schemas.microsoft.com/office/drawing/2014/main" id="{91EC6D8B-0DCF-26D4-3DB1-1658E8D35A98}"/>
+              </a:ext>
+            </a:extLst>
+          </p:cNvPr>
+          <p:cNvCxnSpPr/>
+          <p:nvPr/>
+        </p:nvCxnSpPr>
+        <p:spPr>
+          <a:xfrm>
+            <a:off x="161925" y="3134338"/>
+            <a:ext cx="0" cy="661988"/>
+          </a:xfrm>
+          <a:prstGeom prst="straightConnector1">
+            <a:avLst/>
+          </a:prstGeom>
+          <a:ln>
+            <a:tailEnd type="triangle"/>
+          </a:ln>
+        </p:spPr>
+        <p:style>
+          <a:lnRef idx="1">
+            <a:schemeClr val="accent1"/>
+          </a:lnRef>
+          <a:fillRef idx="0">
+            <a:schemeClr val="accent1"/>
+          </a:fillRef>
+          <a:effectRef idx="0">
+            <a:schemeClr val="accent1"/>
+          </a:effectRef>
+          <a:fontRef idx="minor">
+            <a:schemeClr val="tx1"/>
+          </a:fontRef>
+        </p:style>
+      </p:cxnSp>
+      <p:sp>
+        <p:nvSpPr>
+          <p:cNvPr id="28" name="Textfeld 27">
+            <a:extLst>
+              <a:ext uri="{FF2B5EF4-FFF2-40B4-BE49-F238E27FC236}">
+                <a16:creationId xmlns:a16="http://schemas.microsoft.com/office/drawing/2014/main" id="{6676F573-E4D8-0D44-407B-179982285C8C}"/>
+              </a:ext>
+            </a:extLst>
+          </p:cNvPr>
+          <p:cNvSpPr txBox="1"/>
+          <p:nvPr/>
+        </p:nvSpPr>
+        <p:spPr>
+          <a:xfrm>
+            <a:off x="262360" y="1432202"/>
+            <a:ext cx="1475000" cy="369332"/>
+          </a:xfrm>
+          <a:prstGeom prst="rect">
+            <a:avLst/>
+          </a:prstGeom>
+          <a:noFill/>
+        </p:spPr>
+        <p:txBody>
+          <a:bodyPr wrap="square" rtlCol="0">
+            <a:spAutoFit/>
+          </a:bodyPr>
+          <a:lstStyle/>
+          <a:p>
+            <a:r>
+              <a:rPr lang="de-DE" dirty="0" err="1">
+                <a:solidFill>
+                  <a:srgbClr val="728EDC"/>
+                </a:solidFill>
+              </a:rPr>
+              <a:t>Your</a:t>
+            </a:r>
+            <a:r>
+              <a:rPr lang="de-DE" dirty="0">
+                <a:solidFill>
+                  <a:srgbClr val="728EDC"/>
+                </a:solidFill>
+              </a:rPr>
+              <a:t> </a:t>
+            </a:r>
+            <a:r>
+              <a:rPr lang="de-DE" dirty="0" err="1">
+                <a:solidFill>
+                  <a:srgbClr val="728EDC"/>
+                </a:solidFill>
+              </a:rPr>
+              <a:t>record</a:t>
+            </a:r>
+            <a:endParaRPr lang="de-DE" dirty="0">
+              <a:solidFill>
+                <a:srgbClr val="728EDC"/>
+              </a:solidFill>
+            </a:endParaRPr>
+          </a:p>
+        </p:txBody>
+      </p:sp>
+      <p:sp>
+        <p:nvSpPr>
+          <p:cNvPr id="29" name="Textfeld 28">
+            <a:extLst>
+              <a:ext uri="{FF2B5EF4-FFF2-40B4-BE49-F238E27FC236}">
+                <a16:creationId xmlns:a16="http://schemas.microsoft.com/office/drawing/2014/main" id="{F8BE9C72-BD57-CC93-64FA-BB6A4162025B}"/>
+              </a:ext>
+            </a:extLst>
+          </p:cNvPr>
+          <p:cNvSpPr txBox="1"/>
+          <p:nvPr/>
+        </p:nvSpPr>
+        <p:spPr>
+          <a:xfrm>
+            <a:off x="317783" y="1859280"/>
+            <a:ext cx="2263491" cy="369332"/>
+          </a:xfrm>
+          <a:prstGeom prst="rect">
+            <a:avLst/>
+          </a:prstGeom>
+          <a:noFill/>
+        </p:spPr>
+        <p:txBody>
+          <a:bodyPr wrap="square" rtlCol="0">
+            <a:spAutoFit/>
+          </a:bodyPr>
+          <a:lstStyle/>
+          <a:p>
+            <a:r>
+              <a:rPr lang="de-DE" dirty="0">
+                <a:solidFill>
+                  <a:schemeClr val="bg1"/>
+                </a:solidFill>
+              </a:rPr>
+              <a:t>14,8 </a:t>
+            </a:r>
+            <a:r>
+              <a:rPr lang="de-DE" dirty="0" err="1">
+                <a:solidFill>
+                  <a:schemeClr val="bg1"/>
+                </a:solidFill>
+              </a:rPr>
+              <a:t>Seconds</a:t>
+            </a:r>
+            <a:endParaRPr lang="de-DE" dirty="0">
+              <a:solidFill>
+                <a:schemeClr val="bg1"/>
+              </a:solidFill>
+            </a:endParaRPr>
           </a:p>
         </p:txBody>
       </p:sp>

--- a/plans/PerformanceLayout.pptx
+++ b/plans/PerformanceLayout.pptx
@@ -6721,7 +6721,7 @@
         </p:nvSpPr>
         <p:spPr>
           <a:xfrm>
-            <a:off x="-1" y="215900"/>
+            <a:off x="-4" y="0"/>
             <a:ext cx="3737468" cy="6858000"/>
           </a:xfrm>
           <a:prstGeom prst="rect">
@@ -6806,84 +6806,6 @@
       </p:sp>
       <p:sp>
         <p:nvSpPr>
-          <p:cNvPr id="2" name="Rechteck: abgerundete Ecken 1">
-            <a:extLst>
-              <a:ext uri="{FF2B5EF4-FFF2-40B4-BE49-F238E27FC236}">
-                <a16:creationId xmlns:a16="http://schemas.microsoft.com/office/drawing/2014/main" id="{507964A9-941B-94A2-8E35-6112DD3D558C}"/>
-              </a:ext>
-            </a:extLst>
-          </p:cNvPr>
-          <p:cNvSpPr>
-            <a:spLocks/>
-          </p:cNvSpPr>
-          <p:nvPr/>
-        </p:nvSpPr>
-        <p:spPr>
-          <a:xfrm rot="21550660">
-            <a:off x="4966857" y="1677270"/>
-            <a:ext cx="1780458" cy="731295"/>
-          </a:xfrm>
-          <a:prstGeom prst="roundRect">
-            <a:avLst/>
-          </a:prstGeom>
-          <a:solidFill>
-            <a:srgbClr val="031956"/>
-          </a:solidFill>
-          <a:ln w="38100">
-            <a:solidFill>
-              <a:schemeClr val="bg1"/>
-            </a:solidFill>
-          </a:ln>
-        </p:spPr>
-        <p:style>
-          <a:lnRef idx="2">
-            <a:schemeClr val="accent1">
-              <a:shade val="50000"/>
-            </a:schemeClr>
-          </a:lnRef>
-          <a:fillRef idx="1">
-            <a:schemeClr val="accent1"/>
-          </a:fillRef>
-          <a:effectRef idx="0">
-            <a:schemeClr val="accent1"/>
-          </a:effectRef>
-          <a:fontRef idx="minor">
-            <a:schemeClr val="lt1"/>
-          </a:fontRef>
-        </p:style>
-        <p:txBody>
-          <a:bodyPr rtlCol="0" anchor="ctr"/>
-          <a:lstStyle/>
-          <a:p>
-            <a:r>
-              <a:rPr lang="de-DE" sz="1100" dirty="0">
-                <a:solidFill>
-                  <a:schemeClr val="accent1">
-                    <a:lumMod val="60000"/>
-                    <a:lumOff val="40000"/>
-                  </a:schemeClr>
-                </a:solidFill>
-              </a:rPr>
-              <a:t>14 Records</a:t>
-            </a:r>
-          </a:p>
-          <a:p>
-            <a:r>
-              <a:rPr lang="de-DE" dirty="0"/>
-              <a:t>200m	     </a:t>
-            </a:r>
-          </a:p>
-          <a:p>
-            <a:r>
-              <a:rPr lang="de-DE" sz="1100" dirty="0"/>
-              <a:t> 	       75%</a:t>
-            </a:r>
-            <a:endParaRPr lang="de-DE" dirty="0"/>
-          </a:p>
-        </p:txBody>
-      </p:sp>
-      <p:sp>
-        <p:nvSpPr>
           <p:cNvPr id="3" name="Textfeld 2">
             <a:extLst>
               <a:ext uri="{FF2B5EF4-FFF2-40B4-BE49-F238E27FC236}">
@@ -6897,7 +6819,7 @@
         <p:spPr>
           <a:xfrm>
             <a:off x="317787" y="759124"/>
-            <a:ext cx="3101895" cy="615553"/>
+            <a:ext cx="3101895" cy="830997"/>
           </a:xfrm>
           <a:prstGeom prst="rect">
             <a:avLst/>
@@ -6918,14 +6840,8 @@
               </a:rPr>
               <a:t>200m</a:t>
             </a:r>
-            <a:r>
-              <a:rPr lang="de-DE" dirty="0">
-                <a:solidFill>
-                  <a:schemeClr val="bg1"/>
-                </a:solidFill>
-              </a:rPr>
-              <a:t> </a:t>
-            </a:r>
+          </a:p>
+          <a:p>
             <a:r>
               <a:rPr lang="de-DE" sz="1400" dirty="0">
                 <a:solidFill>
@@ -7291,6 +7207,7 @@
           <a:bodyPr rtlCol="0" anchor="ctr"/>
           <a:lstStyle/>
           <a:p>
+            <a:pPr algn="ctr"/>
             <a:r>
               <a:rPr lang="en-US" dirty="0"/>
               <a:t>Set yourself a new target</a:t>
@@ -7370,7 +7287,7 @@
         </p:nvSpPr>
         <p:spPr>
           <a:xfrm>
-            <a:off x="317783" y="3801329"/>
+            <a:off x="352962" y="3801329"/>
             <a:ext cx="2263491" cy="406967"/>
           </a:xfrm>
           <a:prstGeom prst="roundRect">
@@ -7504,8 +7421,8 @@
         </p:nvSpPr>
         <p:spPr>
           <a:xfrm>
-            <a:off x="262360" y="1432202"/>
-            <a:ext cx="1475000" cy="369332"/>
+            <a:off x="0" y="1481953"/>
+            <a:ext cx="3737464" cy="369332"/>
           </a:xfrm>
           <a:prstGeom prst="rect">
             <a:avLst/>
@@ -7518,6 +7435,7 @@
           </a:bodyPr>
           <a:lstStyle/>
           <a:p>
+            <a:pPr algn="ctr"/>
             <a:r>
               <a:rPr lang="de-DE" dirty="0" err="1">
                 <a:solidFill>
@@ -7564,8 +7482,8 @@
         </p:nvSpPr>
         <p:spPr>
           <a:xfrm>
-            <a:off x="317783" y="1859280"/>
-            <a:ext cx="2263491" cy="369332"/>
+            <a:off x="1397479" y="2295812"/>
+            <a:ext cx="2022200" cy="369332"/>
           </a:xfrm>
           <a:prstGeom prst="rect">
             <a:avLst/>
@@ -7578,27 +7496,1002 @@
           </a:bodyPr>
           <a:lstStyle/>
           <a:p>
+            <a:pPr algn="r"/>
+            <a:r>
+              <a:rPr lang="de-DE" dirty="0">
+                <a:solidFill>
+                  <a:schemeClr val="bg1">
+                    <a:lumMod val="75000"/>
+                  </a:schemeClr>
+                </a:solidFill>
+              </a:rPr>
+              <a:t>14,5 s</a:t>
+            </a:r>
+          </a:p>
+        </p:txBody>
+      </p:sp>
+      <p:sp>
+        <p:nvSpPr>
+          <p:cNvPr id="6" name="Textfeld 5">
+            <a:extLst>
+              <a:ext uri="{FF2B5EF4-FFF2-40B4-BE49-F238E27FC236}">
+                <a16:creationId xmlns:a16="http://schemas.microsoft.com/office/drawing/2014/main" id="{DC1F2808-89EF-8ADA-B258-2D95D5D872C5}"/>
+              </a:ext>
+            </a:extLst>
+          </p:cNvPr>
+          <p:cNvSpPr txBox="1"/>
+          <p:nvPr/>
+        </p:nvSpPr>
+        <p:spPr>
+          <a:xfrm>
+            <a:off x="0" y="1813876"/>
+            <a:ext cx="3737464" cy="400110"/>
+          </a:xfrm>
+          <a:prstGeom prst="rect">
+            <a:avLst/>
+          </a:prstGeom>
+          <a:noFill/>
+        </p:spPr>
+        <p:txBody>
+          <a:bodyPr wrap="square" rtlCol="0">
+            <a:spAutoFit/>
+          </a:bodyPr>
+          <a:lstStyle/>
+          <a:p>
+            <a:pPr algn="ctr"/>
             <a:r>
               <a:rPr lang="de-DE" dirty="0">
                 <a:solidFill>
                   <a:schemeClr val="bg1"/>
                 </a:solidFill>
               </a:rPr>
-              <a:t>14,8 </a:t>
-            </a:r>
-            <a:r>
-              <a:rPr lang="de-DE" dirty="0" err="1">
+              <a:t>14,5 </a:t>
+            </a:r>
+            <a:r>
+              <a:rPr lang="de-DE" sz="2000" dirty="0">
                 <a:solidFill>
                   <a:schemeClr val="bg1"/>
                 </a:solidFill>
               </a:rPr>
-              <a:t>Seconds</a:t>
+              <a:t>s</a:t>
             </a:r>
             <a:endParaRPr lang="de-DE" dirty="0">
               <a:solidFill>
                 <a:schemeClr val="bg1"/>
               </a:solidFill>
             </a:endParaRPr>
+          </a:p>
+        </p:txBody>
+      </p:sp>
+      <p:pic>
+        <p:nvPicPr>
+          <p:cNvPr id="8" name="Grafik 7">
+            <a:extLst>
+              <a:ext uri="{FF2B5EF4-FFF2-40B4-BE49-F238E27FC236}">
+                <a16:creationId xmlns:a16="http://schemas.microsoft.com/office/drawing/2014/main" id="{5DA5C802-520D-FC09-386C-58A1D70C895B}"/>
+              </a:ext>
+            </a:extLst>
+          </p:cNvPr>
+          <p:cNvPicPr>
+            <a:picLocks noChangeAspect="1"/>
+          </p:cNvPicPr>
+          <p:nvPr/>
+        </p:nvPicPr>
+        <p:blipFill>
+          <a:blip r:embed="rId2">
+            <a:extLst>
+              <a:ext uri="{BEBA8EAE-BF5A-486C-A8C5-ECC9F3942E4B}">
+                <a14:imgProps xmlns:a14="http://schemas.microsoft.com/office/drawing/2010/main">
+                  <a14:imgLayer r:embed="rId3">
+                    <a14:imgEffect>
+                      <a14:artisticPhotocopy/>
+                    </a14:imgEffect>
+                  </a14:imgLayer>
+                </a14:imgProps>
+              </a:ext>
+              <a:ext uri="{28A0092B-C50C-407E-A947-70E740481C1C}">
+                <a14:useLocalDpi xmlns:a14="http://schemas.microsoft.com/office/drawing/2010/main" val="0"/>
+              </a:ext>
+            </a:extLst>
+          </a:blip>
+          <a:stretch>
+            <a:fillRect/>
+          </a:stretch>
+        </p:blipFill>
+        <p:spPr>
+          <a:xfrm>
+            <a:off x="1037752" y="860807"/>
+            <a:ext cx="210021" cy="210021"/>
+          </a:xfrm>
+          <a:prstGeom prst="rect">
+            <a:avLst/>
+          </a:prstGeom>
+        </p:spPr>
+      </p:pic>
+      <p:pic>
+        <p:nvPicPr>
+          <p:cNvPr id="14" name="Grafik 13">
+            <a:extLst>
+              <a:ext uri="{FF2B5EF4-FFF2-40B4-BE49-F238E27FC236}">
+                <a16:creationId xmlns:a16="http://schemas.microsoft.com/office/drawing/2014/main" id="{F8D28042-9D79-60CC-13FF-025B3E2BA1E8}"/>
+              </a:ext>
+            </a:extLst>
+          </p:cNvPr>
+          <p:cNvPicPr>
+            <a:picLocks noChangeAspect="1"/>
+          </p:cNvPicPr>
+          <p:nvPr/>
+        </p:nvPicPr>
+        <p:blipFill>
+          <a:blip r:embed="rId2">
+            <a:extLst>
+              <a:ext uri="{BEBA8EAE-BF5A-486C-A8C5-ECC9F3942E4B}">
+                <a14:imgProps xmlns:a14="http://schemas.microsoft.com/office/drawing/2010/main">
+                  <a14:imgLayer r:embed="rId3">
+                    <a14:imgEffect>
+                      <a14:artisticPhotocopy/>
+                    </a14:imgEffect>
+                  </a14:imgLayer>
+                </a14:imgProps>
+              </a:ext>
+              <a:ext uri="{28A0092B-C50C-407E-A947-70E740481C1C}">
+                <a14:useLocalDpi xmlns:a14="http://schemas.microsoft.com/office/drawing/2010/main" val="0"/>
+              </a:ext>
+            </a:extLst>
+          </a:blip>
+          <a:stretch>
+            <a:fillRect/>
+          </a:stretch>
+        </p:blipFill>
+        <p:spPr>
+          <a:xfrm>
+            <a:off x="2903563" y="1323471"/>
+            <a:ext cx="210021" cy="210021"/>
+          </a:xfrm>
+          <a:prstGeom prst="rect">
+            <a:avLst/>
+          </a:prstGeom>
+        </p:spPr>
+      </p:pic>
+      <p:sp>
+        <p:nvSpPr>
+          <p:cNvPr id="15" name="Textfeld 14">
+            <a:extLst>
+              <a:ext uri="{FF2B5EF4-FFF2-40B4-BE49-F238E27FC236}">
+                <a16:creationId xmlns:a16="http://schemas.microsoft.com/office/drawing/2014/main" id="{C645A7B3-0141-7082-F4DD-95D9C8D8D518}"/>
+              </a:ext>
+            </a:extLst>
+          </p:cNvPr>
+          <p:cNvSpPr txBox="1"/>
+          <p:nvPr/>
+        </p:nvSpPr>
+        <p:spPr>
+          <a:xfrm>
+            <a:off x="2108198" y="808347"/>
+            <a:ext cx="1407615" cy="307777"/>
+          </a:xfrm>
+          <a:prstGeom prst="rect">
+            <a:avLst/>
+          </a:prstGeom>
+          <a:noFill/>
+        </p:spPr>
+        <p:txBody>
+          <a:bodyPr wrap="square" rtlCol="0">
+            <a:spAutoFit/>
+          </a:bodyPr>
+          <a:lstStyle/>
+          <a:p>
+            <a:pPr algn="r"/>
+            <a:r>
+              <a:rPr lang="de-DE" sz="1400" dirty="0">
+                <a:solidFill>
+                  <a:schemeClr val="accent1">
+                    <a:lumMod val="60000"/>
+                    <a:lumOff val="40000"/>
+                  </a:schemeClr>
+                </a:solidFill>
+              </a:rPr>
+              <a:t>14 Records</a:t>
+            </a:r>
+          </a:p>
+        </p:txBody>
+      </p:sp>
+      <p:sp>
+        <p:nvSpPr>
+          <p:cNvPr id="16" name="Rechteck: abgerundete Ecken 15">
+            <a:extLst>
+              <a:ext uri="{FF2B5EF4-FFF2-40B4-BE49-F238E27FC236}">
+                <a16:creationId xmlns:a16="http://schemas.microsoft.com/office/drawing/2014/main" id="{C7089147-E1BF-4BC5-A4D7-7255E34E46A4}"/>
+              </a:ext>
+            </a:extLst>
+          </p:cNvPr>
+          <p:cNvSpPr/>
+          <p:nvPr/>
+        </p:nvSpPr>
+        <p:spPr>
+          <a:xfrm>
+            <a:off x="317783" y="4425625"/>
+            <a:ext cx="3101894" cy="406967"/>
+          </a:xfrm>
+          <a:prstGeom prst="roundRect">
+            <a:avLst/>
+          </a:prstGeom>
+          <a:solidFill>
+            <a:srgbClr val="2C4288"/>
+          </a:solidFill>
+          <a:ln>
+            <a:solidFill>
+              <a:srgbClr val="203864"/>
+            </a:solidFill>
+          </a:ln>
+        </p:spPr>
+        <p:style>
+          <a:lnRef idx="2">
+            <a:schemeClr val="accent1">
+              <a:shade val="50000"/>
+            </a:schemeClr>
+          </a:lnRef>
+          <a:fillRef idx="1">
+            <a:schemeClr val="accent1"/>
+          </a:fillRef>
+          <a:effectRef idx="0">
+            <a:schemeClr val="accent1"/>
+          </a:effectRef>
+          <a:fontRef idx="minor">
+            <a:schemeClr val="lt1"/>
+          </a:fontRef>
+        </p:style>
+        <p:txBody>
+          <a:bodyPr rtlCol="0" anchor="ctr"/>
+          <a:lstStyle/>
+          <a:p>
+            <a:pPr algn="ctr"/>
+            <a:r>
+              <a:rPr lang="en-US" dirty="0"/>
+              <a:t>Manage Athletes</a:t>
+            </a:r>
+            <a:endParaRPr lang="de-DE" dirty="0"/>
+          </a:p>
+        </p:txBody>
+      </p:sp>
+      <p:sp>
+        <p:nvSpPr>
+          <p:cNvPr id="24" name="Rechteck 23">
+            <a:extLst>
+              <a:ext uri="{FF2B5EF4-FFF2-40B4-BE49-F238E27FC236}">
+                <a16:creationId xmlns:a16="http://schemas.microsoft.com/office/drawing/2014/main" id="{45ECFD9F-EAE7-B22C-1499-89DC01B3A2B8}"/>
+              </a:ext>
+            </a:extLst>
+          </p:cNvPr>
+          <p:cNvSpPr/>
+          <p:nvPr/>
+        </p:nvSpPr>
+        <p:spPr>
+          <a:xfrm>
+            <a:off x="3928500" y="0"/>
+            <a:ext cx="3737468" cy="6858000"/>
+          </a:xfrm>
+          <a:prstGeom prst="rect">
+            <a:avLst/>
+          </a:prstGeom>
+          <a:solidFill>
+            <a:srgbClr val="031956"/>
+          </a:solidFill>
+        </p:spPr>
+        <p:style>
+          <a:lnRef idx="2">
+            <a:schemeClr val="accent1">
+              <a:shade val="50000"/>
+            </a:schemeClr>
+          </a:lnRef>
+          <a:fillRef idx="1">
+            <a:schemeClr val="accent1"/>
+          </a:fillRef>
+          <a:effectRef idx="0">
+            <a:schemeClr val="accent1"/>
+          </a:effectRef>
+          <a:fontRef idx="minor">
+            <a:schemeClr val="lt1"/>
+          </a:fontRef>
+        </p:style>
+        <p:txBody>
+          <a:bodyPr rtlCol="0" anchor="ctr"/>
+          <a:lstStyle/>
+          <a:p>
+            <a:pPr algn="ctr"/>
+            <a:endParaRPr lang="de-DE"/>
+          </a:p>
+        </p:txBody>
+      </p:sp>
+      <p:sp>
+        <p:nvSpPr>
+          <p:cNvPr id="25" name="Rechteck: abgerundete Ecken 24">
+            <a:extLst>
+              <a:ext uri="{FF2B5EF4-FFF2-40B4-BE49-F238E27FC236}">
+                <a16:creationId xmlns:a16="http://schemas.microsoft.com/office/drawing/2014/main" id="{C040BB1C-C68B-F55A-2D65-3EBBBE43D1A6}"/>
+              </a:ext>
+            </a:extLst>
+          </p:cNvPr>
+          <p:cNvSpPr/>
+          <p:nvPr/>
+        </p:nvSpPr>
+        <p:spPr>
+          <a:xfrm>
+            <a:off x="4243630" y="1497196"/>
+            <a:ext cx="3101896" cy="406967"/>
+          </a:xfrm>
+          <a:prstGeom prst="roundRect">
+            <a:avLst/>
+          </a:prstGeom>
+          <a:solidFill>
+            <a:srgbClr val="2C4288"/>
+          </a:solidFill>
+          <a:ln>
+            <a:solidFill>
+              <a:srgbClr val="203864"/>
+            </a:solidFill>
+          </a:ln>
+        </p:spPr>
+        <p:style>
+          <a:lnRef idx="2">
+            <a:schemeClr val="accent1">
+              <a:shade val="50000"/>
+            </a:schemeClr>
+          </a:lnRef>
+          <a:fillRef idx="1">
+            <a:schemeClr val="accent1"/>
+          </a:fillRef>
+          <a:effectRef idx="0">
+            <a:schemeClr val="accent1"/>
+          </a:effectRef>
+          <a:fontRef idx="minor">
+            <a:schemeClr val="lt1"/>
+          </a:fontRef>
+        </p:style>
+        <p:txBody>
+          <a:bodyPr rtlCol="0" anchor="ctr"/>
+          <a:lstStyle/>
+          <a:p>
+            <a:r>
+              <a:rPr lang="de-DE" dirty="0">
+                <a:solidFill>
+                  <a:schemeClr val="bg1">
+                    <a:lumMod val="50000"/>
+                  </a:schemeClr>
+                </a:solidFill>
+              </a:rPr>
+              <a:t>Search</a:t>
+            </a:r>
+          </a:p>
+        </p:txBody>
+      </p:sp>
+      <p:cxnSp>
+        <p:nvCxnSpPr>
+          <p:cNvPr id="26" name="Gerader Verbinder 25">
+            <a:extLst>
+              <a:ext uri="{FF2B5EF4-FFF2-40B4-BE49-F238E27FC236}">
+                <a16:creationId xmlns:a16="http://schemas.microsoft.com/office/drawing/2014/main" id="{8354A28D-B2A2-E14D-2D28-F7F16D4822F4}"/>
+              </a:ext>
+            </a:extLst>
+          </p:cNvPr>
+          <p:cNvCxnSpPr>
+            <a:cxnSpLocks/>
+          </p:cNvCxnSpPr>
+          <p:nvPr/>
+        </p:nvCxnSpPr>
+        <p:spPr>
+          <a:xfrm>
+            <a:off x="4325762" y="1852732"/>
+            <a:ext cx="2543805" cy="0"/>
+          </a:xfrm>
+          <a:prstGeom prst="line">
+            <a:avLst/>
+          </a:prstGeom>
+          <a:ln w="28575"/>
+        </p:spPr>
+        <p:style>
+          <a:lnRef idx="1">
+            <a:schemeClr val="accent1"/>
+          </a:lnRef>
+          <a:fillRef idx="0">
+            <a:schemeClr val="accent1"/>
+          </a:fillRef>
+          <a:effectRef idx="0">
+            <a:schemeClr val="accent1"/>
+          </a:effectRef>
+          <a:fontRef idx="minor">
+            <a:schemeClr val="tx1"/>
+          </a:fontRef>
+        </p:style>
+      </p:cxnSp>
+      <p:sp>
+        <p:nvSpPr>
+          <p:cNvPr id="30" name="Rechteck: abgerundete Ecken 29">
+            <a:extLst>
+              <a:ext uri="{FF2B5EF4-FFF2-40B4-BE49-F238E27FC236}">
+                <a16:creationId xmlns:a16="http://schemas.microsoft.com/office/drawing/2014/main" id="{AD06C759-067E-BA8A-0EE2-67AF54EC64E6}"/>
+              </a:ext>
+            </a:extLst>
+          </p:cNvPr>
+          <p:cNvSpPr/>
+          <p:nvPr/>
+        </p:nvSpPr>
+        <p:spPr>
+          <a:xfrm>
+            <a:off x="4263282" y="2135786"/>
+            <a:ext cx="3101896" cy="406967"/>
+          </a:xfrm>
+          <a:prstGeom prst="roundRect">
+            <a:avLst/>
+          </a:prstGeom>
+          <a:solidFill>
+            <a:srgbClr val="2C4288"/>
+          </a:solidFill>
+          <a:ln w="28575">
+            <a:solidFill>
+              <a:schemeClr val="bg1"/>
+            </a:solidFill>
+          </a:ln>
+        </p:spPr>
+        <p:style>
+          <a:lnRef idx="2">
+            <a:schemeClr val="accent1">
+              <a:shade val="50000"/>
+            </a:schemeClr>
+          </a:lnRef>
+          <a:fillRef idx="1">
+            <a:schemeClr val="accent1"/>
+          </a:fillRef>
+          <a:effectRef idx="0">
+            <a:schemeClr val="accent1"/>
+          </a:effectRef>
+          <a:fontRef idx="minor">
+            <a:schemeClr val="lt1"/>
+          </a:fontRef>
+        </p:style>
+        <p:txBody>
+          <a:bodyPr rtlCol="0" anchor="ctr"/>
+          <a:lstStyle/>
+          <a:p>
+            <a:r>
+              <a:rPr lang="de-DE" dirty="0"/>
+              <a:t>        Max Muster</a:t>
+            </a:r>
+          </a:p>
+        </p:txBody>
+      </p:sp>
+      <p:grpSp>
+        <p:nvGrpSpPr>
+          <p:cNvPr id="31" name="Gruppieren 30">
+            <a:extLst>
+              <a:ext uri="{FF2B5EF4-FFF2-40B4-BE49-F238E27FC236}">
+                <a16:creationId xmlns:a16="http://schemas.microsoft.com/office/drawing/2014/main" id="{42AA8C6D-A481-AA5C-0B9D-7B88F7E80F67}"/>
+              </a:ext>
+            </a:extLst>
+          </p:cNvPr>
+          <p:cNvGrpSpPr/>
+          <p:nvPr/>
+        </p:nvGrpSpPr>
+        <p:grpSpPr>
+          <a:xfrm>
+            <a:off x="4321569" y="2167579"/>
+            <a:ext cx="364905" cy="364905"/>
+            <a:chOff x="7934606" y="4575395"/>
+            <a:chExt cx="1315529" cy="1315529"/>
+          </a:xfrm>
+        </p:grpSpPr>
+        <p:sp>
+          <p:nvSpPr>
+            <p:cNvPr id="32" name="Ellipse 31">
+              <a:extLst>
+                <a:ext uri="{FF2B5EF4-FFF2-40B4-BE49-F238E27FC236}">
+                  <a16:creationId xmlns:a16="http://schemas.microsoft.com/office/drawing/2014/main" id="{B7B904AE-767C-EF1C-EC35-D6484F4E4761}"/>
+                </a:ext>
+              </a:extLst>
+            </p:cNvPr>
+            <p:cNvSpPr/>
+            <p:nvPr/>
+          </p:nvSpPr>
+          <p:spPr>
+            <a:xfrm>
+              <a:off x="7934606" y="4575395"/>
+              <a:ext cx="1315529" cy="1315529"/>
+            </a:xfrm>
+            <a:prstGeom prst="ellipse">
+              <a:avLst/>
+            </a:prstGeom>
+          </p:spPr>
+          <p:style>
+            <a:lnRef idx="2">
+              <a:schemeClr val="accent1">
+                <a:shade val="50000"/>
+              </a:schemeClr>
+            </a:lnRef>
+            <a:fillRef idx="1">
+              <a:schemeClr val="accent1"/>
+            </a:fillRef>
+            <a:effectRef idx="0">
+              <a:schemeClr val="accent1"/>
+            </a:effectRef>
+            <a:fontRef idx="minor">
+              <a:schemeClr val="lt1"/>
+            </a:fontRef>
+          </p:style>
+          <p:txBody>
+            <a:bodyPr rtlCol="0" anchor="ctr"/>
+            <a:lstStyle/>
+            <a:p>
+              <a:pPr algn="ctr"/>
+              <a:endParaRPr lang="de-DE"/>
+            </a:p>
+          </p:txBody>
+        </p:sp>
+        <p:sp>
+          <p:nvSpPr>
+            <p:cNvPr id="33" name="Ellipse 32">
+              <a:extLst>
+                <a:ext uri="{FF2B5EF4-FFF2-40B4-BE49-F238E27FC236}">
+                  <a16:creationId xmlns:a16="http://schemas.microsoft.com/office/drawing/2014/main" id="{9D92BFA3-6C40-154E-4073-2FDA77F5E021}"/>
+                </a:ext>
+              </a:extLst>
+            </p:cNvPr>
+            <p:cNvSpPr/>
+            <p:nvPr/>
+          </p:nvSpPr>
+          <p:spPr>
+            <a:xfrm>
+              <a:off x="8348694" y="4839027"/>
+              <a:ext cx="457200" cy="452356"/>
+            </a:xfrm>
+            <a:prstGeom prst="ellipse">
+              <a:avLst/>
+            </a:prstGeom>
+            <a:solidFill>
+              <a:schemeClr val="accent1">
+                <a:lumMod val="60000"/>
+                <a:lumOff val="40000"/>
+              </a:schemeClr>
+            </a:solidFill>
+          </p:spPr>
+          <p:style>
+            <a:lnRef idx="2">
+              <a:schemeClr val="accent1">
+                <a:shade val="50000"/>
+              </a:schemeClr>
+            </a:lnRef>
+            <a:fillRef idx="1">
+              <a:schemeClr val="accent1"/>
+            </a:fillRef>
+            <a:effectRef idx="0">
+              <a:schemeClr val="accent1"/>
+            </a:effectRef>
+            <a:fontRef idx="minor">
+              <a:schemeClr val="lt1"/>
+            </a:fontRef>
+          </p:style>
+          <p:txBody>
+            <a:bodyPr rtlCol="0" anchor="ctr"/>
+            <a:lstStyle/>
+            <a:p>
+              <a:pPr algn="ctr"/>
+              <a:endParaRPr lang="de-DE"/>
+            </a:p>
+          </p:txBody>
+        </p:sp>
+        <p:sp>
+          <p:nvSpPr>
+            <p:cNvPr id="34" name="Ellipse 33">
+              <a:extLst>
+                <a:ext uri="{FF2B5EF4-FFF2-40B4-BE49-F238E27FC236}">
+                  <a16:creationId xmlns:a16="http://schemas.microsoft.com/office/drawing/2014/main" id="{4D666753-7E29-2541-A458-6274A6E9A3E9}"/>
+                </a:ext>
+              </a:extLst>
+            </p:cNvPr>
+            <p:cNvSpPr/>
+            <p:nvPr/>
+          </p:nvSpPr>
+          <p:spPr>
+            <a:xfrm>
+              <a:off x="8171593" y="5354927"/>
+              <a:ext cx="873153" cy="452356"/>
+            </a:xfrm>
+            <a:prstGeom prst="ellipse">
+              <a:avLst/>
+            </a:prstGeom>
+            <a:solidFill>
+              <a:schemeClr val="accent1">
+                <a:lumMod val="60000"/>
+                <a:lumOff val="40000"/>
+              </a:schemeClr>
+            </a:solidFill>
+          </p:spPr>
+          <p:style>
+            <a:lnRef idx="2">
+              <a:schemeClr val="accent1">
+                <a:shade val="50000"/>
+              </a:schemeClr>
+            </a:lnRef>
+            <a:fillRef idx="1">
+              <a:schemeClr val="accent1"/>
+            </a:fillRef>
+            <a:effectRef idx="0">
+              <a:schemeClr val="accent1"/>
+            </a:effectRef>
+            <a:fontRef idx="minor">
+              <a:schemeClr val="lt1"/>
+            </a:fontRef>
+          </p:style>
+          <p:txBody>
+            <a:bodyPr rtlCol="0" anchor="ctr"/>
+            <a:lstStyle/>
+            <a:p>
+              <a:pPr algn="ctr"/>
+              <a:endParaRPr lang="de-DE"/>
+            </a:p>
+          </p:txBody>
+        </p:sp>
+      </p:grpSp>
+      <p:grpSp>
+        <p:nvGrpSpPr>
+          <p:cNvPr id="45" name="Gruppieren 44">
+            <a:extLst>
+              <a:ext uri="{FF2B5EF4-FFF2-40B4-BE49-F238E27FC236}">
+                <a16:creationId xmlns:a16="http://schemas.microsoft.com/office/drawing/2014/main" id="{06B6D44D-FE91-4756-9233-96E43BEF628F}"/>
+              </a:ext>
+            </a:extLst>
+          </p:cNvPr>
+          <p:cNvGrpSpPr/>
+          <p:nvPr/>
+        </p:nvGrpSpPr>
+        <p:grpSpPr>
+          <a:xfrm>
+            <a:off x="4243630" y="2667627"/>
+            <a:ext cx="3101896" cy="406967"/>
+            <a:chOff x="4243630" y="2667627"/>
+            <a:chExt cx="3101896" cy="406967"/>
+          </a:xfrm>
+        </p:grpSpPr>
+        <p:sp>
+          <p:nvSpPr>
+            <p:cNvPr id="35" name="Rechteck: abgerundete Ecken 34">
+              <a:extLst>
+                <a:ext uri="{FF2B5EF4-FFF2-40B4-BE49-F238E27FC236}">
+                  <a16:creationId xmlns:a16="http://schemas.microsoft.com/office/drawing/2014/main" id="{5603402B-D803-7F5C-96FD-C4091A877E08}"/>
+                </a:ext>
+              </a:extLst>
+            </p:cNvPr>
+            <p:cNvSpPr/>
+            <p:nvPr/>
+          </p:nvSpPr>
+          <p:spPr>
+            <a:xfrm>
+              <a:off x="4243630" y="2667627"/>
+              <a:ext cx="3101896" cy="406967"/>
+            </a:xfrm>
+            <a:prstGeom prst="roundRect">
+              <a:avLst/>
+            </a:prstGeom>
+            <a:solidFill>
+              <a:srgbClr val="2C4288"/>
+            </a:solidFill>
+            <a:ln>
+              <a:solidFill>
+                <a:srgbClr val="203864"/>
+              </a:solidFill>
+            </a:ln>
+          </p:spPr>
+          <p:style>
+            <a:lnRef idx="2">
+              <a:schemeClr val="accent1">
+                <a:shade val="50000"/>
+              </a:schemeClr>
+            </a:lnRef>
+            <a:fillRef idx="1">
+              <a:schemeClr val="accent1"/>
+            </a:fillRef>
+            <a:effectRef idx="0">
+              <a:schemeClr val="accent1"/>
+            </a:effectRef>
+            <a:fontRef idx="minor">
+              <a:schemeClr val="lt1"/>
+            </a:fontRef>
+          </p:style>
+          <p:txBody>
+            <a:bodyPr rtlCol="0" anchor="ctr"/>
+            <a:lstStyle/>
+            <a:p>
+              <a:r>
+                <a:rPr lang="de-DE" dirty="0"/>
+                <a:t>        Max Muster</a:t>
+              </a:r>
+            </a:p>
+          </p:txBody>
+        </p:sp>
+        <p:grpSp>
+          <p:nvGrpSpPr>
+            <p:cNvPr id="36" name="Gruppieren 35">
+              <a:extLst>
+                <a:ext uri="{FF2B5EF4-FFF2-40B4-BE49-F238E27FC236}">
+                  <a16:creationId xmlns:a16="http://schemas.microsoft.com/office/drawing/2014/main" id="{63B2BCFD-5978-7C67-82CA-313F0F6646A4}"/>
+                </a:ext>
+              </a:extLst>
+            </p:cNvPr>
+            <p:cNvGrpSpPr/>
+            <p:nvPr/>
+          </p:nvGrpSpPr>
+          <p:grpSpPr>
+            <a:xfrm>
+              <a:off x="4301917" y="2699420"/>
+              <a:ext cx="364905" cy="364905"/>
+              <a:chOff x="7934606" y="4575395"/>
+              <a:chExt cx="1315529" cy="1315529"/>
+            </a:xfrm>
+          </p:grpSpPr>
+          <p:sp>
+            <p:nvSpPr>
+              <p:cNvPr id="37" name="Ellipse 36">
+                <a:extLst>
+                  <a:ext uri="{FF2B5EF4-FFF2-40B4-BE49-F238E27FC236}">
+                    <a16:creationId xmlns:a16="http://schemas.microsoft.com/office/drawing/2014/main" id="{6B78CEBA-B3F8-F7E4-8A98-26F17858A59D}"/>
+                  </a:ext>
+                </a:extLst>
+              </p:cNvPr>
+              <p:cNvSpPr/>
+              <p:nvPr/>
+            </p:nvSpPr>
+            <p:spPr>
+              <a:xfrm>
+                <a:off x="7934606" y="4575395"/>
+                <a:ext cx="1315529" cy="1315529"/>
+              </a:xfrm>
+              <a:prstGeom prst="ellipse">
+                <a:avLst/>
+              </a:prstGeom>
+            </p:spPr>
+            <p:style>
+              <a:lnRef idx="2">
+                <a:schemeClr val="accent1">
+                  <a:shade val="50000"/>
+                </a:schemeClr>
+              </a:lnRef>
+              <a:fillRef idx="1">
+                <a:schemeClr val="accent1"/>
+              </a:fillRef>
+              <a:effectRef idx="0">
+                <a:schemeClr val="accent1"/>
+              </a:effectRef>
+              <a:fontRef idx="minor">
+                <a:schemeClr val="lt1"/>
+              </a:fontRef>
+            </p:style>
+            <p:txBody>
+              <a:bodyPr rtlCol="0" anchor="ctr"/>
+              <a:lstStyle/>
+              <a:p>
+                <a:pPr algn="ctr"/>
+                <a:endParaRPr lang="de-DE"/>
+              </a:p>
+            </p:txBody>
+          </p:sp>
+          <p:sp>
+            <p:nvSpPr>
+              <p:cNvPr id="38" name="Ellipse 37">
+                <a:extLst>
+                  <a:ext uri="{FF2B5EF4-FFF2-40B4-BE49-F238E27FC236}">
+                    <a16:creationId xmlns:a16="http://schemas.microsoft.com/office/drawing/2014/main" id="{E75F6462-C6D3-AEB2-9C5B-9F867C3F9B9F}"/>
+                  </a:ext>
+                </a:extLst>
+              </p:cNvPr>
+              <p:cNvSpPr/>
+              <p:nvPr/>
+            </p:nvSpPr>
+            <p:spPr>
+              <a:xfrm>
+                <a:off x="8348694" y="4839027"/>
+                <a:ext cx="457200" cy="452356"/>
+              </a:xfrm>
+              <a:prstGeom prst="ellipse">
+                <a:avLst/>
+              </a:prstGeom>
+              <a:solidFill>
+                <a:schemeClr val="accent1">
+                  <a:lumMod val="60000"/>
+                  <a:lumOff val="40000"/>
+                </a:schemeClr>
+              </a:solidFill>
+            </p:spPr>
+            <p:style>
+              <a:lnRef idx="2">
+                <a:schemeClr val="accent1">
+                  <a:shade val="50000"/>
+                </a:schemeClr>
+              </a:lnRef>
+              <a:fillRef idx="1">
+                <a:schemeClr val="accent1"/>
+              </a:fillRef>
+              <a:effectRef idx="0">
+                <a:schemeClr val="accent1"/>
+              </a:effectRef>
+              <a:fontRef idx="minor">
+                <a:schemeClr val="lt1"/>
+              </a:fontRef>
+            </p:style>
+            <p:txBody>
+              <a:bodyPr rtlCol="0" anchor="ctr"/>
+              <a:lstStyle/>
+              <a:p>
+                <a:pPr algn="ctr"/>
+                <a:endParaRPr lang="de-DE"/>
+              </a:p>
+            </p:txBody>
+          </p:sp>
+          <p:sp>
+            <p:nvSpPr>
+              <p:cNvPr id="39" name="Ellipse 38">
+                <a:extLst>
+                  <a:ext uri="{FF2B5EF4-FFF2-40B4-BE49-F238E27FC236}">
+                    <a16:creationId xmlns:a16="http://schemas.microsoft.com/office/drawing/2014/main" id="{82BEA850-77E9-32E9-FE27-0D69F4B7E9E8}"/>
+                  </a:ext>
+                </a:extLst>
+              </p:cNvPr>
+              <p:cNvSpPr/>
+              <p:nvPr/>
+            </p:nvSpPr>
+            <p:spPr>
+              <a:xfrm>
+                <a:off x="8171593" y="5354927"/>
+                <a:ext cx="873153" cy="452356"/>
+              </a:xfrm>
+              <a:prstGeom prst="ellipse">
+                <a:avLst/>
+              </a:prstGeom>
+              <a:solidFill>
+                <a:schemeClr val="accent1">
+                  <a:lumMod val="60000"/>
+                  <a:lumOff val="40000"/>
+                </a:schemeClr>
+              </a:solidFill>
+            </p:spPr>
+            <p:style>
+              <a:lnRef idx="2">
+                <a:schemeClr val="accent1">
+                  <a:shade val="50000"/>
+                </a:schemeClr>
+              </a:lnRef>
+              <a:fillRef idx="1">
+                <a:schemeClr val="accent1"/>
+              </a:fillRef>
+              <a:effectRef idx="0">
+                <a:schemeClr val="accent1"/>
+              </a:effectRef>
+              <a:fontRef idx="minor">
+                <a:schemeClr val="lt1"/>
+              </a:fontRef>
+            </p:style>
+            <p:txBody>
+              <a:bodyPr rtlCol="0" anchor="ctr"/>
+              <a:lstStyle/>
+              <a:p>
+                <a:pPr algn="ctr"/>
+                <a:endParaRPr lang="de-DE"/>
+              </a:p>
+            </p:txBody>
+          </p:sp>
+        </p:grpSp>
+      </p:grpSp>
+      <p:sp>
+        <p:nvSpPr>
+          <p:cNvPr id="43" name="Rechteck: abgerundete Ecken 42">
+            <a:extLst>
+              <a:ext uri="{FF2B5EF4-FFF2-40B4-BE49-F238E27FC236}">
+                <a16:creationId xmlns:a16="http://schemas.microsoft.com/office/drawing/2014/main" id="{5640150E-F4AB-7C3F-B8CB-ECDC036FA4C6}"/>
+              </a:ext>
+            </a:extLst>
+          </p:cNvPr>
+          <p:cNvSpPr/>
+          <p:nvPr/>
+        </p:nvSpPr>
+        <p:spPr>
+          <a:xfrm>
+            <a:off x="4263282" y="918299"/>
+            <a:ext cx="1507790" cy="406967"/>
+          </a:xfrm>
+          <a:prstGeom prst="roundRect">
+            <a:avLst/>
+          </a:prstGeom>
+          <a:solidFill>
+            <a:srgbClr val="2C4288"/>
+          </a:solidFill>
+          <a:ln>
+            <a:solidFill>
+              <a:srgbClr val="203864"/>
+            </a:solidFill>
+          </a:ln>
+        </p:spPr>
+        <p:style>
+          <a:lnRef idx="2">
+            <a:schemeClr val="accent1">
+              <a:shade val="50000"/>
+            </a:schemeClr>
+          </a:lnRef>
+          <a:fillRef idx="1">
+            <a:schemeClr val="accent1"/>
+          </a:fillRef>
+          <a:effectRef idx="0">
+            <a:schemeClr val="accent1"/>
+          </a:effectRef>
+          <a:fontRef idx="minor">
+            <a:schemeClr val="lt1"/>
+          </a:fontRef>
+        </p:style>
+        <p:txBody>
+          <a:bodyPr rtlCol="0" anchor="ctr"/>
+          <a:lstStyle/>
+          <a:p>
+            <a:r>
+              <a:rPr lang="de-DE" dirty="0" err="1"/>
+              <a:t>Make</a:t>
+            </a:r>
+            <a:r>
+              <a:rPr lang="de-DE" dirty="0"/>
+              <a:t> Admin</a:t>
+            </a:r>
+          </a:p>
+        </p:txBody>
+      </p:sp>
+      <p:sp>
+        <p:nvSpPr>
+          <p:cNvPr id="44" name="Rechteck: abgerundete Ecken 43">
+            <a:extLst>
+              <a:ext uri="{FF2B5EF4-FFF2-40B4-BE49-F238E27FC236}">
+                <a16:creationId xmlns:a16="http://schemas.microsoft.com/office/drawing/2014/main" id="{9E5CE945-C13D-4220-6BB5-E8455F8D9371}"/>
+              </a:ext>
+            </a:extLst>
+          </p:cNvPr>
+          <p:cNvSpPr/>
+          <p:nvPr/>
+        </p:nvSpPr>
+        <p:spPr>
+          <a:xfrm>
+            <a:off x="5906446" y="911981"/>
+            <a:ext cx="1507790" cy="406967"/>
+          </a:xfrm>
+          <a:prstGeom prst="roundRect">
+            <a:avLst/>
+          </a:prstGeom>
+          <a:solidFill>
+            <a:srgbClr val="2C4288"/>
+          </a:solidFill>
+          <a:ln>
+            <a:solidFill>
+              <a:srgbClr val="203864"/>
+            </a:solidFill>
+          </a:ln>
+        </p:spPr>
+        <p:style>
+          <a:lnRef idx="2">
+            <a:schemeClr val="accent1">
+              <a:shade val="50000"/>
+            </a:schemeClr>
+          </a:lnRef>
+          <a:fillRef idx="1">
+            <a:schemeClr val="accent1"/>
+          </a:fillRef>
+          <a:effectRef idx="0">
+            <a:schemeClr val="accent1"/>
+          </a:effectRef>
+          <a:fontRef idx="minor">
+            <a:schemeClr val="lt1"/>
+          </a:fontRef>
+        </p:style>
+        <p:txBody>
+          <a:bodyPr rtlCol="0" anchor="ctr"/>
+          <a:lstStyle/>
+          <a:p>
+            <a:r>
+              <a:rPr lang="de-DE" dirty="0"/>
+              <a:t>Remove</a:t>
+            </a:r>
           </a:p>
         </p:txBody>
       </p:sp>

--- a/plans/PerformanceLayout.pptx
+++ b/plans/PerformanceLayout.pptx
@@ -13,6 +13,7 @@
     <p:sldId id="261" r:id="rId7"/>
     <p:sldId id="262" r:id="rId8"/>
     <p:sldId id="263" r:id="rId9"/>
+    <p:sldId id="264" r:id="rId10"/>
   </p:sldIdLst>
   <p:sldSz cx="12192000" cy="6858000"/>
   <p:notesSz cx="6858000" cy="9144000"/>
@@ -3396,8 +3397,8 @@
         </p:nvSpPr>
         <p:spPr>
           <a:xfrm>
-            <a:off x="256959" y="2474074"/>
-            <a:ext cx="1751163" cy="646331"/>
+            <a:off x="227773" y="2536974"/>
+            <a:ext cx="1751163" cy="615553"/>
           </a:xfrm>
           <a:prstGeom prst="rect">
             <a:avLst/>
@@ -3418,182 +3419,40 @@
               </a:rPr>
               <a:t>Max</a:t>
             </a:r>
-          </a:p>
-          <a:p>
-            <a:r>
-              <a:rPr lang="de-DE" dirty="0" err="1">
-                <a:solidFill>
-                  <a:schemeClr val="bg1"/>
-                </a:solidFill>
-              </a:rPr>
-              <a:t>Musterman</a:t>
-            </a:r>
-            <a:endParaRPr lang="de-DE" dirty="0">
+            <a:endParaRPr lang="de-DE" sz="1600" dirty="0">
               <a:solidFill>
                 <a:schemeClr val="bg1"/>
               </a:solidFill>
             </a:endParaRPr>
           </a:p>
-        </p:txBody>
-      </p:sp>
-      <p:sp>
-        <p:nvSpPr>
-          <p:cNvPr id="6" name="Ellipse 5">
-            <a:extLst>
-              <a:ext uri="{FF2B5EF4-FFF2-40B4-BE49-F238E27FC236}">
-                <a16:creationId xmlns:a16="http://schemas.microsoft.com/office/drawing/2014/main" id="{8B1E7B25-1743-DB45-47A6-762F0D704291}"/>
-              </a:ext>
-            </a:extLst>
-          </p:cNvPr>
-          <p:cNvSpPr/>
-          <p:nvPr/>
-        </p:nvSpPr>
-        <p:spPr>
-          <a:xfrm>
-            <a:off x="334126" y="833919"/>
-            <a:ext cx="1518249" cy="1518249"/>
-          </a:xfrm>
-          <a:prstGeom prst="ellipse">
-            <a:avLst/>
-          </a:prstGeom>
-          <a:noFill/>
-          <a:ln w="57150">
-            <a:solidFill>
-              <a:srgbClr val="052A91"/>
-            </a:solidFill>
-          </a:ln>
-        </p:spPr>
-        <p:style>
-          <a:lnRef idx="2">
-            <a:schemeClr val="accent1">
-              <a:shade val="50000"/>
-            </a:schemeClr>
-          </a:lnRef>
-          <a:fillRef idx="1">
-            <a:schemeClr val="accent1"/>
-          </a:fillRef>
-          <a:effectRef idx="0">
-            <a:schemeClr val="accent1"/>
-          </a:effectRef>
-          <a:fontRef idx="minor">
-            <a:schemeClr val="lt1"/>
-          </a:fontRef>
-        </p:style>
-        <p:txBody>
-          <a:bodyPr rtlCol="0" anchor="ctr"/>
-          <a:lstStyle/>
-          <a:p>
-            <a:pPr algn="ctr"/>
-            <a:endParaRPr lang="de-DE" dirty="0"/>
-          </a:p>
-        </p:txBody>
-      </p:sp>
-      <p:sp>
-        <p:nvSpPr>
-          <p:cNvPr id="7" name="Ellipse 6">
-            <a:extLst>
-              <a:ext uri="{FF2B5EF4-FFF2-40B4-BE49-F238E27FC236}">
-                <a16:creationId xmlns:a16="http://schemas.microsoft.com/office/drawing/2014/main" id="{55AFE08C-EC52-7CD2-12BD-B3CF13A74C4F}"/>
-              </a:ext>
-            </a:extLst>
-          </p:cNvPr>
-          <p:cNvSpPr/>
-          <p:nvPr/>
-        </p:nvSpPr>
-        <p:spPr>
-          <a:xfrm>
-            <a:off x="435485" y="935278"/>
-            <a:ext cx="1315529" cy="1315529"/>
-          </a:xfrm>
-          <a:prstGeom prst="ellipse">
-            <a:avLst/>
-          </a:prstGeom>
-        </p:spPr>
-        <p:style>
-          <a:lnRef idx="2">
-            <a:schemeClr val="accent1">
-              <a:shade val="50000"/>
-            </a:schemeClr>
-          </a:lnRef>
-          <a:fillRef idx="1">
-            <a:schemeClr val="accent1"/>
-          </a:fillRef>
-          <a:effectRef idx="0">
-            <a:schemeClr val="accent1"/>
-          </a:effectRef>
-          <a:fontRef idx="minor">
-            <a:schemeClr val="lt1"/>
-          </a:fontRef>
-        </p:style>
-        <p:txBody>
-          <a:bodyPr rtlCol="0" anchor="ctr"/>
-          <a:lstStyle/>
-          <a:p>
-            <a:pPr algn="ctr"/>
-            <a:endParaRPr lang="de-DE"/>
-          </a:p>
-        </p:txBody>
-      </p:sp>
-      <p:sp>
-        <p:nvSpPr>
-          <p:cNvPr id="8" name="Textfeld 7">
-            <a:extLst>
-              <a:ext uri="{FF2B5EF4-FFF2-40B4-BE49-F238E27FC236}">
-                <a16:creationId xmlns:a16="http://schemas.microsoft.com/office/drawing/2014/main" id="{36C3E1F3-DA35-4E0B-A46D-F16DD7467CAD}"/>
-              </a:ext>
-            </a:extLst>
-          </p:cNvPr>
-          <p:cNvSpPr txBox="1"/>
-          <p:nvPr/>
-        </p:nvSpPr>
-        <p:spPr>
-          <a:xfrm>
-            <a:off x="319177" y="3198167"/>
-            <a:ext cx="3088257" cy="369332"/>
-          </a:xfrm>
-          <a:prstGeom prst="rect">
-            <a:avLst/>
-          </a:prstGeom>
-          <a:noFill/>
-        </p:spPr>
-        <p:txBody>
-          <a:bodyPr wrap="square" rtlCol="0">
-            <a:spAutoFit/>
-          </a:bodyPr>
-          <a:lstStyle/>
-          <a:p>
-            <a:r>
-              <a:rPr lang="de-DE" dirty="0" err="1">
-                <a:solidFill>
-                  <a:schemeClr val="bg1"/>
-                </a:solidFill>
-              </a:rPr>
-              <a:t>Your</a:t>
-            </a:r>
-            <a:r>
-              <a:rPr lang="de-DE" dirty="0">
-                <a:solidFill>
-                  <a:schemeClr val="bg1"/>
-                </a:solidFill>
-              </a:rPr>
-              <a:t> / &lt;</a:t>
-            </a:r>
-            <a:r>
-              <a:rPr lang="de-DE" dirty="0" err="1">
-                <a:solidFill>
-                  <a:schemeClr val="bg1"/>
-                </a:solidFill>
-              </a:rPr>
-              <a:t>name</a:t>
-            </a:r>
-            <a:r>
-              <a:rPr lang="de-DE" dirty="0">
-                <a:solidFill>
-                  <a:schemeClr val="bg1"/>
-                </a:solidFill>
-              </a:rPr>
-              <a:t>&gt;‘s Performances</a:t>
-            </a:r>
+          <a:p>
+            <a:r>
+              <a:rPr lang="de-DE" sz="1600" dirty="0">
+                <a:solidFill>
+                  <a:schemeClr val="bg1">
+                    <a:lumMod val="75000"/>
+                  </a:schemeClr>
+                </a:solidFill>
+              </a:rPr>
+              <a:t>Max </a:t>
+            </a:r>
+            <a:r>
+              <a:rPr lang="de-DE" sz="1600" dirty="0" err="1">
+                <a:solidFill>
+                  <a:schemeClr val="bg1">
+                    <a:lumMod val="75000"/>
+                  </a:schemeClr>
+                </a:solidFill>
+              </a:rPr>
+              <a:t>Musterman</a:t>
+            </a:r>
+            <a:endParaRPr lang="de-DE" sz="1600" dirty="0">
+              <a:solidFill>
+                <a:schemeClr val="bg1">
+                  <a:lumMod val="75000"/>
+                </a:schemeClr>
+              </a:solidFill>
+            </a:endParaRPr>
           </a:p>
         </p:txBody>
       </p:sp>
@@ -4187,110 +4046,229 @@
           </a:p>
         </p:txBody>
       </p:sp>
-      <p:sp>
-        <p:nvSpPr>
-          <p:cNvPr id="49" name="Ellipse 48">
+      <p:grpSp>
+        <p:nvGrpSpPr>
+          <p:cNvPr id="13" name="Gruppieren 12">
             <a:extLst>
               <a:ext uri="{FF2B5EF4-FFF2-40B4-BE49-F238E27FC236}">
-                <a16:creationId xmlns:a16="http://schemas.microsoft.com/office/drawing/2014/main" id="{AD28DB0C-22E1-EB5F-04B9-266DE2FC0084}"/>
+                <a16:creationId xmlns:a16="http://schemas.microsoft.com/office/drawing/2014/main" id="{61075911-125E-78B9-E357-8A493EC23E5F}"/>
               </a:ext>
             </a:extLst>
           </p:cNvPr>
-          <p:cNvSpPr/>
+          <p:cNvGrpSpPr/>
           <p:nvPr/>
-        </p:nvSpPr>
-        <p:spPr>
+        </p:nvGrpSpPr>
+        <p:grpSpPr>
           <a:xfrm>
-            <a:off x="849573" y="1198910"/>
-            <a:ext cx="457200" cy="452356"/>
+            <a:off x="188557" y="854323"/>
+            <a:ext cx="1518249" cy="1518249"/>
+            <a:chOff x="334126" y="833919"/>
+            <a:chExt cx="1518249" cy="1518249"/>
           </a:xfrm>
-          <a:prstGeom prst="ellipse">
-            <a:avLst/>
-          </a:prstGeom>
-          <a:solidFill>
-            <a:schemeClr val="accent1">
-              <a:lumMod val="60000"/>
-              <a:lumOff val="40000"/>
-            </a:schemeClr>
-          </a:solidFill>
-        </p:spPr>
-        <p:style>
-          <a:lnRef idx="2">
-            <a:schemeClr val="accent1">
-              <a:shade val="50000"/>
-            </a:schemeClr>
-          </a:lnRef>
-          <a:fillRef idx="1">
-            <a:schemeClr val="accent1"/>
-          </a:fillRef>
-          <a:effectRef idx="0">
-            <a:schemeClr val="accent1"/>
-          </a:effectRef>
-          <a:fontRef idx="minor">
-            <a:schemeClr val="lt1"/>
-          </a:fontRef>
-        </p:style>
-        <p:txBody>
-          <a:bodyPr rtlCol="0" anchor="ctr"/>
-          <a:lstStyle/>
-          <a:p>
-            <a:pPr algn="ctr"/>
-            <a:endParaRPr lang="de-DE"/>
-          </a:p>
-        </p:txBody>
-      </p:sp>
-      <p:sp>
-        <p:nvSpPr>
-          <p:cNvPr id="50" name="Ellipse 49">
-            <a:extLst>
-              <a:ext uri="{FF2B5EF4-FFF2-40B4-BE49-F238E27FC236}">
-                <a16:creationId xmlns:a16="http://schemas.microsoft.com/office/drawing/2014/main" id="{997D127D-C1B1-4A92-2FBE-50A8C7460BDF}"/>
-              </a:ext>
-            </a:extLst>
-          </p:cNvPr>
-          <p:cNvSpPr/>
-          <p:nvPr/>
-        </p:nvSpPr>
-        <p:spPr>
-          <a:xfrm>
-            <a:off x="672472" y="1714810"/>
-            <a:ext cx="873153" cy="452356"/>
-          </a:xfrm>
-          <a:prstGeom prst="ellipse">
-            <a:avLst/>
-          </a:prstGeom>
-          <a:solidFill>
-            <a:schemeClr val="accent1">
-              <a:lumMod val="60000"/>
-              <a:lumOff val="40000"/>
-            </a:schemeClr>
-          </a:solidFill>
-        </p:spPr>
-        <p:style>
-          <a:lnRef idx="2">
-            <a:schemeClr val="accent1">
-              <a:shade val="50000"/>
-            </a:schemeClr>
-          </a:lnRef>
-          <a:fillRef idx="1">
-            <a:schemeClr val="accent1"/>
-          </a:fillRef>
-          <a:effectRef idx="0">
-            <a:schemeClr val="accent1"/>
-          </a:effectRef>
-          <a:fontRef idx="minor">
-            <a:schemeClr val="lt1"/>
-          </a:fontRef>
-        </p:style>
-        <p:txBody>
-          <a:bodyPr rtlCol="0" anchor="ctr"/>
-          <a:lstStyle/>
-          <a:p>
-            <a:pPr algn="ctr"/>
-            <a:endParaRPr lang="de-DE"/>
-          </a:p>
-        </p:txBody>
-      </p:sp>
+        </p:grpSpPr>
+        <p:sp>
+          <p:nvSpPr>
+            <p:cNvPr id="6" name="Ellipse 5">
+              <a:extLst>
+                <a:ext uri="{FF2B5EF4-FFF2-40B4-BE49-F238E27FC236}">
+                  <a16:creationId xmlns:a16="http://schemas.microsoft.com/office/drawing/2014/main" id="{8B1E7B25-1743-DB45-47A6-762F0D704291}"/>
+                </a:ext>
+              </a:extLst>
+            </p:cNvPr>
+            <p:cNvSpPr/>
+            <p:nvPr/>
+          </p:nvSpPr>
+          <p:spPr>
+            <a:xfrm>
+              <a:off x="334126" y="833919"/>
+              <a:ext cx="1518249" cy="1518249"/>
+            </a:xfrm>
+            <a:prstGeom prst="ellipse">
+              <a:avLst/>
+            </a:prstGeom>
+            <a:noFill/>
+            <a:ln w="57150">
+              <a:solidFill>
+                <a:srgbClr val="052A91"/>
+              </a:solidFill>
+            </a:ln>
+          </p:spPr>
+          <p:style>
+            <a:lnRef idx="2">
+              <a:schemeClr val="accent1">
+                <a:shade val="50000"/>
+              </a:schemeClr>
+            </a:lnRef>
+            <a:fillRef idx="1">
+              <a:schemeClr val="accent1"/>
+            </a:fillRef>
+            <a:effectRef idx="0">
+              <a:schemeClr val="accent1"/>
+            </a:effectRef>
+            <a:fontRef idx="minor">
+              <a:schemeClr val="lt1"/>
+            </a:fontRef>
+          </p:style>
+          <p:txBody>
+            <a:bodyPr rtlCol="0" anchor="ctr"/>
+            <a:lstStyle/>
+            <a:p>
+              <a:pPr algn="ctr"/>
+              <a:endParaRPr lang="de-DE" dirty="0"/>
+            </a:p>
+          </p:txBody>
+        </p:sp>
+        <p:sp>
+          <p:nvSpPr>
+            <p:cNvPr id="7" name="Ellipse 6">
+              <a:extLst>
+                <a:ext uri="{FF2B5EF4-FFF2-40B4-BE49-F238E27FC236}">
+                  <a16:creationId xmlns:a16="http://schemas.microsoft.com/office/drawing/2014/main" id="{55AFE08C-EC52-7CD2-12BD-B3CF13A74C4F}"/>
+                </a:ext>
+              </a:extLst>
+            </p:cNvPr>
+            <p:cNvSpPr/>
+            <p:nvPr/>
+          </p:nvSpPr>
+          <p:spPr>
+            <a:xfrm>
+              <a:off x="435485" y="935278"/>
+              <a:ext cx="1315529" cy="1315529"/>
+            </a:xfrm>
+            <a:prstGeom prst="ellipse">
+              <a:avLst/>
+            </a:prstGeom>
+          </p:spPr>
+          <p:style>
+            <a:lnRef idx="2">
+              <a:schemeClr val="accent1">
+                <a:shade val="50000"/>
+              </a:schemeClr>
+            </a:lnRef>
+            <a:fillRef idx="1">
+              <a:schemeClr val="accent1"/>
+            </a:fillRef>
+            <a:effectRef idx="0">
+              <a:schemeClr val="accent1"/>
+            </a:effectRef>
+            <a:fontRef idx="minor">
+              <a:schemeClr val="lt1"/>
+            </a:fontRef>
+          </p:style>
+          <p:txBody>
+            <a:bodyPr rtlCol="0" anchor="ctr"/>
+            <a:lstStyle/>
+            <a:p>
+              <a:pPr algn="ctr"/>
+              <a:endParaRPr lang="de-DE"/>
+            </a:p>
+          </p:txBody>
+        </p:sp>
+        <p:sp>
+          <p:nvSpPr>
+            <p:cNvPr id="49" name="Ellipse 48">
+              <a:extLst>
+                <a:ext uri="{FF2B5EF4-FFF2-40B4-BE49-F238E27FC236}">
+                  <a16:creationId xmlns:a16="http://schemas.microsoft.com/office/drawing/2014/main" id="{AD28DB0C-22E1-EB5F-04B9-266DE2FC0084}"/>
+                </a:ext>
+              </a:extLst>
+            </p:cNvPr>
+            <p:cNvSpPr/>
+            <p:nvPr/>
+          </p:nvSpPr>
+          <p:spPr>
+            <a:xfrm>
+              <a:off x="849573" y="1198910"/>
+              <a:ext cx="457200" cy="452356"/>
+            </a:xfrm>
+            <a:prstGeom prst="ellipse">
+              <a:avLst/>
+            </a:prstGeom>
+            <a:solidFill>
+              <a:schemeClr val="accent1">
+                <a:lumMod val="60000"/>
+                <a:lumOff val="40000"/>
+              </a:schemeClr>
+            </a:solidFill>
+          </p:spPr>
+          <p:style>
+            <a:lnRef idx="2">
+              <a:schemeClr val="accent1">
+                <a:shade val="50000"/>
+              </a:schemeClr>
+            </a:lnRef>
+            <a:fillRef idx="1">
+              <a:schemeClr val="accent1"/>
+            </a:fillRef>
+            <a:effectRef idx="0">
+              <a:schemeClr val="accent1"/>
+            </a:effectRef>
+            <a:fontRef idx="minor">
+              <a:schemeClr val="lt1"/>
+            </a:fontRef>
+          </p:style>
+          <p:txBody>
+            <a:bodyPr rtlCol="0" anchor="ctr"/>
+            <a:lstStyle/>
+            <a:p>
+              <a:pPr algn="ctr"/>
+              <a:endParaRPr lang="de-DE"/>
+            </a:p>
+          </p:txBody>
+        </p:sp>
+        <p:sp>
+          <p:nvSpPr>
+            <p:cNvPr id="50" name="Ellipse 49">
+              <a:extLst>
+                <a:ext uri="{FF2B5EF4-FFF2-40B4-BE49-F238E27FC236}">
+                  <a16:creationId xmlns:a16="http://schemas.microsoft.com/office/drawing/2014/main" id="{997D127D-C1B1-4A92-2FBE-50A8C7460BDF}"/>
+                </a:ext>
+              </a:extLst>
+            </p:cNvPr>
+            <p:cNvSpPr/>
+            <p:nvPr/>
+          </p:nvSpPr>
+          <p:spPr>
+            <a:xfrm>
+              <a:off x="672472" y="1714810"/>
+              <a:ext cx="873153" cy="452356"/>
+            </a:xfrm>
+            <a:prstGeom prst="ellipse">
+              <a:avLst/>
+            </a:prstGeom>
+            <a:solidFill>
+              <a:schemeClr val="accent1">
+                <a:lumMod val="60000"/>
+                <a:lumOff val="40000"/>
+              </a:schemeClr>
+            </a:solidFill>
+          </p:spPr>
+          <p:style>
+            <a:lnRef idx="2">
+              <a:schemeClr val="accent1">
+                <a:shade val="50000"/>
+              </a:schemeClr>
+            </a:lnRef>
+            <a:fillRef idx="1">
+              <a:schemeClr val="accent1"/>
+            </a:fillRef>
+            <a:effectRef idx="0">
+              <a:schemeClr val="accent1"/>
+            </a:effectRef>
+            <a:fontRef idx="minor">
+              <a:schemeClr val="lt1"/>
+            </a:fontRef>
+          </p:style>
+          <p:txBody>
+            <a:bodyPr rtlCol="0" anchor="ctr"/>
+            <a:lstStyle/>
+            <a:p>
+              <a:pPr algn="ctr"/>
+              <a:endParaRPr lang="de-DE"/>
+            </a:p>
+          </p:txBody>
+        </p:sp>
+      </p:grpSp>
       <p:grpSp>
         <p:nvGrpSpPr>
           <p:cNvPr id="25" name="Gruppieren 24">
@@ -5017,9 +4995,9 @@
           <a:solidFill>
             <a:srgbClr val="2C4288"/>
           </a:solidFill>
-          <a:ln>
+          <a:ln w="57150">
             <a:solidFill>
-              <a:srgbClr val="203864"/>
+              <a:schemeClr val="bg1"/>
             </a:solidFill>
           </a:ln>
         </p:spPr>
@@ -6458,7 +6436,7 @@
         </p:nvSpPr>
         <p:spPr>
           <a:xfrm>
-            <a:off x="2173492" y="1364530"/>
+            <a:off x="2223737" y="1320865"/>
             <a:ext cx="1144467" cy="496819"/>
           </a:xfrm>
           <a:prstGeom prst="roundRect">
@@ -7205,6 +7183,177 @@
           </a:fontRef>
         </p:style>
       </p:cxnSp>
+      <p:sp>
+        <p:nvSpPr>
+          <p:cNvPr id="3" name="Rechteck: abgerundete Ecken 2">
+            <a:extLst>
+              <a:ext uri="{FF2B5EF4-FFF2-40B4-BE49-F238E27FC236}">
+                <a16:creationId xmlns:a16="http://schemas.microsoft.com/office/drawing/2014/main" id="{199DCD3C-E211-35C0-72C2-ED6476C56C77}"/>
+              </a:ext>
+            </a:extLst>
+          </p:cNvPr>
+          <p:cNvSpPr/>
+          <p:nvPr/>
+        </p:nvSpPr>
+        <p:spPr>
+          <a:xfrm>
+            <a:off x="1977127" y="2469821"/>
+            <a:ext cx="1985475" cy="679991"/>
+          </a:xfrm>
+          <a:prstGeom prst="roundRect">
+            <a:avLst>
+              <a:gd name="adj" fmla="val 36346"/>
+            </a:avLst>
+          </a:prstGeom>
+          <a:noFill/>
+          <a:ln w="57150">
+            <a:solidFill>
+              <a:schemeClr val="bg1"/>
+            </a:solidFill>
+          </a:ln>
+        </p:spPr>
+        <p:style>
+          <a:lnRef idx="2">
+            <a:schemeClr val="accent1">
+              <a:shade val="50000"/>
+            </a:schemeClr>
+          </a:lnRef>
+          <a:fillRef idx="1">
+            <a:schemeClr val="accent1"/>
+          </a:fillRef>
+          <a:effectRef idx="0">
+            <a:schemeClr val="accent1"/>
+          </a:effectRef>
+          <a:fontRef idx="minor">
+            <a:schemeClr val="lt1"/>
+          </a:fontRef>
+        </p:style>
+        <p:txBody>
+          <a:bodyPr rtlCol="0" anchor="ctr"/>
+          <a:lstStyle/>
+          <a:p>
+            <a:r>
+              <a:rPr lang="de-DE" dirty="0">
+                <a:solidFill>
+                  <a:schemeClr val="bg1"/>
+                </a:solidFill>
+              </a:rPr>
+              <a:t>2 / 10 personal </a:t>
+            </a:r>
+            <a:r>
+              <a:rPr lang="de-DE" dirty="0" err="1">
+                <a:solidFill>
+                  <a:schemeClr val="bg1"/>
+                </a:solidFill>
+              </a:rPr>
+              <a:t>goals</a:t>
+            </a:r>
+            <a:r>
+              <a:rPr lang="de-DE" dirty="0">
+                <a:solidFill>
+                  <a:schemeClr val="bg1"/>
+                </a:solidFill>
+              </a:rPr>
+              <a:t> </a:t>
+            </a:r>
+            <a:r>
+              <a:rPr lang="de-DE" dirty="0" err="1">
+                <a:solidFill>
+                  <a:schemeClr val="bg1"/>
+                </a:solidFill>
+              </a:rPr>
+              <a:t>reached</a:t>
+            </a:r>
+            <a:endParaRPr lang="de-DE" dirty="0">
+              <a:solidFill>
+                <a:schemeClr val="bg1"/>
+              </a:solidFill>
+            </a:endParaRPr>
+          </a:p>
+        </p:txBody>
+      </p:sp>
+      <p:cxnSp>
+        <p:nvCxnSpPr>
+          <p:cNvPr id="15" name="Gerader Verbinder 14">
+            <a:extLst>
+              <a:ext uri="{FF2B5EF4-FFF2-40B4-BE49-F238E27FC236}">
+                <a16:creationId xmlns:a16="http://schemas.microsoft.com/office/drawing/2014/main" id="{8A53DB3B-4267-43C4-091A-7A9B171B3D4D}"/>
+              </a:ext>
+            </a:extLst>
+          </p:cNvPr>
+          <p:cNvCxnSpPr>
+            <a:cxnSpLocks/>
+          </p:cNvCxnSpPr>
+          <p:nvPr/>
+        </p:nvCxnSpPr>
+        <p:spPr>
+          <a:xfrm rot="21550660">
+            <a:off x="4494211" y="3183375"/>
+            <a:ext cx="858990" cy="0"/>
+          </a:xfrm>
+          <a:prstGeom prst="line">
+            <a:avLst/>
+          </a:prstGeom>
+          <a:ln w="38100"/>
+        </p:spPr>
+        <p:style>
+          <a:lnRef idx="1">
+            <a:schemeClr val="accent1"/>
+          </a:lnRef>
+          <a:fillRef idx="0">
+            <a:schemeClr val="accent1"/>
+          </a:fillRef>
+          <a:effectRef idx="0">
+            <a:schemeClr val="accent1"/>
+          </a:effectRef>
+          <a:fontRef idx="minor">
+            <a:schemeClr val="tx1"/>
+          </a:fontRef>
+        </p:style>
+      </p:cxnSp>
+      <p:cxnSp>
+        <p:nvCxnSpPr>
+          <p:cNvPr id="17" name="Gerader Verbinder 16">
+            <a:extLst>
+              <a:ext uri="{FF2B5EF4-FFF2-40B4-BE49-F238E27FC236}">
+                <a16:creationId xmlns:a16="http://schemas.microsoft.com/office/drawing/2014/main" id="{A2F1207A-C048-BBAE-F3EE-54AFC78AAA4E}"/>
+              </a:ext>
+            </a:extLst>
+          </p:cNvPr>
+          <p:cNvCxnSpPr>
+            <a:cxnSpLocks/>
+          </p:cNvCxnSpPr>
+          <p:nvPr/>
+        </p:nvCxnSpPr>
+        <p:spPr>
+          <a:xfrm rot="21550660">
+            <a:off x="5353137" y="3176114"/>
+            <a:ext cx="365295" cy="0"/>
+          </a:xfrm>
+          <a:prstGeom prst="line">
+            <a:avLst/>
+          </a:prstGeom>
+          <a:ln w="38100">
+            <a:solidFill>
+              <a:schemeClr val="bg1"/>
+            </a:solidFill>
+          </a:ln>
+        </p:spPr>
+        <p:style>
+          <a:lnRef idx="1">
+            <a:schemeClr val="accent1"/>
+          </a:lnRef>
+          <a:fillRef idx="0">
+            <a:schemeClr val="accent1"/>
+          </a:fillRef>
+          <a:effectRef idx="0">
+            <a:schemeClr val="accent1"/>
+          </a:effectRef>
+          <a:fontRef idx="minor">
+            <a:schemeClr val="tx1"/>
+          </a:fontRef>
+        </p:style>
+      </p:cxnSp>
     </p:spTree>
     <p:extLst>
       <p:ext uri="{BB962C8B-B14F-4D97-AF65-F5344CB8AC3E}">
@@ -7418,27 +7567,7 @@
                   </a:schemeClr>
                 </a:solidFill>
               </a:rPr>
-              <a:t> </a:t>
-            </a:r>
-            <a:r>
-              <a:rPr lang="de-DE" sz="1400" dirty="0" err="1">
-                <a:solidFill>
-                  <a:schemeClr val="bg1">
-                    <a:lumMod val="85000"/>
-                  </a:schemeClr>
-                </a:solidFill>
-              </a:rPr>
-              <a:t>description</a:t>
-            </a:r>
-            <a:r>
-              <a:rPr lang="de-DE" sz="1400" dirty="0">
-                <a:solidFill>
-                  <a:schemeClr val="bg1">
-                    <a:lumMod val="85000"/>
-                  </a:schemeClr>
-                </a:solidFill>
-              </a:rPr>
-              <a:t> like </a:t>
+              <a:t> description like </a:t>
             </a:r>
             <a:r>
               <a:rPr lang="de-DE" sz="1400" dirty="0" err="1">
@@ -12845,6 +12974,11 @@
           <a:prstGeom prst="roundRect">
             <a:avLst/>
           </a:prstGeom>
+          <a:ln w="57150">
+            <a:solidFill>
+              <a:schemeClr val="bg1"/>
+            </a:solidFill>
+          </a:ln>
         </p:spPr>
         <p:style>
           <a:lnRef idx="2">
@@ -12877,6 +13011,212 @@
           </a:p>
         </p:txBody>
       </p:sp>
+      <p:sp>
+        <p:nvSpPr>
+          <p:cNvPr id="2" name="Rechteck: abgerundete Ecken 1">
+            <a:extLst>
+              <a:ext uri="{FF2B5EF4-FFF2-40B4-BE49-F238E27FC236}">
+                <a16:creationId xmlns:a16="http://schemas.microsoft.com/office/drawing/2014/main" id="{59514BAE-76F3-9C12-51DB-1BAE5AA3CE54}"/>
+              </a:ext>
+            </a:extLst>
+          </p:cNvPr>
+          <p:cNvSpPr/>
+          <p:nvPr/>
+        </p:nvSpPr>
+        <p:spPr>
+          <a:xfrm>
+            <a:off x="6484277" y="5171512"/>
+            <a:ext cx="1141308" cy="369332"/>
+          </a:xfrm>
+          <a:prstGeom prst="roundRect">
+            <a:avLst/>
+          </a:prstGeom>
+          <a:solidFill>
+            <a:schemeClr val="accent2">
+              <a:lumMod val="50000"/>
+            </a:schemeClr>
+          </a:solidFill>
+          <a:ln>
+            <a:noFill/>
+          </a:ln>
+        </p:spPr>
+        <p:style>
+          <a:lnRef idx="2">
+            <a:schemeClr val="accent1">
+              <a:shade val="50000"/>
+            </a:schemeClr>
+          </a:lnRef>
+          <a:fillRef idx="1">
+            <a:schemeClr val="accent1"/>
+          </a:fillRef>
+          <a:effectRef idx="0">
+            <a:schemeClr val="accent1"/>
+          </a:effectRef>
+          <a:fontRef idx="minor">
+            <a:schemeClr val="lt1"/>
+          </a:fontRef>
+        </p:style>
+        <p:txBody>
+          <a:bodyPr rtlCol="0" anchor="ctr"/>
+          <a:lstStyle/>
+          <a:p>
+            <a:pPr algn="ctr"/>
+            <a:r>
+              <a:rPr lang="de-DE" dirty="0">
+                <a:solidFill>
+                  <a:schemeClr val="bg1"/>
+                </a:solidFill>
+              </a:rPr>
+              <a:t>Delete</a:t>
+            </a:r>
+          </a:p>
+        </p:txBody>
+      </p:sp>
+      <p:sp>
+        <p:nvSpPr>
+          <p:cNvPr id="3" name="Rechteck: abgerundete Ecken 2">
+            <a:extLst>
+              <a:ext uri="{FF2B5EF4-FFF2-40B4-BE49-F238E27FC236}">
+                <a16:creationId xmlns:a16="http://schemas.microsoft.com/office/drawing/2014/main" id="{12735727-190A-0CE1-7E41-B9216EBEA3A9}"/>
+              </a:ext>
+            </a:extLst>
+          </p:cNvPr>
+          <p:cNvSpPr/>
+          <p:nvPr/>
+        </p:nvSpPr>
+        <p:spPr>
+          <a:xfrm>
+            <a:off x="5121445" y="5178676"/>
+            <a:ext cx="1141308" cy="369332"/>
+          </a:xfrm>
+          <a:prstGeom prst="roundRect">
+            <a:avLst/>
+          </a:prstGeom>
+          <a:solidFill>
+            <a:schemeClr val="accent6">
+              <a:lumMod val="50000"/>
+            </a:schemeClr>
+          </a:solidFill>
+          <a:ln>
+            <a:noFill/>
+          </a:ln>
+        </p:spPr>
+        <p:style>
+          <a:lnRef idx="2">
+            <a:schemeClr val="accent1">
+              <a:shade val="50000"/>
+            </a:schemeClr>
+          </a:lnRef>
+          <a:fillRef idx="1">
+            <a:schemeClr val="accent1"/>
+          </a:fillRef>
+          <a:effectRef idx="0">
+            <a:schemeClr val="accent1"/>
+          </a:effectRef>
+          <a:fontRef idx="minor">
+            <a:schemeClr val="lt1"/>
+          </a:fontRef>
+        </p:style>
+        <p:txBody>
+          <a:bodyPr rtlCol="0" anchor="ctr"/>
+          <a:lstStyle/>
+          <a:p>
+            <a:pPr algn="ctr"/>
+            <a:r>
+              <a:rPr lang="de-DE" dirty="0">
+                <a:solidFill>
+                  <a:schemeClr val="bg1"/>
+                </a:solidFill>
+              </a:rPr>
+              <a:t>     Edit</a:t>
+            </a:r>
+          </a:p>
+        </p:txBody>
+      </p:sp>
+      <p:pic>
+        <p:nvPicPr>
+          <p:cNvPr id="8" name="Grafik 7">
+            <a:extLst>
+              <a:ext uri="{FF2B5EF4-FFF2-40B4-BE49-F238E27FC236}">
+                <a16:creationId xmlns:a16="http://schemas.microsoft.com/office/drawing/2014/main" id="{526DD247-E53B-BA29-0262-BB0FDFAF5686}"/>
+              </a:ext>
+            </a:extLst>
+          </p:cNvPr>
+          <p:cNvPicPr>
+            <a:picLocks noChangeAspect="1"/>
+          </p:cNvPicPr>
+          <p:nvPr/>
+        </p:nvPicPr>
+        <p:blipFill>
+          <a:blip r:embed="rId2">
+            <a:extLst>
+              <a:ext uri="{BEBA8EAE-BF5A-486C-A8C5-ECC9F3942E4B}">
+                <a14:imgProps xmlns:a14="http://schemas.microsoft.com/office/drawing/2010/main">
+                  <a14:imgLayer r:embed="rId3">
+                    <a14:imgEffect>
+                      <a14:artisticPhotocopy/>
+                    </a14:imgEffect>
+                  </a14:imgLayer>
+                </a14:imgProps>
+              </a:ext>
+              <a:ext uri="{28A0092B-C50C-407E-A947-70E740481C1C}">
+                <a14:useLocalDpi xmlns:a14="http://schemas.microsoft.com/office/drawing/2010/main" val="0"/>
+              </a:ext>
+            </a:extLst>
+          </a:blip>
+          <a:stretch>
+            <a:fillRect/>
+          </a:stretch>
+        </p:blipFill>
+        <p:spPr>
+          <a:xfrm>
+            <a:off x="5377158" y="5221556"/>
+            <a:ext cx="210021" cy="210021"/>
+          </a:xfrm>
+          <a:prstGeom prst="rect">
+            <a:avLst/>
+          </a:prstGeom>
+        </p:spPr>
+      </p:pic>
+      <p:cxnSp>
+        <p:nvCxnSpPr>
+          <p:cNvPr id="14" name="Gerade Verbindung mit Pfeil 13">
+            <a:extLst>
+              <a:ext uri="{FF2B5EF4-FFF2-40B4-BE49-F238E27FC236}">
+                <a16:creationId xmlns:a16="http://schemas.microsoft.com/office/drawing/2014/main" id="{E5AEB897-EDFA-E13A-5B49-CE12B50D29D4}"/>
+              </a:ext>
+            </a:extLst>
+          </p:cNvPr>
+          <p:cNvCxnSpPr/>
+          <p:nvPr/>
+        </p:nvCxnSpPr>
+        <p:spPr>
+          <a:xfrm>
+            <a:off x="4937299" y="5135693"/>
+            <a:ext cx="0" cy="369332"/>
+          </a:xfrm>
+          <a:prstGeom prst="straightConnector1">
+            <a:avLst/>
+          </a:prstGeom>
+          <a:ln>
+            <a:tailEnd type="triangle"/>
+          </a:ln>
+        </p:spPr>
+        <p:style>
+          <a:lnRef idx="1">
+            <a:schemeClr val="accent1"/>
+          </a:lnRef>
+          <a:fillRef idx="0">
+            <a:schemeClr val="accent1"/>
+          </a:fillRef>
+          <a:effectRef idx="0">
+            <a:schemeClr val="accent1"/>
+          </a:effectRef>
+          <a:fontRef idx="minor">
+            <a:schemeClr val="tx1"/>
+          </a:fontRef>
+        </p:style>
+      </p:cxnSp>
     </p:spTree>
     <p:extLst>
       <p:ext uri="{BB962C8B-B14F-4D97-AF65-F5344CB8AC3E}">
@@ -12995,10 +13335,9 @@
                     <a:lstStyle/>
                     <a:p>
                       <a:r>
-                        <a:rPr lang="de-DE" dirty="0" err="1"/>
+                        <a:rPr lang="de-DE" dirty="0"/>
                         <a:t>idPerformanceCategory</a:t>
                       </a:r>
-                      <a:endParaRPr lang="de-DE" dirty="0"/>
                     </a:p>
                   </a:txBody>
                   <a:tcPr/>
@@ -13009,12 +13348,8 @@
                     <a:lstStyle/>
                     <a:p>
                       <a:r>
-                        <a:rPr lang="de-DE" dirty="0" err="1"/>
-                        <a:t>name</a:t>
-                      </a:r>
-                      <a:r>
                         <a:rPr lang="de-DE" dirty="0"/>
-                        <a:t>(</a:t>
+                        <a:t>name(</a:t>
                       </a:r>
                       <a:r>
                         <a:rPr lang="de-DE" dirty="0" err="1"/>
@@ -13034,12 +13369,8 @@
                     <a:lstStyle/>
                     <a:p>
                       <a:r>
-                        <a:rPr lang="de-DE" dirty="0" err="1"/>
-                        <a:t>description</a:t>
-                      </a:r>
-                      <a:r>
                         <a:rPr lang="de-DE" dirty="0"/>
-                        <a:t> (</a:t>
+                        <a:t>description (</a:t>
                       </a:r>
                       <a:r>
                         <a:rPr lang="de-DE" dirty="0" err="1"/>
@@ -13323,14 +13654,14 @@
           <p:nvPr>
             <p:extLst>
               <p:ext uri="{D42A27DB-BD31-4B8C-83A1-F6EECF244321}">
-                <p14:modId xmlns:p14="http://schemas.microsoft.com/office/powerpoint/2010/main" val="3165748645"/>
+                <p14:modId xmlns:p14="http://schemas.microsoft.com/office/powerpoint/2010/main" val="2312898363"/>
               </p:ext>
             </p:extLst>
           </p:nvPr>
         </p:nvGraphicFramePr>
         <p:xfrm>
-          <a:off x="243630" y="3304162"/>
-          <a:ext cx="11438296" cy="1396310"/>
+          <a:off x="172095" y="3240488"/>
+          <a:ext cx="11438297" cy="1396310"/>
         </p:xfrm>
         <a:graphic>
           <a:graphicData uri="http://schemas.openxmlformats.org/drawingml/2006/table">
@@ -13339,49 +13670,56 @@
                 <a:tableStyleId>{5C22544A-7EE6-4342-B048-85BDC9FD1C3A}</a:tableStyleId>
               </a:tblPr>
               <a:tblGrid>
-                <a:gridCol w="2238314">
+                <a:gridCol w="2011839">
                   <a:extLst>
                     <a:ext uri="{9D8B030D-6E8A-4147-A177-3AD203B41FA5}">
                       <a16:colId xmlns:a16="http://schemas.microsoft.com/office/drawing/2014/main" val="2202250410"/>
                     </a:ext>
                   </a:extLst>
                 </a:gridCol>
-                <a:gridCol w="651867">
+                <a:gridCol w="704232">
                   <a:extLst>
                     <a:ext uri="{9D8B030D-6E8A-4147-A177-3AD203B41FA5}">
                       <a16:colId xmlns:a16="http://schemas.microsoft.com/office/drawing/2014/main" val="1591417235"/>
                     </a:ext>
                   </a:extLst>
                 </a:gridCol>
-                <a:gridCol w="2679161">
+                <a:gridCol w="2289758">
                   <a:extLst>
                     <a:ext uri="{9D8B030D-6E8A-4147-A177-3AD203B41FA5}">
                       <a16:colId xmlns:a16="http://schemas.microsoft.com/office/drawing/2014/main" val="1847058398"/>
                     </a:ext>
                   </a:extLst>
                 </a:gridCol>
-                <a:gridCol w="998376">
+                <a:gridCol w="897359">
                   <a:extLst>
                     <a:ext uri="{9D8B030D-6E8A-4147-A177-3AD203B41FA5}">
                       <a16:colId xmlns:a16="http://schemas.microsoft.com/office/drawing/2014/main" val="2693467841"/>
                     </a:ext>
                   </a:extLst>
                 </a:gridCol>
-                <a:gridCol w="1287624">
+                <a:gridCol w="1157341">
                   <a:extLst>
                     <a:ext uri="{9D8B030D-6E8A-4147-A177-3AD203B41FA5}">
                       <a16:colId xmlns:a16="http://schemas.microsoft.com/office/drawing/2014/main" val="3090207797"/>
                     </a:ext>
                   </a:extLst>
                 </a:gridCol>
-                <a:gridCol w="1450678">
+                <a:gridCol w="1157341">
+                  <a:extLst>
+                    <a:ext uri="{9D8B030D-6E8A-4147-A177-3AD203B41FA5}">
+                      <a16:colId xmlns:a16="http://schemas.microsoft.com/office/drawing/2014/main" val="1049214009"/>
+                    </a:ext>
+                  </a:extLst>
+                </a:gridCol>
+                <a:gridCol w="1303897">
                   <a:extLst>
                     <a:ext uri="{9D8B030D-6E8A-4147-A177-3AD203B41FA5}">
                       <a16:colId xmlns:a16="http://schemas.microsoft.com/office/drawing/2014/main" val="4169536465"/>
                     </a:ext>
                   </a:extLst>
                 </a:gridCol>
-                <a:gridCol w="2132276">
+                <a:gridCol w="1916530">
                   <a:extLst>
                     <a:ext uri="{9D8B030D-6E8A-4147-A177-3AD203B41FA5}">
                       <a16:colId xmlns:a16="http://schemas.microsoft.com/office/drawing/2014/main" val="3489179726"/>
@@ -13471,6 +13809,20 @@
                     <a:p>
                       <a:r>
                         <a:rPr lang="de-DE" dirty="0" err="1"/>
+                        <a:t>goal</a:t>
+                      </a:r>
+                      <a:endParaRPr lang="de-DE" dirty="0"/>
+                    </a:p>
+                  </a:txBody>
+                  <a:tcPr/>
+                </a:tc>
+                <a:tc>
+                  <a:txBody>
+                    <a:bodyPr/>
+                    <a:lstStyle/>
+                    <a:p>
+                      <a:r>
+                        <a:rPr lang="de-DE" dirty="0" err="1"/>
                         <a:t>rowCreated</a:t>
                       </a:r>
                       <a:endParaRPr lang="de-DE" dirty="0"/>
@@ -13515,6 +13867,16 @@
                     <a:lstStyle/>
                     <a:p>
                       <a:endParaRPr lang="de-DE"/>
+                    </a:p>
+                  </a:txBody>
+                  <a:tcPr/>
+                </a:tc>
+                <a:tc>
+                  <a:txBody>
+                    <a:bodyPr/>
+                    <a:lstStyle/>
+                    <a:p>
+                      <a:endParaRPr lang="de-DE" dirty="0"/>
                     </a:p>
                   </a:txBody>
                   <a:tcPr/>
@@ -13646,6 +14008,16 @@
                   </a:txBody>
                   <a:tcPr/>
                 </a:tc>
+                <a:tc>
+                  <a:txBody>
+                    <a:bodyPr/>
+                    <a:lstStyle/>
+                    <a:p>
+                      <a:endParaRPr lang="de-DE" dirty="0"/>
+                    </a:p>
+                  </a:txBody>
+                  <a:tcPr/>
+                </a:tc>
                 <a:extLst>
                   <a:ext uri="{0D108BD9-81ED-4DB2-BD59-A6C34878D82A}">
                     <a16:rowId xmlns:a16="http://schemas.microsoft.com/office/drawing/2014/main" val="12014131"/>
@@ -13773,11 +14145,11 @@
                     <a:lstStyle/>
                     <a:p>
                       <a:r>
-                        <a:rPr lang="de-DE" dirty="0" err="1"/>
+                        <a:rPr lang="de-DE" dirty="0"/>
                         <a:t>id</a:t>
                       </a:r>
                       <a:r>
-                        <a:rPr lang="de-DE" sz="1800" dirty="0" err="1"/>
+                        <a:rPr lang="de-DE" sz="1800" dirty="0"/>
                         <a:t>PerformanceRecord</a:t>
                       </a:r>
                       <a:endParaRPr lang="de-DE" dirty="0"/>
@@ -13805,7 +14177,7 @@
                     <a:lstStyle/>
                     <a:p>
                       <a:r>
-                        <a:rPr lang="de-DE" sz="1800" dirty="0" err="1"/>
+                        <a:rPr lang="de-DE" sz="1800" dirty="0"/>
                         <a:t>value</a:t>
                       </a:r>
                       <a:endParaRPr lang="de-DE" dirty="0"/>
@@ -14185,6 +14557,396 @@
                 </a:solidFill>
                 <a:latin typeface="Consolas" panose="020B0609020204030204" pitchFamily="49" charset="0"/>
               </a:rPr>
+              <a:t>`idPerformanceCategory`</a:t>
+            </a:r>
+            <a:r>
+              <a:rPr lang="de-DE" dirty="0">
+                <a:solidFill>
+                  <a:srgbClr val="EEEEEE"/>
+                </a:solidFill>
+                <a:latin typeface="Consolas" panose="020B0609020204030204" pitchFamily="49" charset="0"/>
+              </a:rPr>
+              <a:t> </a:t>
+            </a:r>
+            <a:r>
+              <a:rPr lang="de-DE" b="1" dirty="0" err="1">
+                <a:solidFill>
+                  <a:srgbClr val="C1AA6C"/>
+                </a:solidFill>
+                <a:latin typeface="Consolas" panose="020B0609020204030204" pitchFamily="49" charset="0"/>
+              </a:rPr>
+              <a:t>int</a:t>
+            </a:r>
+            <a:r>
+              <a:rPr lang="de-DE" b="1" dirty="0">
+                <a:solidFill>
+                  <a:srgbClr val="EEEEEE"/>
+                </a:solidFill>
+                <a:latin typeface="Consolas" panose="020B0609020204030204" pitchFamily="49" charset="0"/>
+              </a:rPr>
+              <a:t> </a:t>
+            </a:r>
+            <a:r>
+              <a:rPr lang="de-DE" b="1" dirty="0">
+                <a:solidFill>
+                  <a:srgbClr val="739ECA"/>
+                </a:solidFill>
+                <a:latin typeface="Consolas" panose="020B0609020204030204" pitchFamily="49" charset="0"/>
+              </a:rPr>
+              <a:t>NOT</a:t>
+            </a:r>
+            <a:r>
+              <a:rPr lang="de-DE" b="1" dirty="0">
+                <a:solidFill>
+                  <a:srgbClr val="EEEEEE"/>
+                </a:solidFill>
+                <a:latin typeface="Consolas" panose="020B0609020204030204" pitchFamily="49" charset="0"/>
+              </a:rPr>
+              <a:t> </a:t>
+            </a:r>
+            <a:r>
+              <a:rPr lang="de-DE" b="1" dirty="0">
+                <a:solidFill>
+                  <a:srgbClr val="739ECA"/>
+                </a:solidFill>
+                <a:latin typeface="Consolas" panose="020B0609020204030204" pitchFamily="49" charset="0"/>
+              </a:rPr>
+              <a:t>NULL</a:t>
+            </a:r>
+            <a:r>
+              <a:rPr lang="de-DE" b="1" dirty="0">
+                <a:solidFill>
+                  <a:srgbClr val="EEEEEE"/>
+                </a:solidFill>
+                <a:latin typeface="Consolas" panose="020B0609020204030204" pitchFamily="49" charset="0"/>
+              </a:rPr>
+              <a:t>,</a:t>
+            </a:r>
+          </a:p>
+          <a:p>
+            <a:pPr lvl="1"/>
+            <a:r>
+              <a:rPr lang="de-DE" dirty="0">
+                <a:solidFill>
+                  <a:srgbClr val="EEEEEE"/>
+                </a:solidFill>
+                <a:latin typeface="Consolas" panose="020B0609020204030204" pitchFamily="49" charset="0"/>
+              </a:rPr>
+              <a:t>  </a:t>
+            </a:r>
+            <a:r>
+              <a:rPr lang="de-DE" dirty="0">
+                <a:solidFill>
+                  <a:srgbClr val="C1AA6C"/>
+                </a:solidFill>
+                <a:latin typeface="Consolas" panose="020B0609020204030204" pitchFamily="49" charset="0"/>
+              </a:rPr>
+              <a:t>`name`</a:t>
+            </a:r>
+            <a:r>
+              <a:rPr lang="de-DE" dirty="0">
+                <a:solidFill>
+                  <a:srgbClr val="EEEEEE"/>
+                </a:solidFill>
+                <a:latin typeface="Consolas" panose="020B0609020204030204" pitchFamily="49" charset="0"/>
+              </a:rPr>
+              <a:t> </a:t>
+            </a:r>
+            <a:r>
+              <a:rPr lang="de-DE" b="1" dirty="0" err="1">
+                <a:solidFill>
+                  <a:srgbClr val="C1AA6C"/>
+                </a:solidFill>
+                <a:latin typeface="Consolas" panose="020B0609020204030204" pitchFamily="49" charset="0"/>
+              </a:rPr>
+              <a:t>varchar</a:t>
+            </a:r>
+            <a:r>
+              <a:rPr lang="de-DE" b="1" dirty="0">
+                <a:solidFill>
+                  <a:srgbClr val="EEEEEE"/>
+                </a:solidFill>
+                <a:latin typeface="Consolas" panose="020B0609020204030204" pitchFamily="49" charset="0"/>
+              </a:rPr>
+              <a:t>(</a:t>
+            </a:r>
+            <a:r>
+              <a:rPr lang="de-DE" b="1" dirty="0">
+                <a:solidFill>
+                  <a:srgbClr val="C0C0C0"/>
+                </a:solidFill>
+                <a:latin typeface="Consolas" panose="020B0609020204030204" pitchFamily="49" charset="0"/>
+              </a:rPr>
+              <a:t>20</a:t>
+            </a:r>
+            <a:r>
+              <a:rPr lang="de-DE" b="1" dirty="0">
+                <a:solidFill>
+                  <a:srgbClr val="EEEEEE"/>
+                </a:solidFill>
+                <a:latin typeface="Consolas" panose="020B0609020204030204" pitchFamily="49" charset="0"/>
+              </a:rPr>
+              <a:t>) </a:t>
+            </a:r>
+            <a:r>
+              <a:rPr lang="de-DE" b="1" dirty="0">
+                <a:solidFill>
+                  <a:srgbClr val="739ECA"/>
+                </a:solidFill>
+                <a:latin typeface="Consolas" panose="020B0609020204030204" pitchFamily="49" charset="0"/>
+              </a:rPr>
+              <a:t>DEFAULT</a:t>
+            </a:r>
+            <a:r>
+              <a:rPr lang="de-DE" b="1" dirty="0">
+                <a:solidFill>
+                  <a:srgbClr val="EEEEEE"/>
+                </a:solidFill>
+                <a:latin typeface="Consolas" panose="020B0609020204030204" pitchFamily="49" charset="0"/>
+              </a:rPr>
+              <a:t> </a:t>
+            </a:r>
+            <a:r>
+              <a:rPr lang="de-DE" b="1" dirty="0">
+                <a:solidFill>
+                  <a:srgbClr val="739ECA"/>
+                </a:solidFill>
+                <a:latin typeface="Consolas" panose="020B0609020204030204" pitchFamily="49" charset="0"/>
+              </a:rPr>
+              <a:t>NULL</a:t>
+            </a:r>
+            <a:r>
+              <a:rPr lang="de-DE" b="1" dirty="0">
+                <a:solidFill>
+                  <a:srgbClr val="EEEEEE"/>
+                </a:solidFill>
+                <a:latin typeface="Consolas" panose="020B0609020204030204" pitchFamily="49" charset="0"/>
+              </a:rPr>
+              <a:t>,</a:t>
+            </a:r>
+          </a:p>
+          <a:p>
+            <a:pPr lvl="1"/>
+            <a:r>
+              <a:rPr lang="de-DE" dirty="0">
+                <a:solidFill>
+                  <a:srgbClr val="EEEEEE"/>
+                </a:solidFill>
+                <a:latin typeface="Consolas" panose="020B0609020204030204" pitchFamily="49" charset="0"/>
+              </a:rPr>
+              <a:t>  </a:t>
+            </a:r>
+            <a:r>
+              <a:rPr lang="de-DE" dirty="0">
+                <a:solidFill>
+                  <a:srgbClr val="C1AA6C"/>
+                </a:solidFill>
+                <a:latin typeface="Consolas" panose="020B0609020204030204" pitchFamily="49" charset="0"/>
+              </a:rPr>
+              <a:t>`description`</a:t>
+            </a:r>
+            <a:r>
+              <a:rPr lang="de-DE" dirty="0">
+                <a:solidFill>
+                  <a:srgbClr val="EEEEEE"/>
+                </a:solidFill>
+                <a:latin typeface="Consolas" panose="020B0609020204030204" pitchFamily="49" charset="0"/>
+              </a:rPr>
+              <a:t> </a:t>
+            </a:r>
+            <a:r>
+              <a:rPr lang="de-DE" b="1" dirty="0" err="1">
+                <a:solidFill>
+                  <a:srgbClr val="C1AA6C"/>
+                </a:solidFill>
+                <a:latin typeface="Consolas" panose="020B0609020204030204" pitchFamily="49" charset="0"/>
+              </a:rPr>
+              <a:t>varchar</a:t>
+            </a:r>
+            <a:r>
+              <a:rPr lang="de-DE" b="1" dirty="0">
+                <a:solidFill>
+                  <a:srgbClr val="EEEEEE"/>
+                </a:solidFill>
+                <a:latin typeface="Consolas" panose="020B0609020204030204" pitchFamily="49" charset="0"/>
+              </a:rPr>
+              <a:t>(</a:t>
+            </a:r>
+            <a:r>
+              <a:rPr lang="de-DE" b="1" dirty="0">
+                <a:solidFill>
+                  <a:srgbClr val="C0C0C0"/>
+                </a:solidFill>
+                <a:latin typeface="Consolas" panose="020B0609020204030204" pitchFamily="49" charset="0"/>
+              </a:rPr>
+              <a:t>200</a:t>
+            </a:r>
+            <a:r>
+              <a:rPr lang="de-DE" b="1" dirty="0">
+                <a:solidFill>
+                  <a:srgbClr val="EEEEEE"/>
+                </a:solidFill>
+                <a:latin typeface="Consolas" panose="020B0609020204030204" pitchFamily="49" charset="0"/>
+              </a:rPr>
+              <a:t>) </a:t>
+            </a:r>
+            <a:r>
+              <a:rPr lang="de-DE" b="1" dirty="0">
+                <a:solidFill>
+                  <a:srgbClr val="739ECA"/>
+                </a:solidFill>
+                <a:latin typeface="Consolas" panose="020B0609020204030204" pitchFamily="49" charset="0"/>
+              </a:rPr>
+              <a:t>DEFAULT</a:t>
+            </a:r>
+            <a:r>
+              <a:rPr lang="de-DE" b="1" dirty="0">
+                <a:solidFill>
+                  <a:srgbClr val="EEEEEE"/>
+                </a:solidFill>
+                <a:latin typeface="Consolas" panose="020B0609020204030204" pitchFamily="49" charset="0"/>
+              </a:rPr>
+              <a:t> </a:t>
+            </a:r>
+            <a:r>
+              <a:rPr lang="de-DE" b="1" dirty="0">
+                <a:solidFill>
+                  <a:srgbClr val="739ECA"/>
+                </a:solidFill>
+                <a:latin typeface="Consolas" panose="020B0609020204030204" pitchFamily="49" charset="0"/>
+              </a:rPr>
+              <a:t>NULL</a:t>
+            </a:r>
+            <a:r>
+              <a:rPr lang="de-DE" b="1" dirty="0">
+                <a:solidFill>
+                  <a:srgbClr val="EEEEEE"/>
+                </a:solidFill>
+                <a:latin typeface="Consolas" panose="020B0609020204030204" pitchFamily="49" charset="0"/>
+              </a:rPr>
+              <a:t>,</a:t>
+            </a:r>
+          </a:p>
+          <a:p>
+            <a:pPr lvl="1"/>
+            <a:r>
+              <a:rPr lang="de-DE" dirty="0">
+                <a:solidFill>
+                  <a:srgbClr val="EEEEEE"/>
+                </a:solidFill>
+                <a:latin typeface="Consolas" panose="020B0609020204030204" pitchFamily="49" charset="0"/>
+              </a:rPr>
+              <a:t>  </a:t>
+            </a:r>
+            <a:r>
+              <a:rPr lang="de-DE" dirty="0">
+                <a:solidFill>
+                  <a:srgbClr val="C1AA6C"/>
+                </a:solidFill>
+                <a:latin typeface="Consolas" panose="020B0609020204030204" pitchFamily="49" charset="0"/>
+              </a:rPr>
+              <a:t>`type`</a:t>
+            </a:r>
+            <a:r>
+              <a:rPr lang="de-DE" dirty="0">
+                <a:solidFill>
+                  <a:srgbClr val="EEEEEE"/>
+                </a:solidFill>
+                <a:latin typeface="Consolas" panose="020B0609020204030204" pitchFamily="49" charset="0"/>
+              </a:rPr>
+              <a:t> </a:t>
+            </a:r>
+            <a:r>
+              <a:rPr lang="de-DE" b="1" dirty="0" err="1">
+                <a:solidFill>
+                  <a:srgbClr val="C1AA6C"/>
+                </a:solidFill>
+                <a:latin typeface="Consolas" panose="020B0609020204030204" pitchFamily="49" charset="0"/>
+              </a:rPr>
+              <a:t>varchar</a:t>
+            </a:r>
+            <a:r>
+              <a:rPr lang="de-DE" b="1" dirty="0">
+                <a:solidFill>
+                  <a:srgbClr val="EEEEEE"/>
+                </a:solidFill>
+                <a:latin typeface="Consolas" panose="020B0609020204030204" pitchFamily="49" charset="0"/>
+              </a:rPr>
+              <a:t>(</a:t>
+            </a:r>
+            <a:r>
+              <a:rPr lang="de-DE" b="1" dirty="0">
+                <a:solidFill>
+                  <a:srgbClr val="C0C0C0"/>
+                </a:solidFill>
+                <a:latin typeface="Consolas" panose="020B0609020204030204" pitchFamily="49" charset="0"/>
+              </a:rPr>
+              <a:t>100</a:t>
+            </a:r>
+            <a:r>
+              <a:rPr lang="de-DE" b="1" dirty="0">
+                <a:solidFill>
+                  <a:srgbClr val="EEEEEE"/>
+                </a:solidFill>
+                <a:latin typeface="Consolas" panose="020B0609020204030204" pitchFamily="49" charset="0"/>
+              </a:rPr>
+              <a:t>) </a:t>
+            </a:r>
+            <a:r>
+              <a:rPr lang="de-DE" b="1" dirty="0">
+                <a:solidFill>
+                  <a:srgbClr val="739ECA"/>
+                </a:solidFill>
+                <a:latin typeface="Consolas" panose="020B0609020204030204" pitchFamily="49" charset="0"/>
+              </a:rPr>
+              <a:t>DEFAULT</a:t>
+            </a:r>
+            <a:r>
+              <a:rPr lang="de-DE" b="1" dirty="0">
+                <a:solidFill>
+                  <a:srgbClr val="EEEEEE"/>
+                </a:solidFill>
+                <a:latin typeface="Consolas" panose="020B0609020204030204" pitchFamily="49" charset="0"/>
+              </a:rPr>
+              <a:t> </a:t>
+            </a:r>
+            <a:r>
+              <a:rPr lang="de-DE" b="1" dirty="0">
+                <a:solidFill>
+                  <a:srgbClr val="739ECA"/>
+                </a:solidFill>
+                <a:latin typeface="Consolas" panose="020B0609020204030204" pitchFamily="49" charset="0"/>
+              </a:rPr>
+              <a:t>NULL</a:t>
+            </a:r>
+            <a:r>
+              <a:rPr lang="de-DE" b="1" dirty="0">
+                <a:solidFill>
+                  <a:srgbClr val="EEEEEE"/>
+                </a:solidFill>
+                <a:latin typeface="Consolas" panose="020B0609020204030204" pitchFamily="49" charset="0"/>
+              </a:rPr>
+              <a:t>,</a:t>
+            </a:r>
+          </a:p>
+          <a:p>
+            <a:pPr lvl="1"/>
+            <a:r>
+              <a:rPr lang="de-DE" dirty="0">
+                <a:solidFill>
+                  <a:srgbClr val="EEEEEE"/>
+                </a:solidFill>
+                <a:latin typeface="Consolas" panose="020B0609020204030204" pitchFamily="49" charset="0"/>
+              </a:rPr>
+              <a:t>  </a:t>
+            </a:r>
+            <a:r>
+              <a:rPr lang="de-DE" dirty="0">
+                <a:solidFill>
+                  <a:srgbClr val="C1AA6C"/>
+                </a:solidFill>
+                <a:latin typeface="Consolas" panose="020B0609020204030204" pitchFamily="49" charset="0"/>
+              </a:rPr>
               <a:t>`</a:t>
             </a:r>
             <a:r>
@@ -14194,7 +14956,7 @@
                 </a:solidFill>
                 <a:latin typeface="Consolas" panose="020B0609020204030204" pitchFamily="49" charset="0"/>
               </a:rPr>
-              <a:t>idPerformanceCategory</a:t>
+              <a:t>creator</a:t>
             </a:r>
             <a:r>
               <a:rPr lang="de-DE" dirty="0">
@@ -14272,6 +15034,300 @@
           <a:p>
             <a:pPr lvl="1"/>
             <a:r>
+              <a:rPr lang="en-US" dirty="0">
+                <a:solidFill>
+                  <a:srgbClr val="EEEEEE"/>
+                </a:solidFill>
+                <a:latin typeface="Consolas" panose="020B0609020204030204" pitchFamily="49" charset="0"/>
+              </a:rPr>
+              <a:t>  </a:t>
+            </a:r>
+            <a:r>
+              <a:rPr lang="en-US" dirty="0">
+                <a:solidFill>
+                  <a:srgbClr val="C1AA6C"/>
+                </a:solidFill>
+                <a:latin typeface="Consolas" panose="020B0609020204030204" pitchFamily="49" charset="0"/>
+              </a:rPr>
+              <a:t>`</a:t>
+            </a:r>
+            <a:r>
+              <a:rPr lang="en-US" dirty="0" err="1">
+                <a:solidFill>
+                  <a:srgbClr val="C1AA6C"/>
+                </a:solidFill>
+                <a:latin typeface="Consolas" panose="020B0609020204030204" pitchFamily="49" charset="0"/>
+              </a:rPr>
+              <a:t>rowCreated</a:t>
+            </a:r>
+            <a:r>
+              <a:rPr lang="en-US" dirty="0">
+                <a:solidFill>
+                  <a:srgbClr val="C1AA6C"/>
+                </a:solidFill>
+                <a:latin typeface="Consolas" panose="020B0609020204030204" pitchFamily="49" charset="0"/>
+              </a:rPr>
+              <a:t>`</a:t>
+            </a:r>
+            <a:r>
+              <a:rPr lang="en-US" dirty="0">
+                <a:solidFill>
+                  <a:srgbClr val="EEEEEE"/>
+                </a:solidFill>
+                <a:latin typeface="Consolas" panose="020B0609020204030204" pitchFamily="49" charset="0"/>
+              </a:rPr>
+              <a:t> </a:t>
+            </a:r>
+            <a:r>
+              <a:rPr lang="en-US" b="1" dirty="0">
+                <a:solidFill>
+                  <a:srgbClr val="C1AA6C"/>
+                </a:solidFill>
+                <a:latin typeface="Consolas" panose="020B0609020204030204" pitchFamily="49" charset="0"/>
+              </a:rPr>
+              <a:t>timestamp</a:t>
+            </a:r>
+            <a:r>
+              <a:rPr lang="en-US" b="1" dirty="0">
+                <a:solidFill>
+                  <a:srgbClr val="EEEEEE"/>
+                </a:solidFill>
+                <a:latin typeface="Consolas" panose="020B0609020204030204" pitchFamily="49" charset="0"/>
+              </a:rPr>
+              <a:t> </a:t>
+            </a:r>
+            <a:r>
+              <a:rPr lang="en-US" b="1" dirty="0">
+                <a:solidFill>
+                  <a:srgbClr val="739ECA"/>
+                </a:solidFill>
+                <a:latin typeface="Consolas" panose="020B0609020204030204" pitchFamily="49" charset="0"/>
+              </a:rPr>
+              <a:t>NULL</a:t>
+            </a:r>
+            <a:r>
+              <a:rPr lang="en-US" b="1" dirty="0">
+                <a:solidFill>
+                  <a:srgbClr val="EEEEEE"/>
+                </a:solidFill>
+                <a:latin typeface="Consolas" panose="020B0609020204030204" pitchFamily="49" charset="0"/>
+              </a:rPr>
+              <a:t> </a:t>
+            </a:r>
+            <a:r>
+              <a:rPr lang="en-US" b="1" dirty="0">
+                <a:solidFill>
+                  <a:srgbClr val="739ECA"/>
+                </a:solidFill>
+                <a:latin typeface="Consolas" panose="020B0609020204030204" pitchFamily="49" charset="0"/>
+              </a:rPr>
+              <a:t>DEFAULT</a:t>
+            </a:r>
+            <a:r>
+              <a:rPr lang="en-US" b="1" dirty="0">
+                <a:solidFill>
+                  <a:srgbClr val="EEEEEE"/>
+                </a:solidFill>
+                <a:latin typeface="Consolas" panose="020B0609020204030204" pitchFamily="49" charset="0"/>
+              </a:rPr>
+              <a:t> </a:t>
+            </a:r>
+            <a:r>
+              <a:rPr lang="en-US" b="1" dirty="0">
+                <a:solidFill>
+                  <a:srgbClr val="C1AA6C"/>
+                </a:solidFill>
+                <a:latin typeface="Consolas" panose="020B0609020204030204" pitchFamily="49" charset="0"/>
+              </a:rPr>
+              <a:t>CURRENT_TIMESTAMP</a:t>
+            </a:r>
+            <a:r>
+              <a:rPr lang="en-US" b="1" dirty="0">
+                <a:solidFill>
+                  <a:srgbClr val="EEEEEE"/>
+                </a:solidFill>
+                <a:latin typeface="Consolas" panose="020B0609020204030204" pitchFamily="49" charset="0"/>
+              </a:rPr>
+              <a:t>,</a:t>
+            </a:r>
+          </a:p>
+          <a:p>
+            <a:pPr lvl="1"/>
+            <a:r>
+              <a:rPr lang="en-US" dirty="0">
+                <a:solidFill>
+                  <a:srgbClr val="EEEEEE"/>
+                </a:solidFill>
+                <a:latin typeface="Consolas" panose="020B0609020204030204" pitchFamily="49" charset="0"/>
+              </a:rPr>
+              <a:t>  </a:t>
+            </a:r>
+            <a:r>
+              <a:rPr lang="en-US" dirty="0">
+                <a:solidFill>
+                  <a:srgbClr val="C1AA6C"/>
+                </a:solidFill>
+                <a:latin typeface="Consolas" panose="020B0609020204030204" pitchFamily="49" charset="0"/>
+              </a:rPr>
+              <a:t>`</a:t>
+            </a:r>
+            <a:r>
+              <a:rPr lang="en-US" dirty="0" err="1">
+                <a:solidFill>
+                  <a:srgbClr val="C1AA6C"/>
+                </a:solidFill>
+                <a:latin typeface="Consolas" panose="020B0609020204030204" pitchFamily="49" charset="0"/>
+              </a:rPr>
+              <a:t>rowUpdated</a:t>
+            </a:r>
+            <a:r>
+              <a:rPr lang="en-US" dirty="0">
+                <a:solidFill>
+                  <a:srgbClr val="C1AA6C"/>
+                </a:solidFill>
+                <a:latin typeface="Consolas" panose="020B0609020204030204" pitchFamily="49" charset="0"/>
+              </a:rPr>
+              <a:t>`</a:t>
+            </a:r>
+            <a:r>
+              <a:rPr lang="en-US" dirty="0">
+                <a:solidFill>
+                  <a:srgbClr val="EEEEEE"/>
+                </a:solidFill>
+                <a:latin typeface="Consolas" panose="020B0609020204030204" pitchFamily="49" charset="0"/>
+              </a:rPr>
+              <a:t> </a:t>
+            </a:r>
+            <a:r>
+              <a:rPr lang="en-US" b="1" dirty="0">
+                <a:solidFill>
+                  <a:srgbClr val="C1AA6C"/>
+                </a:solidFill>
+                <a:latin typeface="Consolas" panose="020B0609020204030204" pitchFamily="49" charset="0"/>
+              </a:rPr>
+              <a:t>timestamp</a:t>
+            </a:r>
+            <a:r>
+              <a:rPr lang="en-US" b="1" dirty="0">
+                <a:solidFill>
+                  <a:srgbClr val="EEEEEE"/>
+                </a:solidFill>
+                <a:latin typeface="Consolas" panose="020B0609020204030204" pitchFamily="49" charset="0"/>
+              </a:rPr>
+              <a:t> </a:t>
+            </a:r>
+            <a:r>
+              <a:rPr lang="en-US" b="1" dirty="0">
+                <a:solidFill>
+                  <a:srgbClr val="739ECA"/>
+                </a:solidFill>
+                <a:latin typeface="Consolas" panose="020B0609020204030204" pitchFamily="49" charset="0"/>
+              </a:rPr>
+              <a:t>NULL</a:t>
+            </a:r>
+            <a:r>
+              <a:rPr lang="en-US" b="1" dirty="0">
+                <a:solidFill>
+                  <a:srgbClr val="EEEEEE"/>
+                </a:solidFill>
+                <a:latin typeface="Consolas" panose="020B0609020204030204" pitchFamily="49" charset="0"/>
+              </a:rPr>
+              <a:t> </a:t>
+            </a:r>
+            <a:r>
+              <a:rPr lang="en-US" b="1" dirty="0">
+                <a:solidFill>
+                  <a:srgbClr val="739ECA"/>
+                </a:solidFill>
+                <a:latin typeface="Consolas" panose="020B0609020204030204" pitchFamily="49" charset="0"/>
+              </a:rPr>
+              <a:t>DEFAULT</a:t>
+            </a:r>
+            <a:r>
+              <a:rPr lang="en-US" b="1" dirty="0">
+                <a:solidFill>
+                  <a:srgbClr val="EEEEEE"/>
+                </a:solidFill>
+                <a:latin typeface="Consolas" panose="020B0609020204030204" pitchFamily="49" charset="0"/>
+              </a:rPr>
+              <a:t> </a:t>
+            </a:r>
+            <a:r>
+              <a:rPr lang="en-US" b="1" dirty="0">
+                <a:solidFill>
+                  <a:srgbClr val="C1AA6C"/>
+                </a:solidFill>
+                <a:latin typeface="Consolas" panose="020B0609020204030204" pitchFamily="49" charset="0"/>
+              </a:rPr>
+              <a:t>CURRENT_TIMESTAMP</a:t>
+            </a:r>
+            <a:r>
+              <a:rPr lang="en-US" b="1" dirty="0">
+                <a:solidFill>
+                  <a:srgbClr val="EEEEEE"/>
+                </a:solidFill>
+                <a:latin typeface="Consolas" panose="020B0609020204030204" pitchFamily="49" charset="0"/>
+              </a:rPr>
+              <a:t> </a:t>
+            </a:r>
+            <a:r>
+              <a:rPr lang="en-US" b="1" dirty="0">
+                <a:solidFill>
+                  <a:srgbClr val="739ECA"/>
+                </a:solidFill>
+                <a:latin typeface="Consolas" panose="020B0609020204030204" pitchFamily="49" charset="0"/>
+              </a:rPr>
+              <a:t>ON</a:t>
+            </a:r>
+            <a:r>
+              <a:rPr lang="en-US" b="1" dirty="0">
+                <a:solidFill>
+                  <a:srgbClr val="EEEEEE"/>
+                </a:solidFill>
+                <a:latin typeface="Consolas" panose="020B0609020204030204" pitchFamily="49" charset="0"/>
+              </a:rPr>
+              <a:t> </a:t>
+            </a:r>
+            <a:r>
+              <a:rPr lang="en-US" b="1" dirty="0">
+                <a:solidFill>
+                  <a:srgbClr val="739ECA"/>
+                </a:solidFill>
+                <a:latin typeface="Consolas" panose="020B0609020204030204" pitchFamily="49" charset="0"/>
+              </a:rPr>
+              <a:t>UPDATE</a:t>
+            </a:r>
+            <a:r>
+              <a:rPr lang="en-US" b="1" dirty="0">
+                <a:solidFill>
+                  <a:srgbClr val="EEEEEE"/>
+                </a:solidFill>
+                <a:latin typeface="Consolas" panose="020B0609020204030204" pitchFamily="49" charset="0"/>
+              </a:rPr>
+              <a:t> </a:t>
+            </a:r>
+            <a:r>
+              <a:rPr lang="en-US" b="1" dirty="0">
+                <a:solidFill>
+                  <a:srgbClr val="C1AA6C"/>
+                </a:solidFill>
+                <a:latin typeface="Consolas" panose="020B0609020204030204" pitchFamily="49" charset="0"/>
+              </a:rPr>
+              <a:t>CURRENT_TIMESTAMP</a:t>
+            </a:r>
+            <a:r>
+              <a:rPr lang="en-US" b="1" dirty="0">
+                <a:solidFill>
+                  <a:srgbClr val="EEEEEE"/>
+                </a:solidFill>
+                <a:latin typeface="Consolas" panose="020B0609020204030204" pitchFamily="49" charset="0"/>
+              </a:rPr>
+              <a:t>,</a:t>
+            </a:r>
+          </a:p>
+          <a:p>
+            <a:pPr lvl="1"/>
+            <a:r>
               <a:rPr lang="de-DE" dirty="0">
                 <a:solidFill>
                   <a:srgbClr val="EEEEEE"/>
@@ -14281,805 +15337,49 @@
               <a:t>  </a:t>
             </a:r>
             <a:r>
-              <a:rPr lang="de-DE" dirty="0">
+              <a:rPr lang="de-DE" b="1" dirty="0">
+                <a:solidFill>
+                  <a:srgbClr val="739ECA"/>
+                </a:solidFill>
+                <a:latin typeface="Consolas" panose="020B0609020204030204" pitchFamily="49" charset="0"/>
+              </a:rPr>
+              <a:t>PRIMARY</a:t>
+            </a:r>
+            <a:r>
+              <a:rPr lang="de-DE" b="1" dirty="0">
+                <a:solidFill>
+                  <a:srgbClr val="EEEEEE"/>
+                </a:solidFill>
+                <a:latin typeface="Consolas" panose="020B0609020204030204" pitchFamily="49" charset="0"/>
+              </a:rPr>
+              <a:t> </a:t>
+            </a:r>
+            <a:r>
+              <a:rPr lang="de-DE" b="1" dirty="0">
+                <a:solidFill>
+                  <a:srgbClr val="739ECA"/>
+                </a:solidFill>
+                <a:latin typeface="Consolas" panose="020B0609020204030204" pitchFamily="49" charset="0"/>
+              </a:rPr>
+              <a:t>KEY</a:t>
+            </a:r>
+            <a:r>
+              <a:rPr lang="de-DE" b="1" dirty="0">
+                <a:solidFill>
+                  <a:srgbClr val="EEEEEE"/>
+                </a:solidFill>
+                <a:latin typeface="Consolas" panose="020B0609020204030204" pitchFamily="49" charset="0"/>
+              </a:rPr>
+              <a:t> (</a:t>
+            </a:r>
+            <a:r>
+              <a:rPr lang="de-DE" b="1" dirty="0">
                 <a:solidFill>
                   <a:srgbClr val="C1AA6C"/>
                 </a:solidFill>
                 <a:latin typeface="Consolas" panose="020B0609020204030204" pitchFamily="49" charset="0"/>
               </a:rPr>
-              <a:t>`</a:t>
-            </a:r>
-            <a:r>
-              <a:rPr lang="de-DE" dirty="0" err="1">
-                <a:solidFill>
-                  <a:srgbClr val="C1AA6C"/>
-                </a:solidFill>
-                <a:latin typeface="Consolas" panose="020B0609020204030204" pitchFamily="49" charset="0"/>
-              </a:rPr>
-              <a:t>name</a:t>
-            </a:r>
-            <a:r>
-              <a:rPr lang="de-DE" dirty="0">
-                <a:solidFill>
-                  <a:srgbClr val="C1AA6C"/>
-                </a:solidFill>
-                <a:latin typeface="Consolas" panose="020B0609020204030204" pitchFamily="49" charset="0"/>
-              </a:rPr>
-              <a:t>`</a:t>
-            </a:r>
-            <a:r>
-              <a:rPr lang="de-DE" dirty="0">
-                <a:solidFill>
-                  <a:srgbClr val="EEEEEE"/>
-                </a:solidFill>
-                <a:latin typeface="Consolas" panose="020B0609020204030204" pitchFamily="49" charset="0"/>
-              </a:rPr>
-              <a:t> </a:t>
-            </a:r>
-            <a:r>
-              <a:rPr lang="de-DE" b="1" dirty="0" err="1">
-                <a:solidFill>
-                  <a:srgbClr val="C1AA6C"/>
-                </a:solidFill>
-                <a:latin typeface="Consolas" panose="020B0609020204030204" pitchFamily="49" charset="0"/>
-              </a:rPr>
-              <a:t>varchar</a:t>
-            </a:r>
-            <a:r>
-              <a:rPr lang="de-DE" b="1" dirty="0">
-                <a:solidFill>
-                  <a:srgbClr val="EEEEEE"/>
-                </a:solidFill>
-                <a:latin typeface="Consolas" panose="020B0609020204030204" pitchFamily="49" charset="0"/>
-              </a:rPr>
-              <a:t>(</a:t>
-            </a:r>
-            <a:r>
-              <a:rPr lang="de-DE" b="1" dirty="0">
-                <a:solidFill>
-                  <a:srgbClr val="C0C0C0"/>
-                </a:solidFill>
-                <a:latin typeface="Consolas" panose="020B0609020204030204" pitchFamily="49" charset="0"/>
-              </a:rPr>
-              <a:t>20</a:t>
-            </a:r>
-            <a:r>
-              <a:rPr lang="de-DE" b="1" dirty="0">
-                <a:solidFill>
-                  <a:srgbClr val="EEEEEE"/>
-                </a:solidFill>
-                <a:latin typeface="Consolas" panose="020B0609020204030204" pitchFamily="49" charset="0"/>
-              </a:rPr>
-              <a:t>) </a:t>
-            </a:r>
-            <a:r>
-              <a:rPr lang="de-DE" b="1" dirty="0">
-                <a:solidFill>
-                  <a:srgbClr val="739ECA"/>
-                </a:solidFill>
-                <a:latin typeface="Consolas" panose="020B0609020204030204" pitchFamily="49" charset="0"/>
-              </a:rPr>
-              <a:t>DEFAULT</a:t>
-            </a:r>
-            <a:r>
-              <a:rPr lang="de-DE" b="1" dirty="0">
-                <a:solidFill>
-                  <a:srgbClr val="EEEEEE"/>
-                </a:solidFill>
-                <a:latin typeface="Consolas" panose="020B0609020204030204" pitchFamily="49" charset="0"/>
-              </a:rPr>
-              <a:t> </a:t>
-            </a:r>
-            <a:r>
-              <a:rPr lang="de-DE" b="1" dirty="0">
-                <a:solidFill>
-                  <a:srgbClr val="739ECA"/>
-                </a:solidFill>
-                <a:latin typeface="Consolas" panose="020B0609020204030204" pitchFamily="49" charset="0"/>
-              </a:rPr>
-              <a:t>NULL</a:t>
-            </a:r>
-            <a:r>
-              <a:rPr lang="de-DE" b="1" dirty="0">
-                <a:solidFill>
-                  <a:srgbClr val="EEEEEE"/>
-                </a:solidFill>
-                <a:latin typeface="Consolas" panose="020B0609020204030204" pitchFamily="49" charset="0"/>
-              </a:rPr>
-              <a:t>,</a:t>
-            </a:r>
-          </a:p>
-          <a:p>
-            <a:pPr lvl="1"/>
-            <a:r>
-              <a:rPr lang="de-DE" dirty="0">
-                <a:solidFill>
-                  <a:srgbClr val="EEEEEE"/>
-                </a:solidFill>
-                <a:latin typeface="Consolas" panose="020B0609020204030204" pitchFamily="49" charset="0"/>
-              </a:rPr>
-              <a:t>  </a:t>
-            </a:r>
-            <a:r>
-              <a:rPr lang="de-DE" dirty="0">
-                <a:solidFill>
-                  <a:srgbClr val="C1AA6C"/>
-                </a:solidFill>
-                <a:latin typeface="Consolas" panose="020B0609020204030204" pitchFamily="49" charset="0"/>
-              </a:rPr>
-              <a:t>`</a:t>
-            </a:r>
-            <a:r>
-              <a:rPr lang="de-DE" dirty="0" err="1">
-                <a:solidFill>
-                  <a:srgbClr val="C1AA6C"/>
-                </a:solidFill>
-                <a:latin typeface="Consolas" panose="020B0609020204030204" pitchFamily="49" charset="0"/>
-              </a:rPr>
-              <a:t>description</a:t>
-            </a:r>
-            <a:r>
-              <a:rPr lang="de-DE" dirty="0">
-                <a:solidFill>
-                  <a:srgbClr val="C1AA6C"/>
-                </a:solidFill>
-                <a:latin typeface="Consolas" panose="020B0609020204030204" pitchFamily="49" charset="0"/>
-              </a:rPr>
-              <a:t>`</a:t>
-            </a:r>
-            <a:r>
-              <a:rPr lang="de-DE" dirty="0">
-                <a:solidFill>
-                  <a:srgbClr val="EEEEEE"/>
-                </a:solidFill>
-                <a:latin typeface="Consolas" panose="020B0609020204030204" pitchFamily="49" charset="0"/>
-              </a:rPr>
-              <a:t> </a:t>
-            </a:r>
-            <a:r>
-              <a:rPr lang="de-DE" b="1" dirty="0" err="1">
-                <a:solidFill>
-                  <a:srgbClr val="C1AA6C"/>
-                </a:solidFill>
-                <a:latin typeface="Consolas" panose="020B0609020204030204" pitchFamily="49" charset="0"/>
-              </a:rPr>
-              <a:t>varchar</a:t>
-            </a:r>
-            <a:r>
-              <a:rPr lang="de-DE" b="1" dirty="0">
-                <a:solidFill>
-                  <a:srgbClr val="EEEEEE"/>
-                </a:solidFill>
-                <a:latin typeface="Consolas" panose="020B0609020204030204" pitchFamily="49" charset="0"/>
-              </a:rPr>
-              <a:t>(</a:t>
-            </a:r>
-            <a:r>
-              <a:rPr lang="de-DE" b="1" dirty="0">
-                <a:solidFill>
-                  <a:srgbClr val="C0C0C0"/>
-                </a:solidFill>
-                <a:latin typeface="Consolas" panose="020B0609020204030204" pitchFamily="49" charset="0"/>
-              </a:rPr>
-              <a:t>200</a:t>
-            </a:r>
-            <a:r>
-              <a:rPr lang="de-DE" b="1" dirty="0">
-                <a:solidFill>
-                  <a:srgbClr val="EEEEEE"/>
-                </a:solidFill>
-                <a:latin typeface="Consolas" panose="020B0609020204030204" pitchFamily="49" charset="0"/>
-              </a:rPr>
-              <a:t>) </a:t>
-            </a:r>
-            <a:r>
-              <a:rPr lang="de-DE" b="1" dirty="0">
-                <a:solidFill>
-                  <a:srgbClr val="739ECA"/>
-                </a:solidFill>
-                <a:latin typeface="Consolas" panose="020B0609020204030204" pitchFamily="49" charset="0"/>
-              </a:rPr>
-              <a:t>DEFAULT</a:t>
-            </a:r>
-            <a:r>
-              <a:rPr lang="de-DE" b="1" dirty="0">
-                <a:solidFill>
-                  <a:srgbClr val="EEEEEE"/>
-                </a:solidFill>
-                <a:latin typeface="Consolas" panose="020B0609020204030204" pitchFamily="49" charset="0"/>
-              </a:rPr>
-              <a:t> </a:t>
-            </a:r>
-            <a:r>
-              <a:rPr lang="de-DE" b="1" dirty="0">
-                <a:solidFill>
-                  <a:srgbClr val="739ECA"/>
-                </a:solidFill>
-                <a:latin typeface="Consolas" panose="020B0609020204030204" pitchFamily="49" charset="0"/>
-              </a:rPr>
-              <a:t>NULL</a:t>
-            </a:r>
-            <a:r>
-              <a:rPr lang="de-DE" b="1" dirty="0">
-                <a:solidFill>
-                  <a:srgbClr val="EEEEEE"/>
-                </a:solidFill>
-                <a:latin typeface="Consolas" panose="020B0609020204030204" pitchFamily="49" charset="0"/>
-              </a:rPr>
-              <a:t>,</a:t>
-            </a:r>
-          </a:p>
-          <a:p>
-            <a:pPr lvl="1"/>
-            <a:r>
-              <a:rPr lang="de-DE" dirty="0">
-                <a:solidFill>
-                  <a:srgbClr val="EEEEEE"/>
-                </a:solidFill>
-                <a:latin typeface="Consolas" panose="020B0609020204030204" pitchFamily="49" charset="0"/>
-              </a:rPr>
-              <a:t>  </a:t>
-            </a:r>
-            <a:r>
-              <a:rPr lang="de-DE" dirty="0">
-                <a:solidFill>
-                  <a:srgbClr val="C1AA6C"/>
-                </a:solidFill>
-                <a:latin typeface="Consolas" panose="020B0609020204030204" pitchFamily="49" charset="0"/>
-              </a:rPr>
-              <a:t>`type`</a:t>
-            </a:r>
-            <a:r>
-              <a:rPr lang="de-DE" dirty="0">
-                <a:solidFill>
-                  <a:srgbClr val="EEEEEE"/>
-                </a:solidFill>
-                <a:latin typeface="Consolas" panose="020B0609020204030204" pitchFamily="49" charset="0"/>
-              </a:rPr>
-              <a:t> </a:t>
-            </a:r>
-            <a:r>
-              <a:rPr lang="de-DE" b="1" dirty="0" err="1">
-                <a:solidFill>
-                  <a:srgbClr val="C1AA6C"/>
-                </a:solidFill>
-                <a:latin typeface="Consolas" panose="020B0609020204030204" pitchFamily="49" charset="0"/>
-              </a:rPr>
-              <a:t>varchar</a:t>
-            </a:r>
-            <a:r>
-              <a:rPr lang="de-DE" b="1" dirty="0">
-                <a:solidFill>
-                  <a:srgbClr val="EEEEEE"/>
-                </a:solidFill>
-                <a:latin typeface="Consolas" panose="020B0609020204030204" pitchFamily="49" charset="0"/>
-              </a:rPr>
-              <a:t>(</a:t>
-            </a:r>
-            <a:r>
-              <a:rPr lang="de-DE" b="1" dirty="0">
-                <a:solidFill>
-                  <a:srgbClr val="C0C0C0"/>
-                </a:solidFill>
-                <a:latin typeface="Consolas" panose="020B0609020204030204" pitchFamily="49" charset="0"/>
-              </a:rPr>
-              <a:t>100</a:t>
-            </a:r>
-            <a:r>
-              <a:rPr lang="de-DE" b="1" dirty="0">
-                <a:solidFill>
-                  <a:srgbClr val="EEEEEE"/>
-                </a:solidFill>
-                <a:latin typeface="Consolas" panose="020B0609020204030204" pitchFamily="49" charset="0"/>
-              </a:rPr>
-              <a:t>) </a:t>
-            </a:r>
-            <a:r>
-              <a:rPr lang="de-DE" b="1" dirty="0">
-                <a:solidFill>
-                  <a:srgbClr val="739ECA"/>
-                </a:solidFill>
-                <a:latin typeface="Consolas" panose="020B0609020204030204" pitchFamily="49" charset="0"/>
-              </a:rPr>
-              <a:t>DEFAULT</a:t>
-            </a:r>
-            <a:r>
-              <a:rPr lang="de-DE" b="1" dirty="0">
-                <a:solidFill>
-                  <a:srgbClr val="EEEEEE"/>
-                </a:solidFill>
-                <a:latin typeface="Consolas" panose="020B0609020204030204" pitchFamily="49" charset="0"/>
-              </a:rPr>
-              <a:t> </a:t>
-            </a:r>
-            <a:r>
-              <a:rPr lang="de-DE" b="1" dirty="0">
-                <a:solidFill>
-                  <a:srgbClr val="739ECA"/>
-                </a:solidFill>
-                <a:latin typeface="Consolas" panose="020B0609020204030204" pitchFamily="49" charset="0"/>
-              </a:rPr>
-              <a:t>NULL</a:t>
-            </a:r>
-            <a:r>
-              <a:rPr lang="de-DE" b="1" dirty="0">
-                <a:solidFill>
-                  <a:srgbClr val="EEEEEE"/>
-                </a:solidFill>
-                <a:latin typeface="Consolas" panose="020B0609020204030204" pitchFamily="49" charset="0"/>
-              </a:rPr>
-              <a:t>,</a:t>
-            </a:r>
-          </a:p>
-          <a:p>
-            <a:pPr lvl="1"/>
-            <a:r>
-              <a:rPr lang="de-DE" dirty="0">
-                <a:solidFill>
-                  <a:srgbClr val="EEEEEE"/>
-                </a:solidFill>
-                <a:latin typeface="Consolas" panose="020B0609020204030204" pitchFamily="49" charset="0"/>
-              </a:rPr>
-              <a:t>  </a:t>
-            </a:r>
-            <a:r>
-              <a:rPr lang="de-DE" dirty="0">
-                <a:solidFill>
-                  <a:srgbClr val="C1AA6C"/>
-                </a:solidFill>
-                <a:latin typeface="Consolas" panose="020B0609020204030204" pitchFamily="49" charset="0"/>
-              </a:rPr>
-              <a:t>`</a:t>
-            </a:r>
-            <a:r>
-              <a:rPr lang="de-DE" dirty="0" err="1">
-                <a:solidFill>
-                  <a:srgbClr val="C1AA6C"/>
-                </a:solidFill>
-                <a:latin typeface="Consolas" panose="020B0609020204030204" pitchFamily="49" charset="0"/>
-              </a:rPr>
-              <a:t>creator</a:t>
-            </a:r>
-            <a:r>
-              <a:rPr lang="de-DE" dirty="0">
-                <a:solidFill>
-                  <a:srgbClr val="C1AA6C"/>
-                </a:solidFill>
-                <a:latin typeface="Consolas" panose="020B0609020204030204" pitchFamily="49" charset="0"/>
-              </a:rPr>
-              <a:t>`</a:t>
-            </a:r>
-            <a:r>
-              <a:rPr lang="de-DE" dirty="0">
-                <a:solidFill>
-                  <a:srgbClr val="EEEEEE"/>
-                </a:solidFill>
-                <a:latin typeface="Consolas" panose="020B0609020204030204" pitchFamily="49" charset="0"/>
-              </a:rPr>
-              <a:t> </a:t>
-            </a:r>
-            <a:r>
-              <a:rPr lang="de-DE" b="1" dirty="0" err="1">
-                <a:solidFill>
-                  <a:srgbClr val="C1AA6C"/>
-                </a:solidFill>
-                <a:latin typeface="Consolas" panose="020B0609020204030204" pitchFamily="49" charset="0"/>
-              </a:rPr>
-              <a:t>int</a:t>
-            </a:r>
-            <a:r>
-              <a:rPr lang="de-DE" b="1" dirty="0">
-                <a:solidFill>
-                  <a:srgbClr val="EEEEEE"/>
-                </a:solidFill>
-                <a:latin typeface="Consolas" panose="020B0609020204030204" pitchFamily="49" charset="0"/>
-              </a:rPr>
-              <a:t> </a:t>
-            </a:r>
-            <a:r>
-              <a:rPr lang="de-DE" b="1" dirty="0">
-                <a:solidFill>
-                  <a:srgbClr val="739ECA"/>
-                </a:solidFill>
-                <a:latin typeface="Consolas" panose="020B0609020204030204" pitchFamily="49" charset="0"/>
-              </a:rPr>
-              <a:t>NOT</a:t>
-            </a:r>
-            <a:r>
-              <a:rPr lang="de-DE" b="1" dirty="0">
-                <a:solidFill>
-                  <a:srgbClr val="EEEEEE"/>
-                </a:solidFill>
-                <a:latin typeface="Consolas" panose="020B0609020204030204" pitchFamily="49" charset="0"/>
-              </a:rPr>
-              <a:t> </a:t>
-            </a:r>
-            <a:r>
-              <a:rPr lang="de-DE" b="1" dirty="0">
-                <a:solidFill>
-                  <a:srgbClr val="739ECA"/>
-                </a:solidFill>
-                <a:latin typeface="Consolas" panose="020B0609020204030204" pitchFamily="49" charset="0"/>
-              </a:rPr>
-              <a:t>NULL</a:t>
-            </a:r>
-            <a:r>
-              <a:rPr lang="de-DE" b="1" dirty="0">
-                <a:solidFill>
-                  <a:srgbClr val="EEEEEE"/>
-                </a:solidFill>
-                <a:latin typeface="Consolas" panose="020B0609020204030204" pitchFamily="49" charset="0"/>
-              </a:rPr>
-              <a:t>,</a:t>
-            </a:r>
-          </a:p>
-          <a:p>
-            <a:pPr lvl="1"/>
-            <a:r>
-              <a:rPr lang="en-US" dirty="0">
-                <a:solidFill>
-                  <a:srgbClr val="EEEEEE"/>
-                </a:solidFill>
-                <a:latin typeface="Consolas" panose="020B0609020204030204" pitchFamily="49" charset="0"/>
-              </a:rPr>
-              <a:t>  </a:t>
-            </a:r>
-            <a:r>
-              <a:rPr lang="en-US" dirty="0">
-                <a:solidFill>
-                  <a:srgbClr val="C1AA6C"/>
-                </a:solidFill>
-                <a:latin typeface="Consolas" panose="020B0609020204030204" pitchFamily="49" charset="0"/>
-              </a:rPr>
-              <a:t>`</a:t>
-            </a:r>
-            <a:r>
-              <a:rPr lang="en-US" dirty="0" err="1">
-                <a:solidFill>
-                  <a:srgbClr val="C1AA6C"/>
-                </a:solidFill>
-                <a:latin typeface="Consolas" panose="020B0609020204030204" pitchFamily="49" charset="0"/>
-              </a:rPr>
-              <a:t>rowCreated</a:t>
-            </a:r>
-            <a:r>
-              <a:rPr lang="en-US" dirty="0">
-                <a:solidFill>
-                  <a:srgbClr val="C1AA6C"/>
-                </a:solidFill>
-                <a:latin typeface="Consolas" panose="020B0609020204030204" pitchFamily="49" charset="0"/>
-              </a:rPr>
-              <a:t>`</a:t>
-            </a:r>
-            <a:r>
-              <a:rPr lang="en-US" dirty="0">
-                <a:solidFill>
-                  <a:srgbClr val="EEEEEE"/>
-                </a:solidFill>
-                <a:latin typeface="Consolas" panose="020B0609020204030204" pitchFamily="49" charset="0"/>
-              </a:rPr>
-              <a:t> </a:t>
-            </a:r>
-            <a:r>
-              <a:rPr lang="en-US" b="1" dirty="0">
-                <a:solidFill>
-                  <a:srgbClr val="C1AA6C"/>
-                </a:solidFill>
-                <a:latin typeface="Consolas" panose="020B0609020204030204" pitchFamily="49" charset="0"/>
-              </a:rPr>
-              <a:t>timestamp</a:t>
-            </a:r>
-            <a:r>
-              <a:rPr lang="en-US" b="1" dirty="0">
-                <a:solidFill>
-                  <a:srgbClr val="EEEEEE"/>
-                </a:solidFill>
-                <a:latin typeface="Consolas" panose="020B0609020204030204" pitchFamily="49" charset="0"/>
-              </a:rPr>
-              <a:t> </a:t>
-            </a:r>
-            <a:r>
-              <a:rPr lang="en-US" b="1" dirty="0">
-                <a:solidFill>
-                  <a:srgbClr val="739ECA"/>
-                </a:solidFill>
-                <a:latin typeface="Consolas" panose="020B0609020204030204" pitchFamily="49" charset="0"/>
-              </a:rPr>
-              <a:t>NULL</a:t>
-            </a:r>
-            <a:r>
-              <a:rPr lang="en-US" b="1" dirty="0">
-                <a:solidFill>
-                  <a:srgbClr val="EEEEEE"/>
-                </a:solidFill>
-                <a:latin typeface="Consolas" panose="020B0609020204030204" pitchFamily="49" charset="0"/>
-              </a:rPr>
-              <a:t> </a:t>
-            </a:r>
-            <a:r>
-              <a:rPr lang="en-US" b="1" dirty="0">
-                <a:solidFill>
-                  <a:srgbClr val="739ECA"/>
-                </a:solidFill>
-                <a:latin typeface="Consolas" panose="020B0609020204030204" pitchFamily="49" charset="0"/>
-              </a:rPr>
-              <a:t>DEFAULT</a:t>
-            </a:r>
-            <a:r>
-              <a:rPr lang="en-US" b="1" dirty="0">
-                <a:solidFill>
-                  <a:srgbClr val="EEEEEE"/>
-                </a:solidFill>
-                <a:latin typeface="Consolas" panose="020B0609020204030204" pitchFamily="49" charset="0"/>
-              </a:rPr>
-              <a:t> </a:t>
-            </a:r>
-            <a:r>
-              <a:rPr lang="en-US" b="1" dirty="0">
-                <a:solidFill>
-                  <a:srgbClr val="C1AA6C"/>
-                </a:solidFill>
-                <a:latin typeface="Consolas" panose="020B0609020204030204" pitchFamily="49" charset="0"/>
-              </a:rPr>
-              <a:t>CURRENT_TIMESTAMP</a:t>
-            </a:r>
-            <a:r>
-              <a:rPr lang="en-US" b="1" dirty="0">
-                <a:solidFill>
-                  <a:srgbClr val="EEEEEE"/>
-                </a:solidFill>
-                <a:latin typeface="Consolas" panose="020B0609020204030204" pitchFamily="49" charset="0"/>
-              </a:rPr>
-              <a:t>,</a:t>
-            </a:r>
-          </a:p>
-          <a:p>
-            <a:pPr lvl="1"/>
-            <a:r>
-              <a:rPr lang="en-US" dirty="0">
-                <a:solidFill>
-                  <a:srgbClr val="EEEEEE"/>
-                </a:solidFill>
-                <a:latin typeface="Consolas" panose="020B0609020204030204" pitchFamily="49" charset="0"/>
-              </a:rPr>
-              <a:t>  </a:t>
-            </a:r>
-            <a:r>
-              <a:rPr lang="en-US" dirty="0">
-                <a:solidFill>
-                  <a:srgbClr val="C1AA6C"/>
-                </a:solidFill>
-                <a:latin typeface="Consolas" panose="020B0609020204030204" pitchFamily="49" charset="0"/>
-              </a:rPr>
-              <a:t>`</a:t>
-            </a:r>
-            <a:r>
-              <a:rPr lang="en-US" dirty="0" err="1">
-                <a:solidFill>
-                  <a:srgbClr val="C1AA6C"/>
-                </a:solidFill>
-                <a:latin typeface="Consolas" panose="020B0609020204030204" pitchFamily="49" charset="0"/>
-              </a:rPr>
-              <a:t>rowUpdated</a:t>
-            </a:r>
-            <a:r>
-              <a:rPr lang="en-US" dirty="0">
-                <a:solidFill>
-                  <a:srgbClr val="C1AA6C"/>
-                </a:solidFill>
-                <a:latin typeface="Consolas" panose="020B0609020204030204" pitchFamily="49" charset="0"/>
-              </a:rPr>
-              <a:t>`</a:t>
-            </a:r>
-            <a:r>
-              <a:rPr lang="en-US" dirty="0">
-                <a:solidFill>
-                  <a:srgbClr val="EEEEEE"/>
-                </a:solidFill>
-                <a:latin typeface="Consolas" panose="020B0609020204030204" pitchFamily="49" charset="0"/>
-              </a:rPr>
-              <a:t> </a:t>
-            </a:r>
-            <a:r>
-              <a:rPr lang="en-US" b="1" dirty="0">
-                <a:solidFill>
-                  <a:srgbClr val="C1AA6C"/>
-                </a:solidFill>
-                <a:latin typeface="Consolas" panose="020B0609020204030204" pitchFamily="49" charset="0"/>
-              </a:rPr>
-              <a:t>timestamp</a:t>
-            </a:r>
-            <a:r>
-              <a:rPr lang="en-US" b="1" dirty="0">
-                <a:solidFill>
-                  <a:srgbClr val="EEEEEE"/>
-                </a:solidFill>
-                <a:latin typeface="Consolas" panose="020B0609020204030204" pitchFamily="49" charset="0"/>
-              </a:rPr>
-              <a:t> </a:t>
-            </a:r>
-            <a:r>
-              <a:rPr lang="en-US" b="1" dirty="0">
-                <a:solidFill>
-                  <a:srgbClr val="739ECA"/>
-                </a:solidFill>
-                <a:latin typeface="Consolas" panose="020B0609020204030204" pitchFamily="49" charset="0"/>
-              </a:rPr>
-              <a:t>NULL</a:t>
-            </a:r>
-            <a:r>
-              <a:rPr lang="en-US" b="1" dirty="0">
-                <a:solidFill>
-                  <a:srgbClr val="EEEEEE"/>
-                </a:solidFill>
-                <a:latin typeface="Consolas" panose="020B0609020204030204" pitchFamily="49" charset="0"/>
-              </a:rPr>
-              <a:t> </a:t>
-            </a:r>
-            <a:r>
-              <a:rPr lang="en-US" b="1" dirty="0">
-                <a:solidFill>
-                  <a:srgbClr val="739ECA"/>
-                </a:solidFill>
-                <a:latin typeface="Consolas" panose="020B0609020204030204" pitchFamily="49" charset="0"/>
-              </a:rPr>
-              <a:t>DEFAULT</a:t>
-            </a:r>
-            <a:r>
-              <a:rPr lang="en-US" b="1" dirty="0">
-                <a:solidFill>
-                  <a:srgbClr val="EEEEEE"/>
-                </a:solidFill>
-                <a:latin typeface="Consolas" panose="020B0609020204030204" pitchFamily="49" charset="0"/>
-              </a:rPr>
-              <a:t> </a:t>
-            </a:r>
-            <a:r>
-              <a:rPr lang="en-US" b="1" dirty="0">
-                <a:solidFill>
-                  <a:srgbClr val="C1AA6C"/>
-                </a:solidFill>
-                <a:latin typeface="Consolas" panose="020B0609020204030204" pitchFamily="49" charset="0"/>
-              </a:rPr>
-              <a:t>CURRENT_TIMESTAMP</a:t>
-            </a:r>
-            <a:r>
-              <a:rPr lang="en-US" b="1" dirty="0">
-                <a:solidFill>
-                  <a:srgbClr val="EEEEEE"/>
-                </a:solidFill>
-                <a:latin typeface="Consolas" panose="020B0609020204030204" pitchFamily="49" charset="0"/>
-              </a:rPr>
-              <a:t> </a:t>
-            </a:r>
-            <a:r>
-              <a:rPr lang="en-US" b="1" dirty="0">
-                <a:solidFill>
-                  <a:srgbClr val="739ECA"/>
-                </a:solidFill>
-                <a:latin typeface="Consolas" panose="020B0609020204030204" pitchFamily="49" charset="0"/>
-              </a:rPr>
-              <a:t>ON</a:t>
-            </a:r>
-            <a:r>
-              <a:rPr lang="en-US" b="1" dirty="0">
-                <a:solidFill>
-                  <a:srgbClr val="EEEEEE"/>
-                </a:solidFill>
-                <a:latin typeface="Consolas" panose="020B0609020204030204" pitchFamily="49" charset="0"/>
-              </a:rPr>
-              <a:t> </a:t>
-            </a:r>
-            <a:r>
-              <a:rPr lang="en-US" b="1" dirty="0">
-                <a:solidFill>
-                  <a:srgbClr val="739ECA"/>
-                </a:solidFill>
-                <a:latin typeface="Consolas" panose="020B0609020204030204" pitchFamily="49" charset="0"/>
-              </a:rPr>
-              <a:t>UPDATE</a:t>
-            </a:r>
-            <a:r>
-              <a:rPr lang="en-US" b="1" dirty="0">
-                <a:solidFill>
-                  <a:srgbClr val="EEEEEE"/>
-                </a:solidFill>
-                <a:latin typeface="Consolas" panose="020B0609020204030204" pitchFamily="49" charset="0"/>
-              </a:rPr>
-              <a:t> </a:t>
-            </a:r>
-            <a:r>
-              <a:rPr lang="en-US" b="1" dirty="0">
-                <a:solidFill>
-                  <a:srgbClr val="C1AA6C"/>
-                </a:solidFill>
-                <a:latin typeface="Consolas" panose="020B0609020204030204" pitchFamily="49" charset="0"/>
-              </a:rPr>
-              <a:t>CURRENT_TIMESTAMP</a:t>
-            </a:r>
-            <a:r>
-              <a:rPr lang="en-US" b="1" dirty="0">
-                <a:solidFill>
-                  <a:srgbClr val="EEEEEE"/>
-                </a:solidFill>
-                <a:latin typeface="Consolas" panose="020B0609020204030204" pitchFamily="49" charset="0"/>
-              </a:rPr>
-              <a:t>,</a:t>
-            </a:r>
-          </a:p>
-          <a:p>
-            <a:pPr lvl="1"/>
-            <a:r>
-              <a:rPr lang="de-DE" dirty="0">
-                <a:solidFill>
-                  <a:srgbClr val="EEEEEE"/>
-                </a:solidFill>
-                <a:latin typeface="Consolas" panose="020B0609020204030204" pitchFamily="49" charset="0"/>
-              </a:rPr>
-              <a:t>  </a:t>
-            </a:r>
-            <a:r>
-              <a:rPr lang="de-DE" b="1" dirty="0">
-                <a:solidFill>
-                  <a:srgbClr val="739ECA"/>
-                </a:solidFill>
-                <a:latin typeface="Consolas" panose="020B0609020204030204" pitchFamily="49" charset="0"/>
-              </a:rPr>
-              <a:t>PRIMARY</a:t>
-            </a:r>
-            <a:r>
-              <a:rPr lang="de-DE" b="1" dirty="0">
-                <a:solidFill>
-                  <a:srgbClr val="EEEEEE"/>
-                </a:solidFill>
-                <a:latin typeface="Consolas" panose="020B0609020204030204" pitchFamily="49" charset="0"/>
-              </a:rPr>
-              <a:t> </a:t>
-            </a:r>
-            <a:r>
-              <a:rPr lang="de-DE" b="1" dirty="0">
-                <a:solidFill>
-                  <a:srgbClr val="739ECA"/>
-                </a:solidFill>
-                <a:latin typeface="Consolas" panose="020B0609020204030204" pitchFamily="49" charset="0"/>
-              </a:rPr>
-              <a:t>KEY</a:t>
-            </a:r>
-            <a:r>
-              <a:rPr lang="de-DE" b="1" dirty="0">
-                <a:solidFill>
-                  <a:srgbClr val="EEEEEE"/>
-                </a:solidFill>
-                <a:latin typeface="Consolas" panose="020B0609020204030204" pitchFamily="49" charset="0"/>
-              </a:rPr>
-              <a:t> (</a:t>
-            </a:r>
-            <a:r>
-              <a:rPr lang="de-DE" b="1" dirty="0">
-                <a:solidFill>
-                  <a:srgbClr val="C1AA6C"/>
-                </a:solidFill>
-                <a:latin typeface="Consolas" panose="020B0609020204030204" pitchFamily="49" charset="0"/>
-              </a:rPr>
-              <a:t>`</a:t>
-            </a:r>
-            <a:r>
-              <a:rPr lang="de-DE" b="1" dirty="0" err="1">
-                <a:solidFill>
-                  <a:srgbClr val="C1AA6C"/>
-                </a:solidFill>
-                <a:latin typeface="Consolas" panose="020B0609020204030204" pitchFamily="49" charset="0"/>
-              </a:rPr>
-              <a:t>idPerformanceCategory</a:t>
-            </a:r>
-            <a:r>
-              <a:rPr lang="de-DE" b="1" dirty="0">
-                <a:solidFill>
-                  <a:srgbClr val="C1AA6C"/>
-                </a:solidFill>
-                <a:latin typeface="Consolas" panose="020B0609020204030204" pitchFamily="49" charset="0"/>
-              </a:rPr>
-              <a:t>`</a:t>
+              <a:t>`idPerformanceCategory`</a:t>
             </a:r>
             <a:r>
               <a:rPr lang="de-DE" b="1" dirty="0">
@@ -15526,7 +15826,7 @@
         <p:spPr>
           <a:xfrm>
             <a:off x="193040" y="1860907"/>
-            <a:ext cx="11379200" cy="4524315"/>
+            <a:ext cx="11379200" cy="4801314"/>
           </a:xfrm>
           <a:prstGeom prst="rect">
             <a:avLst/>
@@ -16303,6 +16603,105 @@
           <a:p>
             <a:pPr lvl="1"/>
             <a:r>
+              <a:rPr lang="en-US" sz="1800" dirty="0">
+                <a:solidFill>
+                  <a:srgbClr val="C1AA6C"/>
+                </a:solidFill>
+                <a:latin typeface="Consolas" panose="020B0609020204030204" pitchFamily="49" charset="0"/>
+              </a:rPr>
+              <a:t>`goal`</a:t>
+            </a:r>
+            <a:r>
+              <a:rPr lang="en-US" sz="1800" dirty="0">
+                <a:solidFill>
+                  <a:srgbClr val="EEEEEE"/>
+                </a:solidFill>
+                <a:latin typeface="Consolas" panose="020B0609020204030204" pitchFamily="49" charset="0"/>
+              </a:rPr>
+              <a:t> </a:t>
+            </a:r>
+            <a:r>
+              <a:rPr lang="en-US" sz="1800" b="1" dirty="0">
+                <a:solidFill>
+                  <a:srgbClr val="C1AA6C"/>
+                </a:solidFill>
+                <a:latin typeface="Consolas" panose="020B0609020204030204" pitchFamily="49" charset="0"/>
+              </a:rPr>
+              <a:t>varchar</a:t>
+            </a:r>
+            <a:r>
+              <a:rPr lang="en-US" sz="1800" b="1" dirty="0">
+                <a:solidFill>
+                  <a:srgbClr val="EEEEEE"/>
+                </a:solidFill>
+                <a:latin typeface="Consolas" panose="020B0609020204030204" pitchFamily="49" charset="0"/>
+              </a:rPr>
+              <a:t>(</a:t>
+            </a:r>
+            <a:r>
+              <a:rPr lang="en-US" sz="1800" b="1" dirty="0">
+                <a:solidFill>
+                  <a:srgbClr val="C0C0C0"/>
+                </a:solidFill>
+                <a:latin typeface="Consolas" panose="020B0609020204030204" pitchFamily="49" charset="0"/>
+              </a:rPr>
+              <a:t>100</a:t>
+            </a:r>
+            <a:r>
+              <a:rPr lang="en-US" sz="1800" b="1" dirty="0">
+                <a:solidFill>
+                  <a:srgbClr val="EEEEEE"/>
+                </a:solidFill>
+                <a:latin typeface="Consolas" panose="020B0609020204030204" pitchFamily="49" charset="0"/>
+              </a:rPr>
+              <a:t>) </a:t>
+            </a:r>
+            <a:r>
+              <a:rPr lang="en-US" sz="1800" b="1" dirty="0">
+                <a:solidFill>
+                  <a:srgbClr val="739ECA"/>
+                </a:solidFill>
+                <a:latin typeface="Consolas" panose="020B0609020204030204" pitchFamily="49" charset="0"/>
+              </a:rPr>
+              <a:t>DEFAULT</a:t>
+            </a:r>
+            <a:r>
+              <a:rPr lang="en-US" sz="1800" b="1" dirty="0">
+                <a:solidFill>
+                  <a:srgbClr val="EEEEEE"/>
+                </a:solidFill>
+                <a:latin typeface="Consolas" panose="020B0609020204030204" pitchFamily="49" charset="0"/>
+              </a:rPr>
+              <a:t> </a:t>
+            </a:r>
+            <a:r>
+              <a:rPr lang="en-US" sz="1800" b="1" dirty="0">
+                <a:solidFill>
+                  <a:srgbClr val="739ECA"/>
+                </a:solidFill>
+                <a:latin typeface="Consolas" panose="020B0609020204030204" pitchFamily="49" charset="0"/>
+              </a:rPr>
+              <a:t>NULL</a:t>
+            </a:r>
+            <a:r>
+              <a:rPr lang="en-US" sz="1800" b="1" dirty="0">
+                <a:solidFill>
+                  <a:srgbClr val="EEEEEE"/>
+                </a:solidFill>
+                <a:latin typeface="Consolas" panose="020B0609020204030204" pitchFamily="49" charset="0"/>
+              </a:rPr>
+              <a:t>,</a:t>
+            </a:r>
+            <a:endParaRPr lang="en-US" b="1" dirty="0">
+              <a:solidFill>
+                <a:srgbClr val="EEEEEE"/>
+              </a:solidFill>
+              <a:latin typeface="Consolas" panose="020B0609020204030204" pitchFamily="49" charset="0"/>
+            </a:endParaRPr>
+          </a:p>
+          <a:p>
+            <a:pPr lvl="1"/>
+            <a:r>
               <a:rPr lang="de-DE" b="1" dirty="0">
                 <a:solidFill>
                   <a:srgbClr val="739ECA"/>
@@ -16705,7 +17104,7 @@
               <a:t>(</a:t>
             </a:r>
             <a:r>
-              <a:rPr lang="de-DE" b="1" dirty="0" err="1">
+              <a:rPr lang="de-DE" b="1" dirty="0">
                 <a:solidFill>
                   <a:srgbClr val="9E9E9E"/>
                 </a:solidFill>
@@ -18042,6 +18441,110 @@
       </p:grpSpPr>
       <p:sp>
         <p:nvSpPr>
+          <p:cNvPr id="16" name="Rechteck 15">
+            <a:extLst>
+              <a:ext uri="{FF2B5EF4-FFF2-40B4-BE49-F238E27FC236}">
+                <a16:creationId xmlns:a16="http://schemas.microsoft.com/office/drawing/2014/main" id="{1C12B4C8-7DB9-3EDA-0C3C-84034691EA8F}"/>
+              </a:ext>
+            </a:extLst>
+          </p:cNvPr>
+          <p:cNvSpPr/>
+          <p:nvPr/>
+        </p:nvSpPr>
+        <p:spPr>
+          <a:xfrm>
+            <a:off x="7078235" y="1251493"/>
+            <a:ext cx="5037072" cy="5461542"/>
+          </a:xfrm>
+          <a:prstGeom prst="rect">
+            <a:avLst/>
+          </a:prstGeom>
+          <a:solidFill>
+            <a:srgbClr val="282C34"/>
+          </a:solidFill>
+          <a:ln>
+            <a:noFill/>
+          </a:ln>
+        </p:spPr>
+        <p:style>
+          <a:lnRef idx="2">
+            <a:schemeClr val="accent1">
+              <a:shade val="50000"/>
+            </a:schemeClr>
+          </a:lnRef>
+          <a:fillRef idx="1">
+            <a:schemeClr val="accent1"/>
+          </a:fillRef>
+          <a:effectRef idx="0">
+            <a:schemeClr val="accent1"/>
+          </a:effectRef>
+          <a:fontRef idx="minor">
+            <a:schemeClr val="lt1"/>
+          </a:fontRef>
+        </p:style>
+        <p:txBody>
+          <a:bodyPr rtlCol="0" anchor="ctr"/>
+          <a:lstStyle/>
+          <a:p>
+            <a:pPr algn="ctr"/>
+            <a:endParaRPr lang="de-DE"/>
+          </a:p>
+        </p:txBody>
+      </p:sp>
+      <p:sp>
+        <p:nvSpPr>
+          <p:cNvPr id="6" name="Rechteck 5">
+            <a:extLst>
+              <a:ext uri="{FF2B5EF4-FFF2-40B4-BE49-F238E27FC236}">
+                <a16:creationId xmlns:a16="http://schemas.microsoft.com/office/drawing/2014/main" id="{EC65EEA0-7E7B-5347-12EF-21E21022032C}"/>
+              </a:ext>
+            </a:extLst>
+          </p:cNvPr>
+          <p:cNvSpPr/>
+          <p:nvPr/>
+        </p:nvSpPr>
+        <p:spPr>
+          <a:xfrm>
+            <a:off x="705746" y="1251493"/>
+            <a:ext cx="6228451" cy="5461542"/>
+          </a:xfrm>
+          <a:prstGeom prst="rect">
+            <a:avLst/>
+          </a:prstGeom>
+          <a:solidFill>
+            <a:srgbClr val="282C34"/>
+          </a:solidFill>
+          <a:ln>
+            <a:noFill/>
+          </a:ln>
+        </p:spPr>
+        <p:style>
+          <a:lnRef idx="2">
+            <a:schemeClr val="accent1">
+              <a:shade val="50000"/>
+            </a:schemeClr>
+          </a:lnRef>
+          <a:fillRef idx="1">
+            <a:schemeClr val="accent1"/>
+          </a:fillRef>
+          <a:effectRef idx="0">
+            <a:schemeClr val="accent1"/>
+          </a:effectRef>
+          <a:fontRef idx="minor">
+            <a:schemeClr val="lt1"/>
+          </a:fontRef>
+        </p:style>
+        <p:txBody>
+          <a:bodyPr rtlCol="0" anchor="ctr"/>
+          <a:lstStyle/>
+          <a:p>
+            <a:pPr algn="ctr"/>
+            <a:endParaRPr lang="de-DE"/>
+          </a:p>
+        </p:txBody>
+      </p:sp>
+      <p:sp>
+        <p:nvSpPr>
           <p:cNvPr id="2" name="Titel 1">
             <a:extLst>
               <a:ext uri="{FF2B5EF4-FFF2-40B4-BE49-F238E27FC236}">
@@ -18056,14 +18559,20 @@
             <p:ph type="title"/>
           </p:nvPr>
         </p:nvSpPr>
-        <p:spPr/>
+        <p:spPr>
+          <a:xfrm>
+            <a:off x="838198" y="63308"/>
+            <a:ext cx="10515600" cy="1325563"/>
+          </a:xfrm>
+        </p:spPr>
         <p:txBody>
           <a:bodyPr/>
           <a:lstStyle/>
           <a:p>
+            <a:pPr algn="ctr"/>
             <a:r>
               <a:rPr lang="de-DE" dirty="0"/>
-              <a:t>Backend Methoden</a:t>
+              <a:t>Einige backend Helfer</a:t>
             </a:r>
           </a:p>
         </p:txBody>
@@ -18082,12 +18591,12 @@
         </p:nvSpPr>
         <p:spPr>
           <a:xfrm>
-            <a:off x="187960" y="1899920"/>
-            <a:ext cx="5908040" cy="4826000"/>
+            <a:off x="838200" y="1813586"/>
+            <a:ext cx="5897137" cy="475205"/>
           </a:xfrm>
           <a:prstGeom prst="roundRect">
             <a:avLst>
-              <a:gd name="adj" fmla="val 8878"/>
+              <a:gd name="adj" fmla="val 50000"/>
             </a:avLst>
           </a:prstGeom>
           <a:solidFill>
@@ -18114,895 +18623,29 @@
           <a:bodyPr rtlCol="0" anchor="ctr"/>
           <a:lstStyle/>
           <a:p>
-            <a:endParaRPr lang="de-DE" b="0" dirty="0">
+            <a:r>
+              <a:rPr lang="de-DE" b="0">
+                <a:solidFill>
+                  <a:srgbClr val="6495EE"/>
+                </a:solidFill>
+                <a:effectLst/>
+                <a:latin typeface="Consolas" panose="020B0609020204030204" pitchFamily="49" charset="0"/>
+              </a:rPr>
+              <a:t>getPerformanceCategories</a:t>
+            </a:r>
+            <a:r>
+              <a:rPr lang="de-DE">
+                <a:solidFill>
+                  <a:srgbClr val="9DA5B3"/>
+                </a:solidFill>
+                <a:latin typeface="Consolas" panose="020B0609020204030204" pitchFamily="49" charset="0"/>
+              </a:rPr>
+              <a:t>()</a:t>
+            </a:r>
+            <a:endParaRPr lang="de-DE" dirty="0">
               <a:solidFill>
                 <a:srgbClr val="9DA5B3"/>
               </a:solidFill>
-              <a:effectLst/>
-              <a:latin typeface="Consolas" panose="020B0609020204030204" pitchFamily="49" charset="0"/>
-            </a:endParaRPr>
-          </a:p>
-        </p:txBody>
-      </p:sp>
-      <p:sp>
-        <p:nvSpPr>
-          <p:cNvPr id="8" name="Textfeld 7">
-            <a:extLst>
-              <a:ext uri="{FF2B5EF4-FFF2-40B4-BE49-F238E27FC236}">
-                <a16:creationId xmlns:a16="http://schemas.microsoft.com/office/drawing/2014/main" id="{EC31AD52-0C0F-4C7B-BF62-CBFD4CF0E34D}"/>
-              </a:ext>
-            </a:extLst>
-          </p:cNvPr>
-          <p:cNvSpPr txBox="1"/>
-          <p:nvPr/>
-        </p:nvSpPr>
-        <p:spPr>
-          <a:xfrm>
-            <a:off x="640080" y="1899920"/>
-            <a:ext cx="5455920" cy="4801314"/>
-          </a:xfrm>
-          <a:prstGeom prst="rect">
-            <a:avLst/>
-          </a:prstGeom>
-          <a:noFill/>
-        </p:spPr>
-        <p:txBody>
-          <a:bodyPr wrap="square" rtlCol="0">
-            <a:spAutoFit/>
-          </a:bodyPr>
-          <a:lstStyle/>
-          <a:p>
-            <a:r>
-              <a:rPr lang="de-DE" b="0" dirty="0" err="1">
-                <a:solidFill>
-                  <a:srgbClr val="6495EE"/>
-                </a:solidFill>
-                <a:effectLst/>
-                <a:latin typeface="Consolas" panose="020B0609020204030204" pitchFamily="49" charset="0"/>
-              </a:rPr>
-              <a:t>getPerformanceCategories</a:t>
-            </a:r>
-            <a:r>
-              <a:rPr lang="de-DE" dirty="0">
-                <a:solidFill>
-                  <a:srgbClr val="9DA5B3"/>
-                </a:solidFill>
-                <a:latin typeface="Consolas" panose="020B0609020204030204" pitchFamily="49" charset="0"/>
-              </a:rPr>
-              <a:t>()</a:t>
-            </a:r>
-          </a:p>
-          <a:p>
-            <a:endParaRPr lang="de-DE" b="0" dirty="0">
-              <a:solidFill>
-                <a:srgbClr val="838FA7"/>
-              </a:solidFill>
-              <a:effectLst/>
-              <a:latin typeface="Consolas" panose="020B0609020204030204" pitchFamily="49" charset="0"/>
-            </a:endParaRPr>
-          </a:p>
-          <a:p>
-            <a:r>
-              <a:rPr lang="de-DE" b="0" dirty="0">
-                <a:solidFill>
-                  <a:srgbClr val="838FA7"/>
-                </a:solidFill>
-                <a:effectLst/>
-                <a:latin typeface="Consolas" panose="020B0609020204030204" pitchFamily="49" charset="0"/>
-              </a:rPr>
-              <a:t>[</a:t>
-            </a:r>
-            <a:endParaRPr lang="de-DE" b="0" dirty="0">
-              <a:solidFill>
-                <a:srgbClr val="9DA5B3"/>
-              </a:solidFill>
-              <a:effectLst/>
-              <a:latin typeface="Consolas" panose="020B0609020204030204" pitchFamily="49" charset="0"/>
-            </a:endParaRPr>
-          </a:p>
-          <a:p>
-            <a:r>
-              <a:rPr lang="de-DE" b="0" dirty="0">
-                <a:solidFill>
-                  <a:srgbClr val="B0B7C3"/>
-                </a:solidFill>
-                <a:effectLst/>
-                <a:latin typeface="Consolas" panose="020B0609020204030204" pitchFamily="49" charset="0"/>
-              </a:rPr>
-              <a:t>    </a:t>
-            </a:r>
-            <a:r>
-              <a:rPr lang="de-DE" b="0" dirty="0">
-                <a:solidFill>
-                  <a:srgbClr val="838FA7"/>
-                </a:solidFill>
-                <a:effectLst/>
-                <a:latin typeface="Consolas" panose="020B0609020204030204" pitchFamily="49" charset="0"/>
-              </a:rPr>
-              <a:t>{</a:t>
-            </a:r>
-            <a:endParaRPr lang="de-DE" b="0" dirty="0">
-              <a:solidFill>
-                <a:srgbClr val="9DA5B3"/>
-              </a:solidFill>
-              <a:effectLst/>
-              <a:latin typeface="Consolas" panose="020B0609020204030204" pitchFamily="49" charset="0"/>
-            </a:endParaRPr>
-          </a:p>
-          <a:p>
-            <a:r>
-              <a:rPr lang="de-DE" b="0" dirty="0">
-                <a:solidFill>
-                  <a:srgbClr val="B0B7C3"/>
-                </a:solidFill>
-                <a:effectLst/>
-                <a:latin typeface="Consolas" panose="020B0609020204030204" pitchFamily="49" charset="0"/>
-              </a:rPr>
-              <a:t>        </a:t>
-            </a:r>
-            <a:r>
-              <a:rPr lang="de-DE" b="0" dirty="0" err="1">
-                <a:solidFill>
-                  <a:srgbClr val="B0B7C3"/>
-                </a:solidFill>
-                <a:effectLst/>
-                <a:latin typeface="Consolas" panose="020B0609020204030204" pitchFamily="49" charset="0"/>
-              </a:rPr>
-              <a:t>idPerformanceCategory</a:t>
-            </a:r>
-            <a:r>
-              <a:rPr lang="de-DE" b="0" dirty="0">
-                <a:solidFill>
-                  <a:srgbClr val="B0B7C3"/>
-                </a:solidFill>
-                <a:effectLst/>
-                <a:latin typeface="Consolas" panose="020B0609020204030204" pitchFamily="49" charset="0"/>
-              </a:rPr>
-              <a:t>: </a:t>
-            </a:r>
-            <a:r>
-              <a:rPr lang="de-DE" b="0" dirty="0">
-                <a:solidFill>
-                  <a:srgbClr val="CF68E1"/>
-                </a:solidFill>
-                <a:effectLst/>
-                <a:latin typeface="Consolas" panose="020B0609020204030204" pitchFamily="49" charset="0"/>
-              </a:rPr>
-              <a:t>&lt;</a:t>
-            </a:r>
-            <a:r>
-              <a:rPr lang="de-DE" b="0" dirty="0" err="1">
-                <a:solidFill>
-                  <a:srgbClr val="A78CFA"/>
-                </a:solidFill>
-                <a:effectLst/>
-                <a:latin typeface="Consolas" panose="020B0609020204030204" pitchFamily="49" charset="0"/>
-              </a:rPr>
-              <a:t>int</a:t>
-            </a:r>
-            <a:r>
-              <a:rPr lang="de-DE" b="0" dirty="0">
-                <a:solidFill>
-                  <a:srgbClr val="CF68E1"/>
-                </a:solidFill>
-                <a:effectLst/>
-                <a:latin typeface="Consolas" panose="020B0609020204030204" pitchFamily="49" charset="0"/>
-              </a:rPr>
-              <a:t>&gt;,</a:t>
-            </a:r>
-            <a:endParaRPr lang="de-DE" b="0" dirty="0">
-              <a:solidFill>
-                <a:srgbClr val="9DA5B3"/>
-              </a:solidFill>
-              <a:effectLst/>
-              <a:latin typeface="Consolas" panose="020B0609020204030204" pitchFamily="49" charset="0"/>
-            </a:endParaRPr>
-          </a:p>
-          <a:p>
-            <a:r>
-              <a:rPr lang="de-DE" b="0" dirty="0">
-                <a:solidFill>
-                  <a:srgbClr val="B0B7C3"/>
-                </a:solidFill>
-                <a:effectLst/>
-                <a:latin typeface="Consolas" panose="020B0609020204030204" pitchFamily="49" charset="0"/>
-              </a:rPr>
-              <a:t>        </a:t>
-            </a:r>
-            <a:r>
-              <a:rPr lang="de-DE" b="0" dirty="0" err="1">
-                <a:solidFill>
-                  <a:srgbClr val="B0B7C3"/>
-                </a:solidFill>
-                <a:effectLst/>
-                <a:latin typeface="Consolas" panose="020B0609020204030204" pitchFamily="49" charset="0"/>
-              </a:rPr>
-              <a:t>name</a:t>
-            </a:r>
-            <a:r>
-              <a:rPr lang="de-DE" b="0" dirty="0">
-                <a:solidFill>
-                  <a:srgbClr val="B0B7C3"/>
-                </a:solidFill>
-                <a:effectLst/>
-                <a:latin typeface="Consolas" panose="020B0609020204030204" pitchFamily="49" charset="0"/>
-              </a:rPr>
-              <a:t>: </a:t>
-            </a:r>
-            <a:r>
-              <a:rPr lang="de-DE" b="0" dirty="0">
-                <a:solidFill>
-                  <a:srgbClr val="CF68E1"/>
-                </a:solidFill>
-                <a:effectLst/>
-                <a:latin typeface="Consolas" panose="020B0609020204030204" pitchFamily="49" charset="0"/>
-              </a:rPr>
-              <a:t>&lt;</a:t>
-            </a:r>
-            <a:r>
-              <a:rPr lang="de-DE" b="0" dirty="0" err="1">
-                <a:solidFill>
-                  <a:srgbClr val="A78CFA"/>
-                </a:solidFill>
-                <a:effectLst/>
-                <a:latin typeface="Consolas" panose="020B0609020204030204" pitchFamily="49" charset="0"/>
-              </a:rPr>
-              <a:t>string</a:t>
-            </a:r>
-            <a:r>
-              <a:rPr lang="de-DE" b="0" dirty="0">
-                <a:solidFill>
-                  <a:srgbClr val="CF68E1"/>
-                </a:solidFill>
-                <a:effectLst/>
-                <a:latin typeface="Consolas" panose="020B0609020204030204" pitchFamily="49" charset="0"/>
-              </a:rPr>
-              <a:t>&gt;,</a:t>
-            </a:r>
-            <a:endParaRPr lang="de-DE" b="0" dirty="0">
-              <a:solidFill>
-                <a:srgbClr val="9DA5B3"/>
-              </a:solidFill>
-              <a:effectLst/>
-              <a:latin typeface="Consolas" panose="020B0609020204030204" pitchFamily="49" charset="0"/>
-            </a:endParaRPr>
-          </a:p>
-          <a:p>
-            <a:r>
-              <a:rPr lang="de-DE" b="0" dirty="0">
-                <a:solidFill>
-                  <a:srgbClr val="B0B7C3"/>
-                </a:solidFill>
-                <a:effectLst/>
-                <a:latin typeface="Consolas" panose="020B0609020204030204" pitchFamily="49" charset="0"/>
-              </a:rPr>
-              <a:t>        </a:t>
-            </a:r>
-            <a:r>
-              <a:rPr lang="de-DE" b="0" dirty="0" err="1">
-                <a:solidFill>
-                  <a:srgbClr val="B0B7C3"/>
-                </a:solidFill>
-                <a:effectLst/>
-                <a:latin typeface="Consolas" panose="020B0609020204030204" pitchFamily="49" charset="0"/>
-              </a:rPr>
-              <a:t>description</a:t>
-            </a:r>
-            <a:r>
-              <a:rPr lang="de-DE" b="0" dirty="0">
-                <a:solidFill>
-                  <a:srgbClr val="B0B7C3"/>
-                </a:solidFill>
-                <a:effectLst/>
-                <a:latin typeface="Consolas" panose="020B0609020204030204" pitchFamily="49" charset="0"/>
-              </a:rPr>
-              <a:t>: </a:t>
-            </a:r>
-            <a:r>
-              <a:rPr lang="de-DE" b="0" dirty="0">
-                <a:solidFill>
-                  <a:srgbClr val="CF68E1"/>
-                </a:solidFill>
-                <a:effectLst/>
-                <a:latin typeface="Consolas" panose="020B0609020204030204" pitchFamily="49" charset="0"/>
-              </a:rPr>
-              <a:t>&lt;</a:t>
-            </a:r>
-            <a:r>
-              <a:rPr lang="de-DE" b="0" dirty="0" err="1">
-                <a:solidFill>
-                  <a:srgbClr val="A78CFA"/>
-                </a:solidFill>
-                <a:effectLst/>
-                <a:latin typeface="Consolas" panose="020B0609020204030204" pitchFamily="49" charset="0"/>
-              </a:rPr>
-              <a:t>string</a:t>
-            </a:r>
-            <a:r>
-              <a:rPr lang="de-DE" b="0" dirty="0">
-                <a:solidFill>
-                  <a:srgbClr val="CF68E1"/>
-                </a:solidFill>
-                <a:effectLst/>
-                <a:latin typeface="Consolas" panose="020B0609020204030204" pitchFamily="49" charset="0"/>
-              </a:rPr>
-              <a:t>&gt;,</a:t>
-            </a:r>
-            <a:endParaRPr lang="de-DE" b="0" dirty="0">
-              <a:solidFill>
-                <a:srgbClr val="9DA5B3"/>
-              </a:solidFill>
-              <a:effectLst/>
-              <a:latin typeface="Consolas" panose="020B0609020204030204" pitchFamily="49" charset="0"/>
-            </a:endParaRPr>
-          </a:p>
-          <a:p>
-            <a:r>
-              <a:rPr lang="de-DE" b="0" dirty="0">
-                <a:solidFill>
-                  <a:srgbClr val="B0B7C3"/>
-                </a:solidFill>
-                <a:effectLst/>
-                <a:latin typeface="Consolas" panose="020B0609020204030204" pitchFamily="49" charset="0"/>
-              </a:rPr>
-              <a:t>        type: </a:t>
-            </a:r>
-            <a:r>
-              <a:rPr lang="de-DE" b="0" dirty="0">
-                <a:solidFill>
-                  <a:srgbClr val="CF68E1"/>
-                </a:solidFill>
-                <a:effectLst/>
-                <a:latin typeface="Consolas" panose="020B0609020204030204" pitchFamily="49" charset="0"/>
-              </a:rPr>
-              <a:t>&lt;</a:t>
-            </a:r>
-            <a:r>
-              <a:rPr lang="de-DE" b="0" dirty="0" err="1">
-                <a:solidFill>
-                  <a:srgbClr val="A78CFA"/>
-                </a:solidFill>
-                <a:effectLst/>
-                <a:latin typeface="Consolas" panose="020B0609020204030204" pitchFamily="49" charset="0"/>
-              </a:rPr>
-              <a:t>string</a:t>
-            </a:r>
-            <a:r>
-              <a:rPr lang="de-DE" b="0" dirty="0">
-                <a:solidFill>
-                  <a:srgbClr val="CF68E1"/>
-                </a:solidFill>
-                <a:effectLst/>
-                <a:latin typeface="Consolas" panose="020B0609020204030204" pitchFamily="49" charset="0"/>
-              </a:rPr>
-              <a:t>&gt;,</a:t>
-            </a:r>
-            <a:endParaRPr lang="de-DE" b="0" dirty="0">
-              <a:solidFill>
-                <a:srgbClr val="9DA5B3"/>
-              </a:solidFill>
-              <a:effectLst/>
-              <a:latin typeface="Consolas" panose="020B0609020204030204" pitchFamily="49" charset="0"/>
-            </a:endParaRPr>
-          </a:p>
-          <a:p>
-            <a:r>
-              <a:rPr lang="de-DE" b="0" dirty="0">
-                <a:solidFill>
-                  <a:srgbClr val="B0B7C3"/>
-                </a:solidFill>
-                <a:effectLst/>
-                <a:latin typeface="Consolas" panose="020B0609020204030204" pitchFamily="49" charset="0"/>
-              </a:rPr>
-              <a:t>        </a:t>
-            </a:r>
-            <a:r>
-              <a:rPr lang="de-DE" b="0" dirty="0" err="1">
-                <a:solidFill>
-                  <a:srgbClr val="B0B7C3"/>
-                </a:solidFill>
-                <a:effectLst/>
-                <a:latin typeface="Consolas" panose="020B0609020204030204" pitchFamily="49" charset="0"/>
-              </a:rPr>
-              <a:t>creator</a:t>
-            </a:r>
-            <a:r>
-              <a:rPr lang="de-DE" b="0" dirty="0">
-                <a:solidFill>
-                  <a:srgbClr val="B0B7C3"/>
-                </a:solidFill>
-                <a:effectLst/>
-                <a:latin typeface="Consolas" panose="020B0609020204030204" pitchFamily="49" charset="0"/>
-              </a:rPr>
-              <a:t>: &lt;</a:t>
-            </a:r>
-            <a:r>
-              <a:rPr lang="de-DE" b="0" dirty="0" err="1">
-                <a:solidFill>
-                  <a:srgbClr val="A78CFA"/>
-                </a:solidFill>
-                <a:effectLst/>
-                <a:latin typeface="Consolas" panose="020B0609020204030204" pitchFamily="49" charset="0"/>
-              </a:rPr>
-              <a:t>int</a:t>
-            </a:r>
-            <a:r>
-              <a:rPr lang="de-DE" b="0" dirty="0">
-                <a:solidFill>
-                  <a:srgbClr val="A78CFA"/>
-                </a:solidFill>
-                <a:effectLst/>
-                <a:latin typeface="Consolas" panose="020B0609020204030204" pitchFamily="49" charset="0"/>
-              </a:rPr>
-              <a:t>&gt;,</a:t>
-            </a:r>
-            <a:endParaRPr lang="de-DE" b="0" dirty="0">
-              <a:solidFill>
-                <a:srgbClr val="9DA5B3"/>
-              </a:solidFill>
-              <a:effectLst/>
-              <a:latin typeface="Consolas" panose="020B0609020204030204" pitchFamily="49" charset="0"/>
-            </a:endParaRPr>
-          </a:p>
-          <a:p>
-            <a:r>
-              <a:rPr lang="de-DE" b="0" dirty="0">
-                <a:solidFill>
-                  <a:srgbClr val="B0B7C3"/>
-                </a:solidFill>
-                <a:effectLst/>
-                <a:latin typeface="Consolas" panose="020B0609020204030204" pitchFamily="49" charset="0"/>
-              </a:rPr>
-              <a:t>        </a:t>
-            </a:r>
-            <a:r>
-              <a:rPr lang="de-DE" b="0" dirty="0" err="1">
-                <a:solidFill>
-                  <a:srgbClr val="B0B7C3"/>
-                </a:solidFill>
-                <a:effectLst/>
-                <a:latin typeface="Consolas" panose="020B0609020204030204" pitchFamily="49" charset="0"/>
-              </a:rPr>
-              <a:t>creatorAthleteChecked</a:t>
-            </a:r>
-            <a:r>
-              <a:rPr lang="de-DE" b="0" dirty="0">
-                <a:solidFill>
-                  <a:srgbClr val="B0B7C3"/>
-                </a:solidFill>
-                <a:effectLst/>
-                <a:latin typeface="Consolas" panose="020B0609020204030204" pitchFamily="49" charset="0"/>
-              </a:rPr>
-              <a:t>: </a:t>
-            </a:r>
-            <a:r>
-              <a:rPr lang="de-DE" b="0" dirty="0">
-                <a:solidFill>
-                  <a:srgbClr val="CF68E1"/>
-                </a:solidFill>
-                <a:effectLst/>
-                <a:latin typeface="Consolas" panose="020B0609020204030204" pitchFamily="49" charset="0"/>
-              </a:rPr>
-              <a:t>&lt;</a:t>
-            </a:r>
-            <a:r>
-              <a:rPr lang="de-DE" b="0" dirty="0" err="1">
-                <a:solidFill>
-                  <a:srgbClr val="A78CFA"/>
-                </a:solidFill>
-                <a:effectLst/>
-                <a:latin typeface="Consolas" panose="020B0609020204030204" pitchFamily="49" charset="0"/>
-              </a:rPr>
-              <a:t>boolean</a:t>
-            </a:r>
-            <a:r>
-              <a:rPr lang="de-DE" b="0" dirty="0">
-                <a:solidFill>
-                  <a:srgbClr val="CF68E1"/>
-                </a:solidFill>
-                <a:effectLst/>
-                <a:latin typeface="Consolas" panose="020B0609020204030204" pitchFamily="49" charset="0"/>
-              </a:rPr>
-              <a:t>&gt;,</a:t>
-            </a:r>
-            <a:endParaRPr lang="de-DE" b="0" dirty="0">
-              <a:solidFill>
-                <a:srgbClr val="9DA5B3"/>
-              </a:solidFill>
-              <a:effectLst/>
-              <a:latin typeface="Consolas" panose="020B0609020204030204" pitchFamily="49" charset="0"/>
-            </a:endParaRPr>
-          </a:p>
-          <a:p>
-            <a:r>
-              <a:rPr lang="de-DE" b="0" dirty="0">
-                <a:solidFill>
-                  <a:srgbClr val="B0B7C3"/>
-                </a:solidFill>
-                <a:effectLst/>
-                <a:latin typeface="Consolas" panose="020B0609020204030204" pitchFamily="49" charset="0"/>
-              </a:rPr>
-              <a:t>        </a:t>
-            </a:r>
-            <a:r>
-              <a:rPr lang="de-DE" b="0" dirty="0" err="1">
-                <a:solidFill>
-                  <a:srgbClr val="B0B7C3"/>
-                </a:solidFill>
-                <a:effectLst/>
-                <a:latin typeface="Consolas" panose="020B0609020204030204" pitchFamily="49" charset="0"/>
-              </a:rPr>
-              <a:t>creatorAthleteFirstName</a:t>
-            </a:r>
-            <a:r>
-              <a:rPr lang="de-DE" b="0" dirty="0">
-                <a:solidFill>
-                  <a:srgbClr val="B0B7C3"/>
-                </a:solidFill>
-                <a:effectLst/>
-                <a:latin typeface="Consolas" panose="020B0609020204030204" pitchFamily="49" charset="0"/>
-              </a:rPr>
-              <a:t>: </a:t>
-            </a:r>
-            <a:r>
-              <a:rPr lang="de-DE" b="0" dirty="0">
-                <a:solidFill>
-                  <a:srgbClr val="CF68E1"/>
-                </a:solidFill>
-                <a:effectLst/>
-                <a:latin typeface="Consolas" panose="020B0609020204030204" pitchFamily="49" charset="0"/>
-              </a:rPr>
-              <a:t>&lt;</a:t>
-            </a:r>
-            <a:r>
-              <a:rPr lang="de-DE" b="0" dirty="0" err="1">
-                <a:solidFill>
-                  <a:srgbClr val="A78CFA"/>
-                </a:solidFill>
-                <a:effectLst/>
-                <a:latin typeface="Consolas" panose="020B0609020204030204" pitchFamily="49" charset="0"/>
-              </a:rPr>
-              <a:t>string</a:t>
-            </a:r>
-            <a:r>
-              <a:rPr lang="de-DE" b="0" dirty="0">
-                <a:solidFill>
-                  <a:srgbClr val="CF68E1"/>
-                </a:solidFill>
-                <a:effectLst/>
-                <a:latin typeface="Consolas" panose="020B0609020204030204" pitchFamily="49" charset="0"/>
-              </a:rPr>
-              <a:t>&gt;,</a:t>
-            </a:r>
-            <a:endParaRPr lang="de-DE" b="0" dirty="0">
-              <a:solidFill>
-                <a:srgbClr val="9DA5B3"/>
-              </a:solidFill>
-              <a:effectLst/>
-              <a:latin typeface="Consolas" panose="020B0609020204030204" pitchFamily="49" charset="0"/>
-            </a:endParaRPr>
-          </a:p>
-          <a:p>
-            <a:r>
-              <a:rPr lang="de-DE" b="0" dirty="0">
-                <a:solidFill>
-                  <a:srgbClr val="B0B7C3"/>
-                </a:solidFill>
-                <a:effectLst/>
-                <a:latin typeface="Consolas" panose="020B0609020204030204" pitchFamily="49" charset="0"/>
-              </a:rPr>
-              <a:t>        </a:t>
-            </a:r>
-            <a:r>
-              <a:rPr lang="de-DE" b="0" dirty="0" err="1">
-                <a:solidFill>
-                  <a:srgbClr val="B0B7C3"/>
-                </a:solidFill>
-                <a:effectLst/>
-                <a:latin typeface="Consolas" panose="020B0609020204030204" pitchFamily="49" charset="0"/>
-              </a:rPr>
-              <a:t>creatorAthleteLastName</a:t>
-            </a:r>
-            <a:r>
-              <a:rPr lang="de-DE" b="0" dirty="0">
-                <a:solidFill>
-                  <a:srgbClr val="B0B7C3"/>
-                </a:solidFill>
-                <a:effectLst/>
-                <a:latin typeface="Consolas" panose="020B0609020204030204" pitchFamily="49" charset="0"/>
-              </a:rPr>
-              <a:t>: </a:t>
-            </a:r>
-            <a:r>
-              <a:rPr lang="de-DE" b="0" dirty="0">
-                <a:solidFill>
-                  <a:srgbClr val="CF68E1"/>
-                </a:solidFill>
-                <a:effectLst/>
-                <a:latin typeface="Consolas" panose="020B0609020204030204" pitchFamily="49" charset="0"/>
-              </a:rPr>
-              <a:t>&lt;</a:t>
-            </a:r>
-            <a:r>
-              <a:rPr lang="de-DE" b="0" dirty="0" err="1">
-                <a:solidFill>
-                  <a:srgbClr val="A78CFA"/>
-                </a:solidFill>
-                <a:effectLst/>
-                <a:latin typeface="Consolas" panose="020B0609020204030204" pitchFamily="49" charset="0"/>
-              </a:rPr>
-              <a:t>string</a:t>
-            </a:r>
-            <a:r>
-              <a:rPr lang="de-DE" b="0" dirty="0">
-                <a:solidFill>
-                  <a:srgbClr val="CF68E1"/>
-                </a:solidFill>
-                <a:effectLst/>
-                <a:latin typeface="Consolas" panose="020B0609020204030204" pitchFamily="49" charset="0"/>
-              </a:rPr>
-              <a:t>&gt;,</a:t>
-            </a:r>
-            <a:endParaRPr lang="de-DE" b="0" dirty="0">
-              <a:solidFill>
-                <a:srgbClr val="9DA5B3"/>
-              </a:solidFill>
-              <a:effectLst/>
-              <a:latin typeface="Consolas" panose="020B0609020204030204" pitchFamily="49" charset="0"/>
-            </a:endParaRPr>
-          </a:p>
-          <a:p>
-            <a:r>
-              <a:rPr lang="de-DE" b="0" dirty="0">
-                <a:solidFill>
-                  <a:srgbClr val="B0B7C3"/>
-                </a:solidFill>
-                <a:effectLst/>
-                <a:latin typeface="Consolas" panose="020B0609020204030204" pitchFamily="49" charset="0"/>
-              </a:rPr>
-              <a:t>        </a:t>
-            </a:r>
-            <a:r>
-              <a:rPr lang="de-DE" b="0" dirty="0" err="1">
-                <a:solidFill>
-                  <a:srgbClr val="B0B7C3"/>
-                </a:solidFill>
-                <a:effectLst/>
-                <a:latin typeface="Consolas" panose="020B0609020204030204" pitchFamily="49" charset="0"/>
-              </a:rPr>
-              <a:t>username</a:t>
-            </a:r>
-            <a:r>
-              <a:rPr lang="de-DE" b="0" dirty="0">
-                <a:solidFill>
-                  <a:srgbClr val="B0B7C3"/>
-                </a:solidFill>
-                <a:effectLst/>
-                <a:latin typeface="Consolas" panose="020B0609020204030204" pitchFamily="49" charset="0"/>
-              </a:rPr>
-              <a:t>: </a:t>
-            </a:r>
-            <a:r>
-              <a:rPr lang="de-DE" b="0" dirty="0">
-                <a:solidFill>
-                  <a:srgbClr val="CF68E1"/>
-                </a:solidFill>
-                <a:effectLst/>
-                <a:latin typeface="Consolas" panose="020B0609020204030204" pitchFamily="49" charset="0"/>
-              </a:rPr>
-              <a:t>&lt;</a:t>
-            </a:r>
-            <a:r>
-              <a:rPr lang="de-DE" b="0" dirty="0" err="1">
-                <a:solidFill>
-                  <a:srgbClr val="A78CFA"/>
-                </a:solidFill>
-                <a:effectLst/>
-                <a:latin typeface="Consolas" panose="020B0609020204030204" pitchFamily="49" charset="0"/>
-              </a:rPr>
-              <a:t>string</a:t>
-            </a:r>
-            <a:r>
-              <a:rPr lang="de-DE" b="0" dirty="0">
-                <a:solidFill>
-                  <a:srgbClr val="CF68E1"/>
-                </a:solidFill>
-                <a:effectLst/>
-                <a:latin typeface="Consolas" panose="020B0609020204030204" pitchFamily="49" charset="0"/>
-              </a:rPr>
-              <a:t>&gt;,</a:t>
-            </a:r>
-            <a:endParaRPr lang="de-DE" b="0" dirty="0">
-              <a:solidFill>
-                <a:srgbClr val="9DA5B3"/>
-              </a:solidFill>
-              <a:effectLst/>
-              <a:latin typeface="Consolas" panose="020B0609020204030204" pitchFamily="49" charset="0"/>
-            </a:endParaRPr>
-          </a:p>
-          <a:p>
-            <a:r>
-              <a:rPr lang="de-DE" b="0" dirty="0">
-                <a:solidFill>
-                  <a:srgbClr val="B0B7C3"/>
-                </a:solidFill>
-                <a:effectLst/>
-                <a:latin typeface="Consolas" panose="020B0609020204030204" pitchFamily="49" charset="0"/>
-              </a:rPr>
-              <a:t>        </a:t>
-            </a:r>
-            <a:r>
-              <a:rPr lang="de-DE" b="0" dirty="0" err="1">
-                <a:solidFill>
-                  <a:srgbClr val="B0B7C3"/>
-                </a:solidFill>
-                <a:effectLst/>
-                <a:latin typeface="Consolas" panose="020B0609020204030204" pitchFamily="49" charset="0"/>
-              </a:rPr>
-              <a:t>creatorImage</a:t>
-            </a:r>
-            <a:r>
-              <a:rPr lang="de-DE" b="0" dirty="0">
-                <a:solidFill>
-                  <a:srgbClr val="B0B7C3"/>
-                </a:solidFill>
-                <a:effectLst/>
-                <a:latin typeface="Consolas" panose="020B0609020204030204" pitchFamily="49" charset="0"/>
-              </a:rPr>
-              <a:t>: </a:t>
-            </a:r>
-            <a:r>
-              <a:rPr lang="de-DE" b="0" dirty="0">
-                <a:solidFill>
-                  <a:srgbClr val="CF68E1"/>
-                </a:solidFill>
-                <a:effectLst/>
-                <a:latin typeface="Consolas" panose="020B0609020204030204" pitchFamily="49" charset="0"/>
-              </a:rPr>
-              <a:t>&lt;</a:t>
-            </a:r>
-            <a:r>
-              <a:rPr lang="de-DE" b="0" dirty="0" err="1">
-                <a:solidFill>
-                  <a:srgbClr val="A78CFA"/>
-                </a:solidFill>
-                <a:effectLst/>
-                <a:latin typeface="Consolas" panose="020B0609020204030204" pitchFamily="49" charset="0"/>
-              </a:rPr>
-              <a:t>string</a:t>
-            </a:r>
-            <a:r>
-              <a:rPr lang="de-DE" b="0" dirty="0">
-                <a:solidFill>
-                  <a:srgbClr val="CF68E1"/>
-                </a:solidFill>
-                <a:effectLst/>
-                <a:latin typeface="Consolas" panose="020B0609020204030204" pitchFamily="49" charset="0"/>
-              </a:rPr>
-              <a:t>&gt;,</a:t>
-            </a:r>
-            <a:endParaRPr lang="de-DE" b="0" dirty="0">
-              <a:solidFill>
-                <a:srgbClr val="9DA5B3"/>
-              </a:solidFill>
-              <a:effectLst/>
-              <a:latin typeface="Consolas" panose="020B0609020204030204" pitchFamily="49" charset="0"/>
-            </a:endParaRPr>
-          </a:p>
-          <a:p>
-            <a:r>
-              <a:rPr lang="de-DE" b="0" dirty="0">
-                <a:solidFill>
-                  <a:srgbClr val="B0B7C3"/>
-                </a:solidFill>
-                <a:effectLst/>
-                <a:latin typeface="Consolas" panose="020B0609020204030204" pitchFamily="49" charset="0"/>
-              </a:rPr>
-              <a:t>        </a:t>
-            </a:r>
-            <a:r>
-              <a:rPr lang="de-DE" b="0" dirty="0" err="1">
-                <a:solidFill>
-                  <a:srgbClr val="B0B7C3"/>
-                </a:solidFill>
-                <a:effectLst/>
-                <a:latin typeface="Consolas" panose="020B0609020204030204" pitchFamily="49" charset="0"/>
-              </a:rPr>
-              <a:t>createDate</a:t>
-            </a:r>
-            <a:r>
-              <a:rPr lang="de-DE" b="0" dirty="0">
-                <a:solidFill>
-                  <a:srgbClr val="B0B7C3"/>
-                </a:solidFill>
-                <a:effectLst/>
-                <a:latin typeface="Consolas" panose="020B0609020204030204" pitchFamily="49" charset="0"/>
-              </a:rPr>
-              <a:t>: </a:t>
-            </a:r>
-            <a:r>
-              <a:rPr lang="de-DE" b="0" dirty="0">
-                <a:solidFill>
-                  <a:srgbClr val="CF68E1"/>
-                </a:solidFill>
-                <a:effectLst/>
-                <a:latin typeface="Consolas" panose="020B0609020204030204" pitchFamily="49" charset="0"/>
-              </a:rPr>
-              <a:t>&lt;</a:t>
-            </a:r>
-            <a:r>
-              <a:rPr lang="de-DE" b="0" dirty="0" err="1">
-                <a:solidFill>
-                  <a:srgbClr val="A78CFA"/>
-                </a:solidFill>
-                <a:effectLst/>
-                <a:latin typeface="Consolas" panose="020B0609020204030204" pitchFamily="49" charset="0"/>
-              </a:rPr>
-              <a:t>string</a:t>
-            </a:r>
-            <a:r>
-              <a:rPr lang="de-DE" b="0" dirty="0">
-                <a:solidFill>
-                  <a:srgbClr val="CF68E1"/>
-                </a:solidFill>
-                <a:effectLst/>
-                <a:latin typeface="Consolas" panose="020B0609020204030204" pitchFamily="49" charset="0"/>
-              </a:rPr>
-              <a:t>&gt;</a:t>
-            </a:r>
-            <a:endParaRPr lang="de-DE" b="0" dirty="0">
-              <a:solidFill>
-                <a:srgbClr val="9DA5B3"/>
-              </a:solidFill>
-              <a:effectLst/>
-              <a:latin typeface="Consolas" panose="020B0609020204030204" pitchFamily="49" charset="0"/>
-            </a:endParaRPr>
-          </a:p>
-          <a:p>
-            <a:r>
-              <a:rPr lang="de-DE" b="0" dirty="0">
-                <a:solidFill>
-                  <a:srgbClr val="B0B7C3"/>
-                </a:solidFill>
-                <a:effectLst/>
-                <a:latin typeface="Consolas" panose="020B0609020204030204" pitchFamily="49" charset="0"/>
-              </a:rPr>
-              <a:t>    </a:t>
-            </a:r>
-            <a:r>
-              <a:rPr lang="de-DE" b="0" dirty="0">
-                <a:solidFill>
-                  <a:srgbClr val="838FA7"/>
-                </a:solidFill>
-                <a:effectLst/>
-                <a:latin typeface="Consolas" panose="020B0609020204030204" pitchFamily="49" charset="0"/>
-              </a:rPr>
-              <a:t>}, …</a:t>
-            </a:r>
-            <a:endParaRPr lang="de-DE" b="0" dirty="0">
-              <a:solidFill>
-                <a:srgbClr val="9DA5B3"/>
-              </a:solidFill>
-              <a:effectLst/>
-              <a:latin typeface="Consolas" panose="020B0609020204030204" pitchFamily="49" charset="0"/>
-            </a:endParaRPr>
-          </a:p>
-          <a:p>
-            <a:r>
-              <a:rPr lang="de-DE" b="0" dirty="0">
-                <a:solidFill>
-                  <a:srgbClr val="838FA7"/>
-                </a:solidFill>
-                <a:effectLst/>
-                <a:latin typeface="Consolas" panose="020B0609020204030204" pitchFamily="49" charset="0"/>
-              </a:rPr>
-              <a:t>]</a:t>
-            </a:r>
-            <a:endParaRPr lang="de-DE" b="0" dirty="0">
-              <a:solidFill>
-                <a:srgbClr val="9DA5B3"/>
-              </a:solidFill>
-              <a:effectLst/>
               <a:latin typeface="Consolas" panose="020B0609020204030204" pitchFamily="49" charset="0"/>
             </a:endParaRPr>
           </a:p>
@@ -19022,8 +18665,8 @@
         </p:nvSpPr>
         <p:spPr>
           <a:xfrm>
-            <a:off x="6334760" y="1899920"/>
-            <a:ext cx="5455920" cy="924560"/>
+            <a:off x="849784" y="2419147"/>
+            <a:ext cx="5897137" cy="660824"/>
           </a:xfrm>
           <a:prstGeom prst="roundRect">
             <a:avLst>
@@ -19055,7 +18698,7 @@
           <a:lstStyle/>
           <a:p>
             <a:r>
-              <a:rPr lang="en-US" b="0" dirty="0" err="1">
+              <a:rPr lang="en-US" b="0" dirty="0">
                 <a:solidFill>
                   <a:srgbClr val="6495EE"/>
                 </a:solidFill>
@@ -19064,6 +18707,8 @@
               </a:rPr>
               <a:t>createPerformanceCategory</a:t>
             </a:r>
+          </a:p>
+          <a:p>
             <a:r>
               <a:rPr lang="en-US" b="0" dirty="0">
                 <a:solidFill>
@@ -19075,9 +18720,9 @@
               <a:t>(</a:t>
             </a:r>
             <a:r>
-              <a:rPr lang="en-US" b="0" dirty="0">
-                <a:solidFill>
-                  <a:srgbClr val="E4BF7F"/>
+              <a:rPr lang="de-DE" b="0" dirty="0">
+                <a:solidFill>
+                  <a:srgbClr val="E06C75"/>
                 </a:solidFill>
                 <a:effectLst/>
                 <a:latin typeface="Consolas" panose="020B0609020204030204" pitchFamily="49" charset="0"/>
@@ -19085,28 +18730,19 @@
               <a:t>name</a:t>
             </a:r>
             <a:r>
-              <a:rPr lang="en-US" b="0" dirty="0">
-                <a:solidFill>
-                  <a:srgbClr val="79859D"/>
+              <a:rPr lang="de-DE" b="0" dirty="0">
+                <a:solidFill>
+                  <a:srgbClr val="ABB2BF"/>
                 </a:solidFill>
                 <a:effectLst/>
                 <a:latin typeface="Consolas" panose="020B0609020204030204" pitchFamily="49" charset="0"/>
               </a:rPr>
-              <a:t>,</a:t>
-            </a:r>
-            <a:r>
-              <a:rPr lang="en-US" dirty="0">
-                <a:solidFill>
-                  <a:srgbClr val="B0B7C3"/>
-                </a:solidFill>
-                <a:latin typeface="Consolas" panose="020B0609020204030204" pitchFamily="49" charset="0"/>
-              </a:rPr>
-              <a:t> </a:t>
-            </a:r>
-            <a:r>
-              <a:rPr lang="en-US" b="0" dirty="0">
-                <a:solidFill>
-                  <a:srgbClr val="E4BF7F"/>
+              <a:t>, </a:t>
+            </a:r>
+            <a:r>
+              <a:rPr lang="de-DE" b="0" dirty="0">
+                <a:solidFill>
+                  <a:srgbClr val="E06C75"/>
                 </a:solidFill>
                 <a:effectLst/>
                 <a:latin typeface="Consolas" panose="020B0609020204030204" pitchFamily="49" charset="0"/>
@@ -19114,9 +18750,9 @@
               <a:t>description</a:t>
             </a:r>
             <a:r>
-              <a:rPr lang="en-US" b="0" dirty="0">
-                <a:solidFill>
-                  <a:srgbClr val="79859D"/>
+              <a:rPr lang="de-DE" b="0" dirty="0">
+                <a:solidFill>
+                  <a:srgbClr val="ABB2BF"/>
                 </a:solidFill>
                 <a:effectLst/>
                 <a:latin typeface="Consolas" panose="020B0609020204030204" pitchFamily="49" charset="0"/>
@@ -19124,9 +18760,9 @@
               <a:t>, </a:t>
             </a:r>
             <a:r>
-              <a:rPr lang="en-US" b="0" dirty="0">
-                <a:solidFill>
-                  <a:srgbClr val="E4BF7F"/>
+              <a:rPr lang="de-DE" b="0" dirty="0">
+                <a:solidFill>
+                  <a:srgbClr val="E06C75"/>
                 </a:solidFill>
                 <a:effectLst/>
                 <a:latin typeface="Consolas" panose="020B0609020204030204" pitchFamily="49" charset="0"/>
@@ -19134,29 +18770,19 @@
               <a:t>type</a:t>
             </a:r>
             <a:r>
-              <a:rPr lang="en-US" b="0" dirty="0">
-                <a:solidFill>
-                  <a:srgbClr val="79859D"/>
+              <a:rPr lang="de-DE" b="0" dirty="0">
+                <a:solidFill>
+                  <a:srgbClr val="ABB2BF"/>
                 </a:solidFill>
                 <a:effectLst/>
                 <a:latin typeface="Consolas" panose="020B0609020204030204" pitchFamily="49" charset="0"/>
               </a:rPr>
-              <a:t>,</a:t>
-            </a:r>
-            <a:r>
-              <a:rPr lang="en-US" b="0" dirty="0">
-                <a:solidFill>
-                  <a:srgbClr val="B0B7C3"/>
-                </a:solidFill>
-                <a:effectLst/>
-                <a:latin typeface="Consolas" panose="020B0609020204030204" pitchFamily="49" charset="0"/>
-              </a:rPr>
-              <a:t> </a:t>
-            </a:r>
-            <a:r>
-              <a:rPr lang="en-US" b="0" dirty="0">
-                <a:solidFill>
-                  <a:srgbClr val="E4BF7F"/>
+              <a:t>, </a:t>
+            </a:r>
+            <a:r>
+              <a:rPr lang="de-DE" b="0" dirty="0">
+                <a:solidFill>
+                  <a:srgbClr val="E06C75"/>
                 </a:solidFill>
                 <a:effectLst/>
                 <a:latin typeface="Consolas" panose="020B0609020204030204" pitchFamily="49" charset="0"/>
@@ -19183,10 +18809,2118 @@
           </a:p>
         </p:txBody>
       </p:sp>
+      <p:sp>
+        <p:nvSpPr>
+          <p:cNvPr id="3" name="Rechteck: abgerundete Ecken 2">
+            <a:extLst>
+              <a:ext uri="{FF2B5EF4-FFF2-40B4-BE49-F238E27FC236}">
+                <a16:creationId xmlns:a16="http://schemas.microsoft.com/office/drawing/2014/main" id="{1488EB8E-0531-507F-2595-47193E7BA425}"/>
+              </a:ext>
+            </a:extLst>
+          </p:cNvPr>
+          <p:cNvSpPr/>
+          <p:nvPr/>
+        </p:nvSpPr>
+        <p:spPr>
+          <a:xfrm>
+            <a:off x="838198" y="3231858"/>
+            <a:ext cx="5897137" cy="660824"/>
+          </a:xfrm>
+          <a:prstGeom prst="roundRect">
+            <a:avLst>
+              <a:gd name="adj" fmla="val 40746"/>
+            </a:avLst>
+          </a:prstGeom>
+          <a:solidFill>
+            <a:srgbClr val="031956"/>
+          </a:solidFill>
+        </p:spPr>
+        <p:style>
+          <a:lnRef idx="2">
+            <a:schemeClr val="accent1">
+              <a:shade val="50000"/>
+            </a:schemeClr>
+          </a:lnRef>
+          <a:fillRef idx="1">
+            <a:schemeClr val="accent1"/>
+          </a:fillRef>
+          <a:effectRef idx="0">
+            <a:schemeClr val="accent1"/>
+          </a:effectRef>
+          <a:fontRef idx="minor">
+            <a:schemeClr val="lt1"/>
+          </a:fontRef>
+        </p:style>
+        <p:txBody>
+          <a:bodyPr rtlCol="0" anchor="ctr"/>
+          <a:lstStyle/>
+          <a:p>
+            <a:r>
+              <a:rPr lang="de-DE" b="0" dirty="0">
+                <a:solidFill>
+                  <a:srgbClr val="61AFEF"/>
+                </a:solidFill>
+                <a:effectLst/>
+                <a:latin typeface="Consolas" panose="020B0609020204030204" pitchFamily="49" charset="0"/>
+              </a:rPr>
+              <a:t>editPerformanceCategory</a:t>
+            </a:r>
+          </a:p>
+          <a:p>
+            <a:r>
+              <a:rPr lang="de-DE" b="0" dirty="0">
+                <a:solidFill>
+                  <a:srgbClr val="ABB2BF"/>
+                </a:solidFill>
+                <a:effectLst/>
+                <a:latin typeface="Consolas" panose="020B0609020204030204" pitchFamily="49" charset="0"/>
+              </a:rPr>
+              <a:t>(</a:t>
+            </a:r>
+            <a:r>
+              <a:rPr lang="de-DE" b="0" dirty="0">
+                <a:solidFill>
+                  <a:srgbClr val="E06C75"/>
+                </a:solidFill>
+                <a:effectLst/>
+                <a:latin typeface="Consolas" panose="020B0609020204030204" pitchFamily="49" charset="0"/>
+              </a:rPr>
+              <a:t>idPerformanceCategory</a:t>
+            </a:r>
+            <a:r>
+              <a:rPr lang="de-DE" b="0" dirty="0">
+                <a:solidFill>
+                  <a:srgbClr val="ABB2BF"/>
+                </a:solidFill>
+                <a:effectLst/>
+                <a:latin typeface="Consolas" panose="020B0609020204030204" pitchFamily="49" charset="0"/>
+              </a:rPr>
+              <a:t>, </a:t>
+            </a:r>
+            <a:r>
+              <a:rPr lang="de-DE" b="0" dirty="0">
+                <a:solidFill>
+                  <a:srgbClr val="E06C75"/>
+                </a:solidFill>
+                <a:effectLst/>
+                <a:latin typeface="Consolas" panose="020B0609020204030204" pitchFamily="49" charset="0"/>
+              </a:rPr>
+              <a:t>name</a:t>
+            </a:r>
+            <a:r>
+              <a:rPr lang="de-DE" b="0" dirty="0">
+                <a:solidFill>
+                  <a:srgbClr val="ABB2BF"/>
+                </a:solidFill>
+                <a:effectLst/>
+                <a:latin typeface="Consolas" panose="020B0609020204030204" pitchFamily="49" charset="0"/>
+              </a:rPr>
+              <a:t>, </a:t>
+            </a:r>
+            <a:r>
+              <a:rPr lang="de-DE" b="0" dirty="0">
+                <a:solidFill>
+                  <a:srgbClr val="E06C75"/>
+                </a:solidFill>
+                <a:effectLst/>
+                <a:latin typeface="Consolas" panose="020B0609020204030204" pitchFamily="49" charset="0"/>
+              </a:rPr>
+              <a:t>description</a:t>
+            </a:r>
+            <a:r>
+              <a:rPr lang="de-DE" b="0" dirty="0">
+                <a:solidFill>
+                  <a:srgbClr val="ABB2BF"/>
+                </a:solidFill>
+                <a:effectLst/>
+                <a:latin typeface="Consolas" panose="020B0609020204030204" pitchFamily="49" charset="0"/>
+              </a:rPr>
+              <a:t>)</a:t>
+            </a:r>
+          </a:p>
+        </p:txBody>
+      </p:sp>
+      <p:sp>
+        <p:nvSpPr>
+          <p:cNvPr id="7" name="Textfeld 6">
+            <a:extLst>
+              <a:ext uri="{FF2B5EF4-FFF2-40B4-BE49-F238E27FC236}">
+                <a16:creationId xmlns:a16="http://schemas.microsoft.com/office/drawing/2014/main" id="{72367157-03B9-6809-20FF-C122C363006A}"/>
+              </a:ext>
+            </a:extLst>
+          </p:cNvPr>
+          <p:cNvSpPr txBox="1"/>
+          <p:nvPr/>
+        </p:nvSpPr>
+        <p:spPr>
+          <a:xfrm>
+            <a:off x="705747" y="1301707"/>
+            <a:ext cx="6228450" cy="461665"/>
+          </a:xfrm>
+          <a:prstGeom prst="rect">
+            <a:avLst/>
+          </a:prstGeom>
+          <a:noFill/>
+        </p:spPr>
+        <p:txBody>
+          <a:bodyPr wrap="square" rtlCol="0">
+            <a:spAutoFit/>
+          </a:bodyPr>
+          <a:lstStyle/>
+          <a:p>
+            <a:pPr algn="ctr"/>
+            <a:r>
+              <a:rPr lang="de-DE" sz="2400" dirty="0">
+                <a:solidFill>
+                  <a:schemeClr val="bg1"/>
+                </a:solidFill>
+              </a:rPr>
+              <a:t>Performance Kategorien</a:t>
+            </a:r>
+          </a:p>
+        </p:txBody>
+      </p:sp>
+      <p:sp>
+        <p:nvSpPr>
+          <p:cNvPr id="10" name="Rechteck: abgerundete Ecken 9">
+            <a:extLst>
+              <a:ext uri="{FF2B5EF4-FFF2-40B4-BE49-F238E27FC236}">
+                <a16:creationId xmlns:a16="http://schemas.microsoft.com/office/drawing/2014/main" id="{842EB07F-D0FF-FC8E-17B6-0D08F9C3975B}"/>
+              </a:ext>
+            </a:extLst>
+          </p:cNvPr>
+          <p:cNvSpPr/>
+          <p:nvPr/>
+        </p:nvSpPr>
+        <p:spPr>
+          <a:xfrm>
+            <a:off x="838198" y="4078023"/>
+            <a:ext cx="5897137" cy="660824"/>
+          </a:xfrm>
+          <a:prstGeom prst="roundRect">
+            <a:avLst>
+              <a:gd name="adj" fmla="val 40746"/>
+            </a:avLst>
+          </a:prstGeom>
+          <a:solidFill>
+            <a:srgbClr val="031956"/>
+          </a:solidFill>
+        </p:spPr>
+        <p:style>
+          <a:lnRef idx="2">
+            <a:schemeClr val="accent1">
+              <a:shade val="50000"/>
+            </a:schemeClr>
+          </a:lnRef>
+          <a:fillRef idx="1">
+            <a:schemeClr val="accent1"/>
+          </a:fillRef>
+          <a:effectRef idx="0">
+            <a:schemeClr val="accent1"/>
+          </a:effectRef>
+          <a:fontRef idx="minor">
+            <a:schemeClr val="lt1"/>
+          </a:fontRef>
+        </p:style>
+        <p:txBody>
+          <a:bodyPr rtlCol="0" anchor="ctr"/>
+          <a:lstStyle/>
+          <a:p>
+            <a:r>
+              <a:rPr lang="de-DE" b="0" dirty="0">
+                <a:solidFill>
+                  <a:srgbClr val="61AFEF"/>
+                </a:solidFill>
+                <a:effectLst/>
+                <a:latin typeface="Consolas" panose="020B0609020204030204" pitchFamily="49" charset="0"/>
+              </a:rPr>
+              <a:t>addUserToPerformanceCategory</a:t>
+            </a:r>
+            <a:endParaRPr lang="de-DE" b="0" dirty="0">
+              <a:solidFill>
+                <a:srgbClr val="ABB2BF"/>
+              </a:solidFill>
+              <a:effectLst/>
+              <a:latin typeface="Consolas" panose="020B0609020204030204" pitchFamily="49" charset="0"/>
+            </a:endParaRPr>
+          </a:p>
+          <a:p>
+            <a:r>
+              <a:rPr lang="de-DE" b="0" dirty="0">
+                <a:solidFill>
+                  <a:srgbClr val="ABB2BF"/>
+                </a:solidFill>
+                <a:effectLst/>
+                <a:latin typeface="Consolas" panose="020B0609020204030204" pitchFamily="49" charset="0"/>
+              </a:rPr>
+              <a:t>(</a:t>
+            </a:r>
+            <a:r>
+              <a:rPr lang="de-DE" b="0" dirty="0">
+                <a:solidFill>
+                  <a:srgbClr val="E06C75"/>
+                </a:solidFill>
+                <a:effectLst/>
+                <a:latin typeface="Consolas" panose="020B0609020204030204" pitchFamily="49" charset="0"/>
+              </a:rPr>
+              <a:t>idPerformanceCategory</a:t>
+            </a:r>
+            <a:r>
+              <a:rPr lang="de-DE" b="0" dirty="0">
+                <a:solidFill>
+                  <a:srgbClr val="ABB2BF"/>
+                </a:solidFill>
+                <a:effectLst/>
+                <a:latin typeface="Consolas" panose="020B0609020204030204" pitchFamily="49" charset="0"/>
+              </a:rPr>
+              <a:t>, </a:t>
+            </a:r>
+            <a:r>
+              <a:rPr lang="de-DE" b="0" dirty="0">
+                <a:solidFill>
+                  <a:srgbClr val="E06C75"/>
+                </a:solidFill>
+                <a:effectLst/>
+                <a:latin typeface="Consolas" panose="020B0609020204030204" pitchFamily="49" charset="0"/>
+              </a:rPr>
+              <a:t>idUser</a:t>
+            </a:r>
+            <a:r>
+              <a:rPr lang="de-DE" b="0" dirty="0">
+                <a:solidFill>
+                  <a:srgbClr val="ABB2BF"/>
+                </a:solidFill>
+                <a:effectLst/>
+                <a:latin typeface="Consolas" panose="020B0609020204030204" pitchFamily="49" charset="0"/>
+              </a:rPr>
+              <a:t>)</a:t>
+            </a:r>
+          </a:p>
+        </p:txBody>
+      </p:sp>
+      <p:sp>
+        <p:nvSpPr>
+          <p:cNvPr id="11" name="Rechteck: abgerundete Ecken 10">
+            <a:extLst>
+              <a:ext uri="{FF2B5EF4-FFF2-40B4-BE49-F238E27FC236}">
+                <a16:creationId xmlns:a16="http://schemas.microsoft.com/office/drawing/2014/main" id="{DC3D0F98-763B-C464-F8B7-B4AD03EA3547}"/>
+              </a:ext>
+            </a:extLst>
+          </p:cNvPr>
+          <p:cNvSpPr/>
+          <p:nvPr/>
+        </p:nvSpPr>
+        <p:spPr>
+          <a:xfrm>
+            <a:off x="838197" y="4916293"/>
+            <a:ext cx="5897137" cy="660824"/>
+          </a:xfrm>
+          <a:prstGeom prst="roundRect">
+            <a:avLst>
+              <a:gd name="adj" fmla="val 40746"/>
+            </a:avLst>
+          </a:prstGeom>
+          <a:solidFill>
+            <a:srgbClr val="031956"/>
+          </a:solidFill>
+        </p:spPr>
+        <p:style>
+          <a:lnRef idx="2">
+            <a:schemeClr val="accent1">
+              <a:shade val="50000"/>
+            </a:schemeClr>
+          </a:lnRef>
+          <a:fillRef idx="1">
+            <a:schemeClr val="accent1"/>
+          </a:fillRef>
+          <a:effectRef idx="0">
+            <a:schemeClr val="accent1"/>
+          </a:effectRef>
+          <a:fontRef idx="minor">
+            <a:schemeClr val="lt1"/>
+          </a:fontRef>
+        </p:style>
+        <p:txBody>
+          <a:bodyPr rtlCol="0" anchor="ctr"/>
+          <a:lstStyle/>
+          <a:p>
+            <a:r>
+              <a:rPr lang="de-DE" b="0" dirty="0">
+                <a:solidFill>
+                  <a:srgbClr val="61AFEF"/>
+                </a:solidFill>
+                <a:effectLst/>
+                <a:latin typeface="Consolas" panose="020B0609020204030204" pitchFamily="49" charset="0"/>
+              </a:rPr>
+              <a:t>removeUserFromPerformanceCategory</a:t>
+            </a:r>
+            <a:endParaRPr lang="de-DE" b="0" dirty="0">
+              <a:solidFill>
+                <a:srgbClr val="ABB2BF"/>
+              </a:solidFill>
+              <a:effectLst/>
+              <a:latin typeface="Consolas" panose="020B0609020204030204" pitchFamily="49" charset="0"/>
+            </a:endParaRPr>
+          </a:p>
+          <a:p>
+            <a:r>
+              <a:rPr lang="de-DE" b="0" dirty="0">
+                <a:solidFill>
+                  <a:srgbClr val="ABB2BF"/>
+                </a:solidFill>
+                <a:effectLst/>
+                <a:latin typeface="Consolas" panose="020B0609020204030204" pitchFamily="49" charset="0"/>
+              </a:rPr>
+              <a:t>(</a:t>
+            </a:r>
+            <a:r>
+              <a:rPr lang="de-DE" b="0" dirty="0">
+                <a:solidFill>
+                  <a:srgbClr val="E06C75"/>
+                </a:solidFill>
+                <a:effectLst/>
+                <a:latin typeface="Consolas" panose="020B0609020204030204" pitchFamily="49" charset="0"/>
+              </a:rPr>
+              <a:t>idPerformanceCategory</a:t>
+            </a:r>
+            <a:r>
+              <a:rPr lang="de-DE" b="0" dirty="0">
+                <a:solidFill>
+                  <a:srgbClr val="ABB2BF"/>
+                </a:solidFill>
+                <a:effectLst/>
+                <a:latin typeface="Consolas" panose="020B0609020204030204" pitchFamily="49" charset="0"/>
+              </a:rPr>
+              <a:t>, </a:t>
+            </a:r>
+            <a:r>
+              <a:rPr lang="de-DE" b="0" dirty="0">
+                <a:solidFill>
+                  <a:srgbClr val="E06C75"/>
+                </a:solidFill>
+                <a:effectLst/>
+                <a:latin typeface="Consolas" panose="020B0609020204030204" pitchFamily="49" charset="0"/>
+              </a:rPr>
+              <a:t>idUser</a:t>
+            </a:r>
+            <a:r>
+              <a:rPr lang="de-DE" b="0" dirty="0">
+                <a:solidFill>
+                  <a:srgbClr val="ABB2BF"/>
+                </a:solidFill>
+                <a:effectLst/>
+                <a:latin typeface="Consolas" panose="020B0609020204030204" pitchFamily="49" charset="0"/>
+              </a:rPr>
+              <a:t>)</a:t>
+            </a:r>
+          </a:p>
+        </p:txBody>
+      </p:sp>
+      <p:sp>
+        <p:nvSpPr>
+          <p:cNvPr id="14" name="Rechteck: abgerundete Ecken 13">
+            <a:extLst>
+              <a:ext uri="{FF2B5EF4-FFF2-40B4-BE49-F238E27FC236}">
+                <a16:creationId xmlns:a16="http://schemas.microsoft.com/office/drawing/2014/main" id="{6739E6BA-1BF2-C9AF-7908-A8CE426C8D12}"/>
+              </a:ext>
+            </a:extLst>
+          </p:cNvPr>
+          <p:cNvSpPr/>
+          <p:nvPr/>
+        </p:nvSpPr>
+        <p:spPr>
+          <a:xfrm>
+            <a:off x="7236649" y="1763468"/>
+            <a:ext cx="4784367" cy="988663"/>
+          </a:xfrm>
+          <a:prstGeom prst="roundRect">
+            <a:avLst>
+              <a:gd name="adj" fmla="val 50000"/>
+            </a:avLst>
+          </a:prstGeom>
+          <a:solidFill>
+            <a:srgbClr val="031956"/>
+          </a:solidFill>
+        </p:spPr>
+        <p:style>
+          <a:lnRef idx="2">
+            <a:schemeClr val="accent1">
+              <a:shade val="50000"/>
+            </a:schemeClr>
+          </a:lnRef>
+          <a:fillRef idx="1">
+            <a:schemeClr val="accent1"/>
+          </a:fillRef>
+          <a:effectRef idx="0">
+            <a:schemeClr val="accent1"/>
+          </a:effectRef>
+          <a:fontRef idx="minor">
+            <a:schemeClr val="lt1"/>
+          </a:fontRef>
+        </p:style>
+        <p:txBody>
+          <a:bodyPr rtlCol="0" anchor="ctr"/>
+          <a:lstStyle/>
+          <a:p>
+            <a:r>
+              <a:rPr lang="de-DE" b="0" dirty="0">
+                <a:solidFill>
+                  <a:srgbClr val="61AFEF"/>
+                </a:solidFill>
+                <a:effectLst/>
+                <a:latin typeface="Consolas" panose="020B0609020204030204" pitchFamily="49" charset="0"/>
+              </a:rPr>
+              <a:t>uploadPerformanceRecord</a:t>
+            </a:r>
+          </a:p>
+          <a:p>
+            <a:r>
+              <a:rPr lang="en-US" b="0" dirty="0">
+                <a:solidFill>
+                  <a:srgbClr val="ABB2BF"/>
+                </a:solidFill>
+                <a:effectLst/>
+                <a:latin typeface="Consolas" panose="020B0609020204030204" pitchFamily="49" charset="0"/>
+              </a:rPr>
+              <a:t>(</a:t>
+            </a:r>
+            <a:r>
+              <a:rPr lang="en-US" b="0" dirty="0">
+                <a:solidFill>
+                  <a:srgbClr val="E06C75"/>
+                </a:solidFill>
+                <a:effectLst/>
+                <a:latin typeface="Consolas" panose="020B0609020204030204" pitchFamily="49" charset="0"/>
+              </a:rPr>
+              <a:t>idPerformanceCategory</a:t>
+            </a:r>
+            <a:r>
+              <a:rPr lang="en-US" b="0" dirty="0">
+                <a:solidFill>
+                  <a:srgbClr val="ABB2BF"/>
+                </a:solidFill>
+                <a:effectLst/>
+                <a:latin typeface="Consolas" panose="020B0609020204030204" pitchFamily="49" charset="0"/>
+              </a:rPr>
+              <a:t>, </a:t>
+            </a:r>
+            <a:r>
+              <a:rPr lang="en-US" b="0" dirty="0">
+                <a:solidFill>
+                  <a:srgbClr val="E06C75"/>
+                </a:solidFill>
+                <a:effectLst/>
+                <a:latin typeface="Consolas" panose="020B0609020204030204" pitchFamily="49" charset="0"/>
+              </a:rPr>
+              <a:t>idUser</a:t>
+            </a:r>
+            <a:r>
+              <a:rPr lang="en-US" b="0" dirty="0">
+                <a:solidFill>
+                  <a:srgbClr val="ABB2BF"/>
+                </a:solidFill>
+                <a:effectLst/>
+                <a:latin typeface="Consolas" panose="020B0609020204030204" pitchFamily="49" charset="0"/>
+              </a:rPr>
+              <a:t>, </a:t>
+            </a:r>
+            <a:r>
+              <a:rPr lang="en-US" b="0" dirty="0">
+                <a:solidFill>
+                  <a:srgbClr val="E06C75"/>
+                </a:solidFill>
+                <a:effectLst/>
+                <a:latin typeface="Consolas" panose="020B0609020204030204" pitchFamily="49" charset="0"/>
+              </a:rPr>
+              <a:t>value</a:t>
+            </a:r>
+            <a:r>
+              <a:rPr lang="en-US" b="0" dirty="0">
+                <a:solidFill>
+                  <a:srgbClr val="ABB2BF"/>
+                </a:solidFill>
+                <a:effectLst/>
+                <a:latin typeface="Consolas" panose="020B0609020204030204" pitchFamily="49" charset="0"/>
+              </a:rPr>
+              <a:t>, </a:t>
+            </a:r>
+            <a:r>
+              <a:rPr lang="en-US" b="0" dirty="0">
+                <a:solidFill>
+                  <a:srgbClr val="E06C75"/>
+                </a:solidFill>
+                <a:effectLst/>
+                <a:latin typeface="Consolas" panose="020B0609020204030204" pitchFamily="49" charset="0"/>
+              </a:rPr>
+              <a:t>comment</a:t>
+            </a:r>
+            <a:r>
+              <a:rPr lang="en-US" dirty="0">
+                <a:solidFill>
+                  <a:srgbClr val="ABB2BF"/>
+                </a:solidFill>
+                <a:latin typeface="Consolas" panose="020B0609020204030204" pitchFamily="49" charset="0"/>
+              </a:rPr>
+              <a:t>)</a:t>
+            </a:r>
+            <a:endParaRPr lang="en-US" b="0" dirty="0">
+              <a:solidFill>
+                <a:srgbClr val="ABB2BF"/>
+              </a:solidFill>
+              <a:effectLst/>
+              <a:latin typeface="Consolas" panose="020B0609020204030204" pitchFamily="49" charset="0"/>
+            </a:endParaRPr>
+          </a:p>
+        </p:txBody>
+      </p:sp>
+      <p:sp>
+        <p:nvSpPr>
+          <p:cNvPr id="15" name="Textfeld 14">
+            <a:extLst>
+              <a:ext uri="{FF2B5EF4-FFF2-40B4-BE49-F238E27FC236}">
+                <a16:creationId xmlns:a16="http://schemas.microsoft.com/office/drawing/2014/main" id="{54386609-0EC8-64A8-676F-DB7048AAD5B6}"/>
+              </a:ext>
+            </a:extLst>
+          </p:cNvPr>
+          <p:cNvSpPr txBox="1"/>
+          <p:nvPr/>
+        </p:nvSpPr>
+        <p:spPr>
+          <a:xfrm>
+            <a:off x="7236649" y="1307792"/>
+            <a:ext cx="4878657" cy="461665"/>
+          </a:xfrm>
+          <a:prstGeom prst="rect">
+            <a:avLst/>
+          </a:prstGeom>
+          <a:noFill/>
+        </p:spPr>
+        <p:txBody>
+          <a:bodyPr wrap="square" rtlCol="0">
+            <a:spAutoFit/>
+          </a:bodyPr>
+          <a:lstStyle/>
+          <a:p>
+            <a:pPr algn="ctr"/>
+            <a:r>
+              <a:rPr lang="de-DE" sz="2400" dirty="0">
+                <a:solidFill>
+                  <a:schemeClr val="bg1"/>
+                </a:solidFill>
+              </a:rPr>
+              <a:t>Einträge</a:t>
+            </a:r>
+          </a:p>
+        </p:txBody>
+      </p:sp>
+      <p:sp>
+        <p:nvSpPr>
+          <p:cNvPr id="17" name="Rechteck: abgerundete Ecken 16">
+            <a:extLst>
+              <a:ext uri="{FF2B5EF4-FFF2-40B4-BE49-F238E27FC236}">
+                <a16:creationId xmlns:a16="http://schemas.microsoft.com/office/drawing/2014/main" id="{92403C1D-4AFF-9504-D9C2-0EC27DF758BE}"/>
+              </a:ext>
+            </a:extLst>
+          </p:cNvPr>
+          <p:cNvSpPr/>
+          <p:nvPr/>
+        </p:nvSpPr>
+        <p:spPr>
+          <a:xfrm>
+            <a:off x="7283793" y="2952066"/>
+            <a:ext cx="4784367" cy="655678"/>
+          </a:xfrm>
+          <a:prstGeom prst="roundRect">
+            <a:avLst>
+              <a:gd name="adj" fmla="val 50000"/>
+            </a:avLst>
+          </a:prstGeom>
+          <a:solidFill>
+            <a:srgbClr val="031956"/>
+          </a:solidFill>
+        </p:spPr>
+        <p:style>
+          <a:lnRef idx="2">
+            <a:schemeClr val="accent1">
+              <a:shade val="50000"/>
+            </a:schemeClr>
+          </a:lnRef>
+          <a:fillRef idx="1">
+            <a:schemeClr val="accent1"/>
+          </a:fillRef>
+          <a:effectRef idx="0">
+            <a:schemeClr val="accent1"/>
+          </a:effectRef>
+          <a:fontRef idx="minor">
+            <a:schemeClr val="lt1"/>
+          </a:fontRef>
+        </p:style>
+        <p:txBody>
+          <a:bodyPr rtlCol="0" anchor="ctr"/>
+          <a:lstStyle/>
+          <a:p>
+            <a:r>
+              <a:rPr lang="de-DE" b="0" dirty="0">
+                <a:solidFill>
+                  <a:srgbClr val="61AFEF"/>
+                </a:solidFill>
+                <a:effectLst/>
+                <a:latin typeface="Consolas" panose="020B0609020204030204" pitchFamily="49" charset="0"/>
+              </a:rPr>
+              <a:t>editPerformanceRecord</a:t>
+            </a:r>
+            <a:r>
+              <a:rPr lang="de-DE" b="0" dirty="0">
+                <a:solidFill>
+                  <a:srgbClr val="ABB2BF"/>
+                </a:solidFill>
+                <a:effectLst/>
+                <a:latin typeface="Consolas" panose="020B0609020204030204" pitchFamily="49" charset="0"/>
+              </a:rPr>
+              <a:t>(</a:t>
+            </a:r>
+            <a:r>
+              <a:rPr lang="de-DE" b="0" dirty="0">
+                <a:solidFill>
+                  <a:srgbClr val="E06C75"/>
+                </a:solidFill>
+                <a:effectLst/>
+                <a:latin typeface="Consolas" panose="020B0609020204030204" pitchFamily="49" charset="0"/>
+              </a:rPr>
+              <a:t>idPerformanceRecord</a:t>
+            </a:r>
+            <a:r>
+              <a:rPr lang="de-DE" b="0" dirty="0">
+                <a:solidFill>
+                  <a:srgbClr val="ABB2BF"/>
+                </a:solidFill>
+                <a:effectLst/>
+                <a:latin typeface="Consolas" panose="020B0609020204030204" pitchFamily="49" charset="0"/>
+              </a:rPr>
+              <a:t>, </a:t>
+            </a:r>
+            <a:r>
+              <a:rPr lang="de-DE" b="0" dirty="0">
+                <a:solidFill>
+                  <a:srgbClr val="E06C75"/>
+                </a:solidFill>
+                <a:effectLst/>
+                <a:latin typeface="Consolas" panose="020B0609020204030204" pitchFamily="49" charset="0"/>
+              </a:rPr>
+              <a:t>value</a:t>
+            </a:r>
+            <a:r>
+              <a:rPr lang="de-DE" b="0" dirty="0">
+                <a:solidFill>
+                  <a:srgbClr val="ABB2BF"/>
+                </a:solidFill>
+                <a:effectLst/>
+                <a:latin typeface="Consolas" panose="020B0609020204030204" pitchFamily="49" charset="0"/>
+              </a:rPr>
+              <a:t>)</a:t>
+            </a:r>
+          </a:p>
+        </p:txBody>
+      </p:sp>
+      <p:sp>
+        <p:nvSpPr>
+          <p:cNvPr id="18" name="Rechteck: abgerundete Ecken 17">
+            <a:extLst>
+              <a:ext uri="{FF2B5EF4-FFF2-40B4-BE49-F238E27FC236}">
+                <a16:creationId xmlns:a16="http://schemas.microsoft.com/office/drawing/2014/main" id="{A251BD6D-6E57-AA57-3D66-77DFB52FA9AE}"/>
+              </a:ext>
+            </a:extLst>
+          </p:cNvPr>
+          <p:cNvSpPr/>
+          <p:nvPr/>
+        </p:nvSpPr>
+        <p:spPr>
+          <a:xfrm>
+            <a:off x="7236649" y="3800914"/>
+            <a:ext cx="4784367" cy="655678"/>
+          </a:xfrm>
+          <a:prstGeom prst="roundRect">
+            <a:avLst>
+              <a:gd name="adj" fmla="val 50000"/>
+            </a:avLst>
+          </a:prstGeom>
+          <a:solidFill>
+            <a:srgbClr val="031956"/>
+          </a:solidFill>
+        </p:spPr>
+        <p:style>
+          <a:lnRef idx="2">
+            <a:schemeClr val="accent1">
+              <a:shade val="50000"/>
+            </a:schemeClr>
+          </a:lnRef>
+          <a:fillRef idx="1">
+            <a:schemeClr val="accent1"/>
+          </a:fillRef>
+          <a:effectRef idx="0">
+            <a:schemeClr val="accent1"/>
+          </a:effectRef>
+          <a:fontRef idx="minor">
+            <a:schemeClr val="lt1"/>
+          </a:fontRef>
+        </p:style>
+        <p:txBody>
+          <a:bodyPr rtlCol="0" anchor="ctr"/>
+          <a:lstStyle/>
+          <a:p>
+            <a:r>
+              <a:rPr lang="de-DE" b="0" dirty="0">
+                <a:solidFill>
+                  <a:srgbClr val="61AFEF"/>
+                </a:solidFill>
+                <a:effectLst/>
+                <a:latin typeface="Consolas" panose="020B0609020204030204" pitchFamily="49" charset="0"/>
+              </a:rPr>
+              <a:t>deletePerformanceRecord</a:t>
+            </a:r>
+            <a:r>
+              <a:rPr lang="de-DE" b="0" dirty="0">
+                <a:solidFill>
+                  <a:srgbClr val="ABB2BF"/>
+                </a:solidFill>
+                <a:effectLst/>
+                <a:latin typeface="Consolas" panose="020B0609020204030204" pitchFamily="49" charset="0"/>
+              </a:rPr>
+              <a:t>(</a:t>
+            </a:r>
+            <a:r>
+              <a:rPr lang="de-DE" b="0" dirty="0">
+                <a:solidFill>
+                  <a:srgbClr val="E06C75"/>
+                </a:solidFill>
+                <a:effectLst/>
+                <a:latin typeface="Consolas" panose="020B0609020204030204" pitchFamily="49" charset="0"/>
+              </a:rPr>
+              <a:t>idPerformanceRecord</a:t>
+            </a:r>
+            <a:r>
+              <a:rPr lang="de-DE" b="0" dirty="0">
+                <a:solidFill>
+                  <a:srgbClr val="ABB2BF"/>
+                </a:solidFill>
+                <a:effectLst/>
+                <a:latin typeface="Consolas" panose="020B0609020204030204" pitchFamily="49" charset="0"/>
+              </a:rPr>
+              <a:t>)</a:t>
+            </a:r>
+          </a:p>
+        </p:txBody>
+      </p:sp>
+      <p:sp>
+        <p:nvSpPr>
+          <p:cNvPr id="19" name="Rechteck: abgerundete Ecken 18">
+            <a:extLst>
+              <a:ext uri="{FF2B5EF4-FFF2-40B4-BE49-F238E27FC236}">
+                <a16:creationId xmlns:a16="http://schemas.microsoft.com/office/drawing/2014/main" id="{2E26F3C0-C912-9D99-05B1-D287EE8D1CB7}"/>
+              </a:ext>
+            </a:extLst>
+          </p:cNvPr>
+          <p:cNvSpPr/>
+          <p:nvPr/>
+        </p:nvSpPr>
+        <p:spPr>
+          <a:xfrm>
+            <a:off x="7236648" y="4705393"/>
+            <a:ext cx="4784367" cy="655678"/>
+          </a:xfrm>
+          <a:prstGeom prst="roundRect">
+            <a:avLst>
+              <a:gd name="adj" fmla="val 50000"/>
+            </a:avLst>
+          </a:prstGeom>
+          <a:solidFill>
+            <a:srgbClr val="031956"/>
+          </a:solidFill>
+        </p:spPr>
+        <p:style>
+          <a:lnRef idx="2">
+            <a:schemeClr val="accent1">
+              <a:shade val="50000"/>
+            </a:schemeClr>
+          </a:lnRef>
+          <a:fillRef idx="1">
+            <a:schemeClr val="accent1"/>
+          </a:fillRef>
+          <a:effectRef idx="0">
+            <a:schemeClr val="accent1"/>
+          </a:effectRef>
+          <a:fontRef idx="minor">
+            <a:schemeClr val="lt1"/>
+          </a:fontRef>
+        </p:style>
+        <p:txBody>
+          <a:bodyPr rtlCol="0" anchor="ctr"/>
+          <a:lstStyle/>
+          <a:p>
+            <a:r>
+              <a:rPr lang="de-DE" b="0" dirty="0">
+                <a:solidFill>
+                  <a:srgbClr val="61AFEF"/>
+                </a:solidFill>
+                <a:effectLst/>
+                <a:latin typeface="Consolas" panose="020B0609020204030204" pitchFamily="49" charset="0"/>
+              </a:rPr>
+              <a:t>getPerformanceRecordsByCategory</a:t>
+            </a:r>
+            <a:r>
+              <a:rPr lang="de-DE" b="0" dirty="0">
+                <a:solidFill>
+                  <a:srgbClr val="ABB2BF"/>
+                </a:solidFill>
+                <a:effectLst/>
+                <a:latin typeface="Consolas" panose="020B0609020204030204" pitchFamily="49" charset="0"/>
+              </a:rPr>
+              <a:t>(</a:t>
+            </a:r>
+            <a:r>
+              <a:rPr lang="de-DE" b="0" dirty="0">
+                <a:solidFill>
+                  <a:srgbClr val="E06C75"/>
+                </a:solidFill>
+                <a:effectLst/>
+                <a:latin typeface="Consolas" panose="020B0609020204030204" pitchFamily="49" charset="0"/>
+              </a:rPr>
+              <a:t>idPerformanceCategory</a:t>
+            </a:r>
+            <a:r>
+              <a:rPr lang="de-DE" b="0" dirty="0">
+                <a:solidFill>
+                  <a:srgbClr val="ABB2BF"/>
+                </a:solidFill>
+                <a:effectLst/>
+                <a:latin typeface="Consolas" panose="020B0609020204030204" pitchFamily="49" charset="0"/>
+              </a:rPr>
+              <a:t>)</a:t>
+            </a:r>
+          </a:p>
+        </p:txBody>
+      </p:sp>
     </p:spTree>
     <p:extLst>
       <p:ext uri="{BB962C8B-B14F-4D97-AF65-F5344CB8AC3E}">
         <p14:creationId xmlns:p14="http://schemas.microsoft.com/office/powerpoint/2010/main" val="52789063"/>
+      </p:ext>
+    </p:extLst>
+  </p:cSld>
+  <p:clrMapOvr>
+    <a:masterClrMapping/>
+  </p:clrMapOvr>
+</p:sld>
+</file>
+
+<file path=ppt/slides/slide9.xml><?xml version="1.0" encoding="utf-8"?>
+<p:sld xmlns:a="http://schemas.openxmlformats.org/drawingml/2006/main" xmlns:r="http://schemas.openxmlformats.org/officeDocument/2006/relationships" xmlns:p="http://schemas.openxmlformats.org/presentationml/2006/main">
+  <p:cSld>
+    <p:spTree>
+      <p:nvGrpSpPr>
+        <p:cNvPr id="1" name=""/>
+        <p:cNvGrpSpPr/>
+        <p:nvPr/>
+      </p:nvGrpSpPr>
+      <p:grpSpPr>
+        <a:xfrm>
+          <a:off x="0" y="0"/>
+          <a:ext cx="0" cy="0"/>
+          <a:chOff x="0" y="0"/>
+          <a:chExt cx="0" cy="0"/>
+        </a:xfrm>
+      </p:grpSpPr>
+      <p:sp>
+        <p:nvSpPr>
+          <p:cNvPr id="2" name="Titel 1">
+            <a:extLst>
+              <a:ext uri="{FF2B5EF4-FFF2-40B4-BE49-F238E27FC236}">
+                <a16:creationId xmlns:a16="http://schemas.microsoft.com/office/drawing/2014/main" id="{A838A7D4-6272-0E37-C1E1-1CB89ED84F2A}"/>
+              </a:ext>
+            </a:extLst>
+          </p:cNvPr>
+          <p:cNvSpPr>
+            <a:spLocks noGrp="1"/>
+          </p:cNvSpPr>
+          <p:nvPr>
+            <p:ph type="title"/>
+          </p:nvPr>
+        </p:nvSpPr>
+        <p:spPr>
+          <a:xfrm>
+            <a:off x="838200" y="0"/>
+            <a:ext cx="10515600" cy="1080185"/>
+          </a:xfrm>
+        </p:spPr>
+        <p:txBody>
+          <a:bodyPr/>
+          <a:lstStyle/>
+          <a:p>
+            <a:pPr algn="ctr"/>
+            <a:r>
+              <a:rPr lang="de-DE" dirty="0"/>
+              <a:t>Backend Methoden</a:t>
+            </a:r>
+          </a:p>
+        </p:txBody>
+      </p:sp>
+      <p:sp>
+        <p:nvSpPr>
+          <p:cNvPr id="4" name="Rechteck 3">
+            <a:extLst>
+              <a:ext uri="{FF2B5EF4-FFF2-40B4-BE49-F238E27FC236}">
+                <a16:creationId xmlns:a16="http://schemas.microsoft.com/office/drawing/2014/main" id="{F4BCE17B-3F0A-A880-B3B9-68B6C743082C}"/>
+              </a:ext>
+            </a:extLst>
+          </p:cNvPr>
+          <p:cNvSpPr/>
+          <p:nvPr/>
+        </p:nvSpPr>
+        <p:spPr>
+          <a:xfrm>
+            <a:off x="516176" y="1396458"/>
+            <a:ext cx="6228451" cy="5461542"/>
+          </a:xfrm>
+          <a:prstGeom prst="rect">
+            <a:avLst/>
+          </a:prstGeom>
+          <a:solidFill>
+            <a:srgbClr val="282C34"/>
+          </a:solidFill>
+          <a:ln>
+            <a:noFill/>
+          </a:ln>
+        </p:spPr>
+        <p:style>
+          <a:lnRef idx="2">
+            <a:schemeClr val="accent1">
+              <a:shade val="50000"/>
+            </a:schemeClr>
+          </a:lnRef>
+          <a:fillRef idx="1">
+            <a:schemeClr val="accent1"/>
+          </a:fillRef>
+          <a:effectRef idx="0">
+            <a:schemeClr val="accent1"/>
+          </a:effectRef>
+          <a:fontRef idx="minor">
+            <a:schemeClr val="lt1"/>
+          </a:fontRef>
+        </p:style>
+        <p:txBody>
+          <a:bodyPr rtlCol="0" anchor="ctr"/>
+          <a:lstStyle/>
+          <a:p>
+            <a:pPr algn="ctr"/>
+            <a:endParaRPr lang="de-DE"/>
+          </a:p>
+        </p:txBody>
+      </p:sp>
+      <p:sp>
+        <p:nvSpPr>
+          <p:cNvPr id="8" name="Rechteck: abgerundete Ecken 7">
+            <a:extLst>
+              <a:ext uri="{FF2B5EF4-FFF2-40B4-BE49-F238E27FC236}">
+                <a16:creationId xmlns:a16="http://schemas.microsoft.com/office/drawing/2014/main" id="{0DA964E6-C722-EFF5-7AC3-66C27036C503}"/>
+              </a:ext>
+            </a:extLst>
+          </p:cNvPr>
+          <p:cNvSpPr/>
+          <p:nvPr/>
+        </p:nvSpPr>
+        <p:spPr>
+          <a:xfrm>
+            <a:off x="660213" y="3487007"/>
+            <a:ext cx="5897137" cy="660824"/>
+          </a:xfrm>
+          <a:prstGeom prst="roundRect">
+            <a:avLst>
+              <a:gd name="adj" fmla="val 40746"/>
+            </a:avLst>
+          </a:prstGeom>
+          <a:solidFill>
+            <a:srgbClr val="031956"/>
+          </a:solidFill>
+        </p:spPr>
+        <p:style>
+          <a:lnRef idx="2">
+            <a:schemeClr val="accent1">
+              <a:shade val="50000"/>
+            </a:schemeClr>
+          </a:lnRef>
+          <a:fillRef idx="1">
+            <a:schemeClr val="accent1"/>
+          </a:fillRef>
+          <a:effectRef idx="0">
+            <a:schemeClr val="accent1"/>
+          </a:effectRef>
+          <a:fontRef idx="minor">
+            <a:schemeClr val="lt1"/>
+          </a:fontRef>
+        </p:style>
+        <p:txBody>
+          <a:bodyPr rtlCol="0" anchor="ctr"/>
+          <a:lstStyle/>
+          <a:p>
+            <a:r>
+              <a:rPr lang="de-DE" b="0" dirty="0">
+                <a:solidFill>
+                  <a:srgbClr val="61AFEF"/>
+                </a:solidFill>
+                <a:effectLst/>
+                <a:latin typeface="Consolas" panose="020B0609020204030204" pitchFamily="49" charset="0"/>
+              </a:rPr>
+              <a:t>editPerformanceCategory</a:t>
+            </a:r>
+          </a:p>
+          <a:p>
+            <a:r>
+              <a:rPr lang="de-DE" b="0" dirty="0">
+                <a:solidFill>
+                  <a:srgbClr val="ABB2BF"/>
+                </a:solidFill>
+                <a:effectLst/>
+                <a:latin typeface="Consolas" panose="020B0609020204030204" pitchFamily="49" charset="0"/>
+              </a:rPr>
+              <a:t>(</a:t>
+            </a:r>
+            <a:r>
+              <a:rPr lang="de-DE" b="0" dirty="0">
+                <a:solidFill>
+                  <a:srgbClr val="E06C75"/>
+                </a:solidFill>
+                <a:effectLst/>
+                <a:latin typeface="Consolas" panose="020B0609020204030204" pitchFamily="49" charset="0"/>
+              </a:rPr>
+              <a:t>idPerformanceCategory</a:t>
+            </a:r>
+            <a:r>
+              <a:rPr lang="de-DE" b="0" dirty="0">
+                <a:solidFill>
+                  <a:srgbClr val="ABB2BF"/>
+                </a:solidFill>
+                <a:effectLst/>
+                <a:latin typeface="Consolas" panose="020B0609020204030204" pitchFamily="49" charset="0"/>
+              </a:rPr>
+              <a:t>, </a:t>
+            </a:r>
+            <a:r>
+              <a:rPr lang="de-DE" b="0" dirty="0">
+                <a:solidFill>
+                  <a:srgbClr val="E06C75"/>
+                </a:solidFill>
+                <a:effectLst/>
+                <a:latin typeface="Consolas" panose="020B0609020204030204" pitchFamily="49" charset="0"/>
+              </a:rPr>
+              <a:t>name</a:t>
+            </a:r>
+            <a:r>
+              <a:rPr lang="de-DE" b="0" dirty="0">
+                <a:solidFill>
+                  <a:srgbClr val="ABB2BF"/>
+                </a:solidFill>
+                <a:effectLst/>
+                <a:latin typeface="Consolas" panose="020B0609020204030204" pitchFamily="49" charset="0"/>
+              </a:rPr>
+              <a:t>, </a:t>
+            </a:r>
+            <a:r>
+              <a:rPr lang="de-DE" b="0" dirty="0">
+                <a:solidFill>
+                  <a:srgbClr val="E06C75"/>
+                </a:solidFill>
+                <a:effectLst/>
+                <a:latin typeface="Consolas" panose="020B0609020204030204" pitchFamily="49" charset="0"/>
+              </a:rPr>
+              <a:t>description</a:t>
+            </a:r>
+            <a:r>
+              <a:rPr lang="de-DE" b="0" dirty="0">
+                <a:solidFill>
+                  <a:srgbClr val="ABB2BF"/>
+                </a:solidFill>
+                <a:effectLst/>
+                <a:latin typeface="Consolas" panose="020B0609020204030204" pitchFamily="49" charset="0"/>
+              </a:rPr>
+              <a:t>)</a:t>
+            </a:r>
+          </a:p>
+        </p:txBody>
+      </p:sp>
+      <p:sp>
+        <p:nvSpPr>
+          <p:cNvPr id="9" name="Textfeld 8">
+            <a:extLst>
+              <a:ext uri="{FF2B5EF4-FFF2-40B4-BE49-F238E27FC236}">
+                <a16:creationId xmlns:a16="http://schemas.microsoft.com/office/drawing/2014/main" id="{38CD0077-F2E7-5EE3-7824-388AC07A794D}"/>
+              </a:ext>
+            </a:extLst>
+          </p:cNvPr>
+          <p:cNvSpPr txBox="1"/>
+          <p:nvPr/>
+        </p:nvSpPr>
+        <p:spPr>
+          <a:xfrm>
+            <a:off x="516177" y="1446672"/>
+            <a:ext cx="6228450" cy="461665"/>
+          </a:xfrm>
+          <a:prstGeom prst="rect">
+            <a:avLst/>
+          </a:prstGeom>
+          <a:noFill/>
+        </p:spPr>
+        <p:txBody>
+          <a:bodyPr wrap="square" rtlCol="0">
+            <a:spAutoFit/>
+          </a:bodyPr>
+          <a:lstStyle/>
+          <a:p>
+            <a:pPr algn="ctr"/>
+            <a:r>
+              <a:rPr lang="de-DE" sz="2400" dirty="0">
+                <a:solidFill>
+                  <a:schemeClr val="bg1"/>
+                </a:solidFill>
+              </a:rPr>
+              <a:t>Performance Kategorien</a:t>
+            </a:r>
+          </a:p>
+        </p:txBody>
+      </p:sp>
+      <p:sp>
+        <p:nvSpPr>
+          <p:cNvPr id="10" name="Rechteck: abgerundete Ecken 9">
+            <a:extLst>
+              <a:ext uri="{FF2B5EF4-FFF2-40B4-BE49-F238E27FC236}">
+                <a16:creationId xmlns:a16="http://schemas.microsoft.com/office/drawing/2014/main" id="{3F48FA8B-9615-9DE8-4B41-460DF31F21D7}"/>
+              </a:ext>
+            </a:extLst>
+          </p:cNvPr>
+          <p:cNvSpPr/>
+          <p:nvPr/>
+        </p:nvSpPr>
+        <p:spPr>
+          <a:xfrm>
+            <a:off x="648627" y="4325277"/>
+            <a:ext cx="5897137" cy="660824"/>
+          </a:xfrm>
+          <a:prstGeom prst="roundRect">
+            <a:avLst>
+              <a:gd name="adj" fmla="val 40746"/>
+            </a:avLst>
+          </a:prstGeom>
+          <a:solidFill>
+            <a:srgbClr val="031956"/>
+          </a:solidFill>
+        </p:spPr>
+        <p:style>
+          <a:lnRef idx="2">
+            <a:schemeClr val="accent1">
+              <a:shade val="50000"/>
+            </a:schemeClr>
+          </a:lnRef>
+          <a:fillRef idx="1">
+            <a:schemeClr val="accent1"/>
+          </a:fillRef>
+          <a:effectRef idx="0">
+            <a:schemeClr val="accent1"/>
+          </a:effectRef>
+          <a:fontRef idx="minor">
+            <a:schemeClr val="lt1"/>
+          </a:fontRef>
+        </p:style>
+        <p:txBody>
+          <a:bodyPr rtlCol="0" anchor="ctr"/>
+          <a:lstStyle/>
+          <a:p>
+            <a:r>
+              <a:rPr lang="de-DE" b="0" dirty="0">
+                <a:solidFill>
+                  <a:srgbClr val="61AFEF"/>
+                </a:solidFill>
+                <a:effectLst/>
+                <a:latin typeface="Consolas" panose="020B0609020204030204" pitchFamily="49" charset="0"/>
+              </a:rPr>
+              <a:t>addUserToPerformanceCategory</a:t>
+            </a:r>
+            <a:endParaRPr lang="de-DE" b="0" dirty="0">
+              <a:solidFill>
+                <a:srgbClr val="ABB2BF"/>
+              </a:solidFill>
+              <a:effectLst/>
+              <a:latin typeface="Consolas" panose="020B0609020204030204" pitchFamily="49" charset="0"/>
+            </a:endParaRPr>
+          </a:p>
+          <a:p>
+            <a:r>
+              <a:rPr lang="de-DE" b="0" dirty="0">
+                <a:solidFill>
+                  <a:srgbClr val="ABB2BF"/>
+                </a:solidFill>
+                <a:effectLst/>
+                <a:latin typeface="Consolas" panose="020B0609020204030204" pitchFamily="49" charset="0"/>
+              </a:rPr>
+              <a:t>(</a:t>
+            </a:r>
+            <a:r>
+              <a:rPr lang="de-DE" b="0" dirty="0">
+                <a:solidFill>
+                  <a:srgbClr val="E06C75"/>
+                </a:solidFill>
+                <a:effectLst/>
+                <a:latin typeface="Consolas" panose="020B0609020204030204" pitchFamily="49" charset="0"/>
+              </a:rPr>
+              <a:t>idPerformanceCategory</a:t>
+            </a:r>
+            <a:r>
+              <a:rPr lang="de-DE" b="0" dirty="0">
+                <a:solidFill>
+                  <a:srgbClr val="ABB2BF"/>
+                </a:solidFill>
+                <a:effectLst/>
+                <a:latin typeface="Consolas" panose="020B0609020204030204" pitchFamily="49" charset="0"/>
+              </a:rPr>
+              <a:t>, </a:t>
+            </a:r>
+            <a:r>
+              <a:rPr lang="de-DE" b="0" dirty="0">
+                <a:solidFill>
+                  <a:srgbClr val="E06C75"/>
+                </a:solidFill>
+                <a:effectLst/>
+                <a:latin typeface="Consolas" panose="020B0609020204030204" pitchFamily="49" charset="0"/>
+              </a:rPr>
+              <a:t>idUser</a:t>
+            </a:r>
+            <a:r>
+              <a:rPr lang="de-DE" b="0" dirty="0">
+                <a:solidFill>
+                  <a:srgbClr val="ABB2BF"/>
+                </a:solidFill>
+                <a:effectLst/>
+                <a:latin typeface="Consolas" panose="020B0609020204030204" pitchFamily="49" charset="0"/>
+              </a:rPr>
+              <a:t>)</a:t>
+            </a:r>
+          </a:p>
+        </p:txBody>
+      </p:sp>
+      <p:sp>
+        <p:nvSpPr>
+          <p:cNvPr id="11" name="Rechteck: abgerundete Ecken 10">
+            <a:extLst>
+              <a:ext uri="{FF2B5EF4-FFF2-40B4-BE49-F238E27FC236}">
+                <a16:creationId xmlns:a16="http://schemas.microsoft.com/office/drawing/2014/main" id="{122A4017-1B71-2D4F-E2E9-B7E25FEAF88A}"/>
+              </a:ext>
+            </a:extLst>
+          </p:cNvPr>
+          <p:cNvSpPr/>
+          <p:nvPr/>
+        </p:nvSpPr>
+        <p:spPr>
+          <a:xfrm>
+            <a:off x="648626" y="5163547"/>
+            <a:ext cx="5897137" cy="660824"/>
+          </a:xfrm>
+          <a:prstGeom prst="roundRect">
+            <a:avLst>
+              <a:gd name="adj" fmla="val 40746"/>
+            </a:avLst>
+          </a:prstGeom>
+          <a:solidFill>
+            <a:srgbClr val="031956"/>
+          </a:solidFill>
+        </p:spPr>
+        <p:style>
+          <a:lnRef idx="2">
+            <a:schemeClr val="accent1">
+              <a:shade val="50000"/>
+            </a:schemeClr>
+          </a:lnRef>
+          <a:fillRef idx="1">
+            <a:schemeClr val="accent1"/>
+          </a:fillRef>
+          <a:effectRef idx="0">
+            <a:schemeClr val="accent1"/>
+          </a:effectRef>
+          <a:fontRef idx="minor">
+            <a:schemeClr val="lt1"/>
+          </a:fontRef>
+        </p:style>
+        <p:txBody>
+          <a:bodyPr rtlCol="0" anchor="ctr"/>
+          <a:lstStyle/>
+          <a:p>
+            <a:r>
+              <a:rPr lang="de-DE" b="0" dirty="0">
+                <a:solidFill>
+                  <a:srgbClr val="61AFEF"/>
+                </a:solidFill>
+                <a:effectLst/>
+                <a:latin typeface="Consolas" panose="020B0609020204030204" pitchFamily="49" charset="0"/>
+              </a:rPr>
+              <a:t>removeUserFromPerformanceCategory</a:t>
+            </a:r>
+            <a:endParaRPr lang="de-DE" b="0" dirty="0">
+              <a:solidFill>
+                <a:srgbClr val="ABB2BF"/>
+              </a:solidFill>
+              <a:effectLst/>
+              <a:latin typeface="Consolas" panose="020B0609020204030204" pitchFamily="49" charset="0"/>
+            </a:endParaRPr>
+          </a:p>
+          <a:p>
+            <a:r>
+              <a:rPr lang="de-DE" b="0" dirty="0">
+                <a:solidFill>
+                  <a:srgbClr val="ABB2BF"/>
+                </a:solidFill>
+                <a:effectLst/>
+                <a:latin typeface="Consolas" panose="020B0609020204030204" pitchFamily="49" charset="0"/>
+              </a:rPr>
+              <a:t>(</a:t>
+            </a:r>
+            <a:r>
+              <a:rPr lang="de-DE" b="0" dirty="0">
+                <a:solidFill>
+                  <a:srgbClr val="E06C75"/>
+                </a:solidFill>
+                <a:effectLst/>
+                <a:latin typeface="Consolas" panose="020B0609020204030204" pitchFamily="49" charset="0"/>
+              </a:rPr>
+              <a:t>idPerformanceCategory</a:t>
+            </a:r>
+            <a:r>
+              <a:rPr lang="de-DE" b="0" dirty="0">
+                <a:solidFill>
+                  <a:srgbClr val="ABB2BF"/>
+                </a:solidFill>
+                <a:effectLst/>
+                <a:latin typeface="Consolas" panose="020B0609020204030204" pitchFamily="49" charset="0"/>
+              </a:rPr>
+              <a:t>, </a:t>
+            </a:r>
+            <a:r>
+              <a:rPr lang="de-DE" b="0" dirty="0">
+                <a:solidFill>
+                  <a:srgbClr val="E06C75"/>
+                </a:solidFill>
+                <a:effectLst/>
+                <a:latin typeface="Consolas" panose="020B0609020204030204" pitchFamily="49" charset="0"/>
+              </a:rPr>
+              <a:t>idUser</a:t>
+            </a:r>
+            <a:r>
+              <a:rPr lang="de-DE" b="0" dirty="0">
+                <a:solidFill>
+                  <a:srgbClr val="ABB2BF"/>
+                </a:solidFill>
+                <a:effectLst/>
+                <a:latin typeface="Consolas" panose="020B0609020204030204" pitchFamily="49" charset="0"/>
+              </a:rPr>
+              <a:t>)</a:t>
+            </a:r>
+          </a:p>
+        </p:txBody>
+      </p:sp>
+      <p:sp>
+        <p:nvSpPr>
+          <p:cNvPr id="12" name="Rechteck 11">
+            <a:extLst>
+              <a:ext uri="{FF2B5EF4-FFF2-40B4-BE49-F238E27FC236}">
+                <a16:creationId xmlns:a16="http://schemas.microsoft.com/office/drawing/2014/main" id="{895CB29F-0226-F2FB-089E-531743E1BF00}"/>
+              </a:ext>
+            </a:extLst>
+          </p:cNvPr>
+          <p:cNvSpPr/>
+          <p:nvPr/>
+        </p:nvSpPr>
+        <p:spPr>
+          <a:xfrm>
+            <a:off x="7078235" y="1251493"/>
+            <a:ext cx="5037072" cy="5461542"/>
+          </a:xfrm>
+          <a:prstGeom prst="rect">
+            <a:avLst/>
+          </a:prstGeom>
+          <a:solidFill>
+            <a:srgbClr val="282C34"/>
+          </a:solidFill>
+          <a:ln>
+            <a:noFill/>
+          </a:ln>
+        </p:spPr>
+        <p:style>
+          <a:lnRef idx="2">
+            <a:schemeClr val="accent1">
+              <a:shade val="50000"/>
+            </a:schemeClr>
+          </a:lnRef>
+          <a:fillRef idx="1">
+            <a:schemeClr val="accent1"/>
+          </a:fillRef>
+          <a:effectRef idx="0">
+            <a:schemeClr val="accent1"/>
+          </a:effectRef>
+          <a:fontRef idx="minor">
+            <a:schemeClr val="lt1"/>
+          </a:fontRef>
+        </p:style>
+        <p:txBody>
+          <a:bodyPr rtlCol="0" anchor="ctr"/>
+          <a:lstStyle/>
+          <a:p>
+            <a:pPr algn="ctr"/>
+            <a:endParaRPr lang="de-DE"/>
+          </a:p>
+        </p:txBody>
+      </p:sp>
+      <p:sp>
+        <p:nvSpPr>
+          <p:cNvPr id="13" name="Rechteck: abgerundete Ecken 12">
+            <a:extLst>
+              <a:ext uri="{FF2B5EF4-FFF2-40B4-BE49-F238E27FC236}">
+                <a16:creationId xmlns:a16="http://schemas.microsoft.com/office/drawing/2014/main" id="{C25CEDD1-7E42-09A0-DAC3-36B3DF6D4E80}"/>
+              </a:ext>
+            </a:extLst>
+          </p:cNvPr>
+          <p:cNvSpPr/>
+          <p:nvPr/>
+        </p:nvSpPr>
+        <p:spPr>
+          <a:xfrm>
+            <a:off x="7236650" y="2440337"/>
+            <a:ext cx="4784367" cy="988663"/>
+          </a:xfrm>
+          <a:prstGeom prst="roundRect">
+            <a:avLst>
+              <a:gd name="adj" fmla="val 50000"/>
+            </a:avLst>
+          </a:prstGeom>
+          <a:solidFill>
+            <a:srgbClr val="031956"/>
+          </a:solidFill>
+        </p:spPr>
+        <p:style>
+          <a:lnRef idx="2">
+            <a:schemeClr val="accent1">
+              <a:shade val="50000"/>
+            </a:schemeClr>
+          </a:lnRef>
+          <a:fillRef idx="1">
+            <a:schemeClr val="accent1"/>
+          </a:fillRef>
+          <a:effectRef idx="0">
+            <a:schemeClr val="accent1"/>
+          </a:effectRef>
+          <a:fontRef idx="minor">
+            <a:schemeClr val="lt1"/>
+          </a:fontRef>
+        </p:style>
+        <p:txBody>
+          <a:bodyPr rtlCol="0" anchor="ctr"/>
+          <a:lstStyle/>
+          <a:p>
+            <a:r>
+              <a:rPr lang="de-DE" b="0" dirty="0">
+                <a:solidFill>
+                  <a:srgbClr val="61AFEF"/>
+                </a:solidFill>
+                <a:effectLst/>
+                <a:latin typeface="Consolas" panose="020B0609020204030204" pitchFamily="49" charset="0"/>
+              </a:rPr>
+              <a:t>uploadPerformanceRecord</a:t>
+            </a:r>
+          </a:p>
+          <a:p>
+            <a:r>
+              <a:rPr lang="en-US" b="0" dirty="0">
+                <a:solidFill>
+                  <a:srgbClr val="ABB2BF"/>
+                </a:solidFill>
+                <a:effectLst/>
+                <a:latin typeface="Consolas" panose="020B0609020204030204" pitchFamily="49" charset="0"/>
+              </a:rPr>
+              <a:t>(</a:t>
+            </a:r>
+            <a:r>
+              <a:rPr lang="en-US" b="0" dirty="0">
+                <a:solidFill>
+                  <a:srgbClr val="E06C75"/>
+                </a:solidFill>
+                <a:effectLst/>
+                <a:latin typeface="Consolas" panose="020B0609020204030204" pitchFamily="49" charset="0"/>
+              </a:rPr>
+              <a:t>idPerformanceCategory</a:t>
+            </a:r>
+            <a:r>
+              <a:rPr lang="en-US" b="0" dirty="0">
+                <a:solidFill>
+                  <a:srgbClr val="ABB2BF"/>
+                </a:solidFill>
+                <a:effectLst/>
+                <a:latin typeface="Consolas" panose="020B0609020204030204" pitchFamily="49" charset="0"/>
+              </a:rPr>
+              <a:t>, </a:t>
+            </a:r>
+            <a:r>
+              <a:rPr lang="en-US" b="0" dirty="0">
+                <a:solidFill>
+                  <a:srgbClr val="E06C75"/>
+                </a:solidFill>
+                <a:effectLst/>
+                <a:latin typeface="Consolas" panose="020B0609020204030204" pitchFamily="49" charset="0"/>
+              </a:rPr>
+              <a:t>idUser</a:t>
+            </a:r>
+            <a:r>
+              <a:rPr lang="en-US" b="0" dirty="0">
+                <a:solidFill>
+                  <a:srgbClr val="ABB2BF"/>
+                </a:solidFill>
+                <a:effectLst/>
+                <a:latin typeface="Consolas" panose="020B0609020204030204" pitchFamily="49" charset="0"/>
+              </a:rPr>
+              <a:t>, </a:t>
+            </a:r>
+            <a:r>
+              <a:rPr lang="en-US" b="0" dirty="0">
+                <a:solidFill>
+                  <a:srgbClr val="E06C75"/>
+                </a:solidFill>
+                <a:effectLst/>
+                <a:latin typeface="Consolas" panose="020B0609020204030204" pitchFamily="49" charset="0"/>
+              </a:rPr>
+              <a:t>value</a:t>
+            </a:r>
+            <a:r>
+              <a:rPr lang="en-US" b="0" dirty="0">
+                <a:solidFill>
+                  <a:srgbClr val="ABB2BF"/>
+                </a:solidFill>
+                <a:effectLst/>
+                <a:latin typeface="Consolas" panose="020B0609020204030204" pitchFamily="49" charset="0"/>
+              </a:rPr>
+              <a:t>, </a:t>
+            </a:r>
+            <a:r>
+              <a:rPr lang="en-US" b="0" dirty="0">
+                <a:solidFill>
+                  <a:srgbClr val="E06C75"/>
+                </a:solidFill>
+                <a:effectLst/>
+                <a:latin typeface="Consolas" panose="020B0609020204030204" pitchFamily="49" charset="0"/>
+              </a:rPr>
+              <a:t>comment</a:t>
+            </a:r>
+            <a:r>
+              <a:rPr lang="en-US" dirty="0">
+                <a:solidFill>
+                  <a:srgbClr val="ABB2BF"/>
+                </a:solidFill>
+                <a:latin typeface="Consolas" panose="020B0609020204030204" pitchFamily="49" charset="0"/>
+              </a:rPr>
+              <a:t>)</a:t>
+            </a:r>
+            <a:endParaRPr lang="en-US" b="0" dirty="0">
+              <a:solidFill>
+                <a:srgbClr val="ABB2BF"/>
+              </a:solidFill>
+              <a:effectLst/>
+              <a:latin typeface="Consolas" panose="020B0609020204030204" pitchFamily="49" charset="0"/>
+            </a:endParaRPr>
+          </a:p>
+        </p:txBody>
+      </p:sp>
+      <p:sp>
+        <p:nvSpPr>
+          <p:cNvPr id="14" name="Textfeld 13">
+            <a:extLst>
+              <a:ext uri="{FF2B5EF4-FFF2-40B4-BE49-F238E27FC236}">
+                <a16:creationId xmlns:a16="http://schemas.microsoft.com/office/drawing/2014/main" id="{1387AD65-31E6-9B6E-232C-AEECCF771ADA}"/>
+              </a:ext>
+            </a:extLst>
+          </p:cNvPr>
+          <p:cNvSpPr txBox="1"/>
+          <p:nvPr/>
+        </p:nvSpPr>
+        <p:spPr>
+          <a:xfrm>
+            <a:off x="7236649" y="1307792"/>
+            <a:ext cx="4878657" cy="461665"/>
+          </a:xfrm>
+          <a:prstGeom prst="rect">
+            <a:avLst/>
+          </a:prstGeom>
+          <a:noFill/>
+        </p:spPr>
+        <p:txBody>
+          <a:bodyPr wrap="square" rtlCol="0">
+            <a:spAutoFit/>
+          </a:bodyPr>
+          <a:lstStyle/>
+          <a:p>
+            <a:pPr algn="ctr"/>
+            <a:r>
+              <a:rPr lang="de-DE" sz="2400" dirty="0">
+                <a:solidFill>
+                  <a:schemeClr val="bg1"/>
+                </a:solidFill>
+              </a:rPr>
+              <a:t>Einträge</a:t>
+            </a:r>
+          </a:p>
+        </p:txBody>
+      </p:sp>
+      <p:sp>
+        <p:nvSpPr>
+          <p:cNvPr id="15" name="Rechteck: abgerundete Ecken 14">
+            <a:extLst>
+              <a:ext uri="{FF2B5EF4-FFF2-40B4-BE49-F238E27FC236}">
+                <a16:creationId xmlns:a16="http://schemas.microsoft.com/office/drawing/2014/main" id="{9D3BBDB8-98F7-E3DA-162C-3EF14C965780}"/>
+              </a:ext>
+            </a:extLst>
+          </p:cNvPr>
+          <p:cNvSpPr/>
+          <p:nvPr/>
+        </p:nvSpPr>
+        <p:spPr>
+          <a:xfrm>
+            <a:off x="7283794" y="3628935"/>
+            <a:ext cx="4784367" cy="655678"/>
+          </a:xfrm>
+          <a:prstGeom prst="roundRect">
+            <a:avLst>
+              <a:gd name="adj" fmla="val 50000"/>
+            </a:avLst>
+          </a:prstGeom>
+          <a:solidFill>
+            <a:srgbClr val="031956"/>
+          </a:solidFill>
+        </p:spPr>
+        <p:style>
+          <a:lnRef idx="2">
+            <a:schemeClr val="accent1">
+              <a:shade val="50000"/>
+            </a:schemeClr>
+          </a:lnRef>
+          <a:fillRef idx="1">
+            <a:schemeClr val="accent1"/>
+          </a:fillRef>
+          <a:effectRef idx="0">
+            <a:schemeClr val="accent1"/>
+          </a:effectRef>
+          <a:fontRef idx="minor">
+            <a:schemeClr val="lt1"/>
+          </a:fontRef>
+        </p:style>
+        <p:txBody>
+          <a:bodyPr rtlCol="0" anchor="ctr"/>
+          <a:lstStyle/>
+          <a:p>
+            <a:r>
+              <a:rPr lang="de-DE" b="0" dirty="0">
+                <a:solidFill>
+                  <a:srgbClr val="61AFEF"/>
+                </a:solidFill>
+                <a:effectLst/>
+                <a:latin typeface="Consolas" panose="020B0609020204030204" pitchFamily="49" charset="0"/>
+              </a:rPr>
+              <a:t>editPerformanceRecord</a:t>
+            </a:r>
+            <a:r>
+              <a:rPr lang="de-DE" b="0" dirty="0">
+                <a:solidFill>
+                  <a:srgbClr val="ABB2BF"/>
+                </a:solidFill>
+                <a:effectLst/>
+                <a:latin typeface="Consolas" panose="020B0609020204030204" pitchFamily="49" charset="0"/>
+              </a:rPr>
+              <a:t>(</a:t>
+            </a:r>
+            <a:r>
+              <a:rPr lang="de-DE" b="0" dirty="0">
+                <a:solidFill>
+                  <a:srgbClr val="E06C75"/>
+                </a:solidFill>
+                <a:effectLst/>
+                <a:latin typeface="Consolas" panose="020B0609020204030204" pitchFamily="49" charset="0"/>
+              </a:rPr>
+              <a:t>idPerformanceRecord</a:t>
+            </a:r>
+            <a:r>
+              <a:rPr lang="de-DE" b="0" dirty="0">
+                <a:solidFill>
+                  <a:srgbClr val="ABB2BF"/>
+                </a:solidFill>
+                <a:effectLst/>
+                <a:latin typeface="Consolas" panose="020B0609020204030204" pitchFamily="49" charset="0"/>
+              </a:rPr>
+              <a:t>, </a:t>
+            </a:r>
+            <a:r>
+              <a:rPr lang="de-DE" b="0" dirty="0">
+                <a:solidFill>
+                  <a:srgbClr val="E06C75"/>
+                </a:solidFill>
+                <a:effectLst/>
+                <a:latin typeface="Consolas" panose="020B0609020204030204" pitchFamily="49" charset="0"/>
+              </a:rPr>
+              <a:t>value</a:t>
+            </a:r>
+            <a:r>
+              <a:rPr lang="de-DE" b="0" dirty="0">
+                <a:solidFill>
+                  <a:srgbClr val="ABB2BF"/>
+                </a:solidFill>
+                <a:effectLst/>
+                <a:latin typeface="Consolas" panose="020B0609020204030204" pitchFamily="49" charset="0"/>
+              </a:rPr>
+              <a:t>)</a:t>
+            </a:r>
+          </a:p>
+        </p:txBody>
+      </p:sp>
+      <p:sp>
+        <p:nvSpPr>
+          <p:cNvPr id="16" name="Rechteck: abgerundete Ecken 15">
+            <a:extLst>
+              <a:ext uri="{FF2B5EF4-FFF2-40B4-BE49-F238E27FC236}">
+                <a16:creationId xmlns:a16="http://schemas.microsoft.com/office/drawing/2014/main" id="{C16EF785-FE52-CBFF-F3E2-B859179C1374}"/>
+              </a:ext>
+            </a:extLst>
+          </p:cNvPr>
+          <p:cNvSpPr/>
+          <p:nvPr/>
+        </p:nvSpPr>
+        <p:spPr>
+          <a:xfrm>
+            <a:off x="7236650" y="4477783"/>
+            <a:ext cx="4784367" cy="655678"/>
+          </a:xfrm>
+          <a:prstGeom prst="roundRect">
+            <a:avLst>
+              <a:gd name="adj" fmla="val 50000"/>
+            </a:avLst>
+          </a:prstGeom>
+          <a:solidFill>
+            <a:srgbClr val="031956"/>
+          </a:solidFill>
+        </p:spPr>
+        <p:style>
+          <a:lnRef idx="2">
+            <a:schemeClr val="accent1">
+              <a:shade val="50000"/>
+            </a:schemeClr>
+          </a:lnRef>
+          <a:fillRef idx="1">
+            <a:schemeClr val="accent1"/>
+          </a:fillRef>
+          <a:effectRef idx="0">
+            <a:schemeClr val="accent1"/>
+          </a:effectRef>
+          <a:fontRef idx="minor">
+            <a:schemeClr val="lt1"/>
+          </a:fontRef>
+        </p:style>
+        <p:txBody>
+          <a:bodyPr rtlCol="0" anchor="ctr"/>
+          <a:lstStyle/>
+          <a:p>
+            <a:r>
+              <a:rPr lang="de-DE" b="0" dirty="0">
+                <a:solidFill>
+                  <a:srgbClr val="61AFEF"/>
+                </a:solidFill>
+                <a:effectLst/>
+                <a:latin typeface="Consolas" panose="020B0609020204030204" pitchFamily="49" charset="0"/>
+              </a:rPr>
+              <a:t>deletePerformanceRecord</a:t>
+            </a:r>
+            <a:r>
+              <a:rPr lang="de-DE" b="0" dirty="0">
+                <a:solidFill>
+                  <a:srgbClr val="ABB2BF"/>
+                </a:solidFill>
+                <a:effectLst/>
+                <a:latin typeface="Consolas" panose="020B0609020204030204" pitchFamily="49" charset="0"/>
+              </a:rPr>
+              <a:t>(</a:t>
+            </a:r>
+            <a:r>
+              <a:rPr lang="de-DE" b="0" dirty="0">
+                <a:solidFill>
+                  <a:srgbClr val="E06C75"/>
+                </a:solidFill>
+                <a:effectLst/>
+                <a:latin typeface="Consolas" panose="020B0609020204030204" pitchFamily="49" charset="0"/>
+              </a:rPr>
+              <a:t>idPerformanceRecord</a:t>
+            </a:r>
+            <a:r>
+              <a:rPr lang="de-DE" b="0" dirty="0">
+                <a:solidFill>
+                  <a:srgbClr val="ABB2BF"/>
+                </a:solidFill>
+                <a:effectLst/>
+                <a:latin typeface="Consolas" panose="020B0609020204030204" pitchFamily="49" charset="0"/>
+              </a:rPr>
+              <a:t>)</a:t>
+            </a:r>
+          </a:p>
+        </p:txBody>
+      </p:sp>
+      <p:sp>
+        <p:nvSpPr>
+          <p:cNvPr id="17" name="Rechteck: abgerundete Ecken 16">
+            <a:extLst>
+              <a:ext uri="{FF2B5EF4-FFF2-40B4-BE49-F238E27FC236}">
+                <a16:creationId xmlns:a16="http://schemas.microsoft.com/office/drawing/2014/main" id="{ABAB8DC5-2A08-97EF-CCBC-3CCD64EB2336}"/>
+              </a:ext>
+            </a:extLst>
+          </p:cNvPr>
+          <p:cNvSpPr/>
+          <p:nvPr/>
+        </p:nvSpPr>
+        <p:spPr>
+          <a:xfrm>
+            <a:off x="7236649" y="5382262"/>
+            <a:ext cx="4784367" cy="655678"/>
+          </a:xfrm>
+          <a:prstGeom prst="roundRect">
+            <a:avLst>
+              <a:gd name="adj" fmla="val 50000"/>
+            </a:avLst>
+          </a:prstGeom>
+          <a:solidFill>
+            <a:srgbClr val="031956"/>
+          </a:solidFill>
+        </p:spPr>
+        <p:style>
+          <a:lnRef idx="2">
+            <a:schemeClr val="accent1">
+              <a:shade val="50000"/>
+            </a:schemeClr>
+          </a:lnRef>
+          <a:fillRef idx="1">
+            <a:schemeClr val="accent1"/>
+          </a:fillRef>
+          <a:effectRef idx="0">
+            <a:schemeClr val="accent1"/>
+          </a:effectRef>
+          <a:fontRef idx="minor">
+            <a:schemeClr val="lt1"/>
+          </a:fontRef>
+        </p:style>
+        <p:txBody>
+          <a:bodyPr rtlCol="0" anchor="ctr"/>
+          <a:lstStyle/>
+          <a:p>
+            <a:r>
+              <a:rPr lang="de-DE" b="0" dirty="0">
+                <a:solidFill>
+                  <a:srgbClr val="61AFEF"/>
+                </a:solidFill>
+                <a:effectLst/>
+                <a:latin typeface="Consolas" panose="020B0609020204030204" pitchFamily="49" charset="0"/>
+              </a:rPr>
+              <a:t>getPerformanceRecordsByCategory</a:t>
+            </a:r>
+            <a:r>
+              <a:rPr lang="de-DE" b="0" dirty="0">
+                <a:solidFill>
+                  <a:srgbClr val="ABB2BF"/>
+                </a:solidFill>
+                <a:effectLst/>
+                <a:latin typeface="Consolas" panose="020B0609020204030204" pitchFamily="49" charset="0"/>
+              </a:rPr>
+              <a:t>(</a:t>
+            </a:r>
+            <a:r>
+              <a:rPr lang="de-DE" b="0" dirty="0">
+                <a:solidFill>
+                  <a:srgbClr val="E06C75"/>
+                </a:solidFill>
+                <a:effectLst/>
+                <a:latin typeface="Consolas" panose="020B0609020204030204" pitchFamily="49" charset="0"/>
+              </a:rPr>
+              <a:t>idPerformanceCategory</a:t>
+            </a:r>
+            <a:r>
+              <a:rPr lang="de-DE" b="0" dirty="0">
+                <a:solidFill>
+                  <a:srgbClr val="ABB2BF"/>
+                </a:solidFill>
+                <a:effectLst/>
+                <a:latin typeface="Consolas" panose="020B0609020204030204" pitchFamily="49" charset="0"/>
+              </a:rPr>
+              <a:t>)</a:t>
+            </a:r>
+          </a:p>
+        </p:txBody>
+      </p:sp>
+      <p:sp>
+        <p:nvSpPr>
+          <p:cNvPr id="18" name="Rechteck: abgerundete Ecken 17">
+            <a:extLst>
+              <a:ext uri="{FF2B5EF4-FFF2-40B4-BE49-F238E27FC236}">
+                <a16:creationId xmlns:a16="http://schemas.microsoft.com/office/drawing/2014/main" id="{92D04C25-454D-E07D-5FB7-435D75954063}"/>
+              </a:ext>
+            </a:extLst>
+          </p:cNvPr>
+          <p:cNvSpPr/>
+          <p:nvPr/>
+        </p:nvSpPr>
+        <p:spPr>
+          <a:xfrm>
+            <a:off x="681832" y="2648737"/>
+            <a:ext cx="5897137" cy="660824"/>
+          </a:xfrm>
+          <a:prstGeom prst="roundRect">
+            <a:avLst>
+              <a:gd name="adj" fmla="val 40746"/>
+            </a:avLst>
+          </a:prstGeom>
+          <a:solidFill>
+            <a:srgbClr val="031956"/>
+          </a:solidFill>
+        </p:spPr>
+        <p:style>
+          <a:lnRef idx="2">
+            <a:schemeClr val="accent1">
+              <a:shade val="50000"/>
+            </a:schemeClr>
+          </a:lnRef>
+          <a:fillRef idx="1">
+            <a:schemeClr val="accent1"/>
+          </a:fillRef>
+          <a:effectRef idx="0">
+            <a:schemeClr val="accent1"/>
+          </a:effectRef>
+          <a:fontRef idx="minor">
+            <a:schemeClr val="lt1"/>
+          </a:fontRef>
+        </p:style>
+        <p:txBody>
+          <a:bodyPr rtlCol="0" anchor="ctr"/>
+          <a:lstStyle/>
+          <a:p>
+            <a:r>
+              <a:rPr lang="en-US" b="0" dirty="0">
+                <a:solidFill>
+                  <a:srgbClr val="6495EE"/>
+                </a:solidFill>
+                <a:effectLst/>
+                <a:latin typeface="Consolas" panose="020B0609020204030204" pitchFamily="49" charset="0"/>
+              </a:rPr>
+              <a:t>createPerformanceCategory</a:t>
+            </a:r>
+          </a:p>
+          <a:p>
+            <a:r>
+              <a:rPr lang="en-US" b="0" dirty="0">
+                <a:solidFill>
+                  <a:srgbClr val="838FA7"/>
+                </a:solidFill>
+                <a:effectLst/>
+                <a:latin typeface="Consolas" panose="020B0609020204030204" pitchFamily="49" charset="0"/>
+              </a:rPr>
+              <a:t>(</a:t>
+            </a:r>
+            <a:r>
+              <a:rPr lang="de-DE" b="0" dirty="0">
+                <a:solidFill>
+                  <a:srgbClr val="E06C75"/>
+                </a:solidFill>
+                <a:effectLst/>
+                <a:latin typeface="Consolas" panose="020B0609020204030204" pitchFamily="49" charset="0"/>
+              </a:rPr>
+              <a:t>name</a:t>
+            </a:r>
+            <a:r>
+              <a:rPr lang="de-DE" b="0" dirty="0">
+                <a:solidFill>
+                  <a:srgbClr val="ABB2BF"/>
+                </a:solidFill>
+                <a:effectLst/>
+                <a:latin typeface="Consolas" panose="020B0609020204030204" pitchFamily="49" charset="0"/>
+              </a:rPr>
+              <a:t>, </a:t>
+            </a:r>
+            <a:r>
+              <a:rPr lang="de-DE" b="0" dirty="0">
+                <a:solidFill>
+                  <a:srgbClr val="E06C75"/>
+                </a:solidFill>
+                <a:effectLst/>
+                <a:latin typeface="Consolas" panose="020B0609020204030204" pitchFamily="49" charset="0"/>
+              </a:rPr>
+              <a:t>description</a:t>
+            </a:r>
+            <a:r>
+              <a:rPr lang="de-DE" b="0" dirty="0">
+                <a:solidFill>
+                  <a:srgbClr val="ABB2BF"/>
+                </a:solidFill>
+                <a:effectLst/>
+                <a:latin typeface="Consolas" panose="020B0609020204030204" pitchFamily="49" charset="0"/>
+              </a:rPr>
+              <a:t>, </a:t>
+            </a:r>
+            <a:r>
+              <a:rPr lang="de-DE" b="0" dirty="0">
+                <a:solidFill>
+                  <a:srgbClr val="E06C75"/>
+                </a:solidFill>
+                <a:effectLst/>
+                <a:latin typeface="Consolas" panose="020B0609020204030204" pitchFamily="49" charset="0"/>
+              </a:rPr>
+              <a:t>type</a:t>
+            </a:r>
+            <a:r>
+              <a:rPr lang="de-DE" b="0" dirty="0">
+                <a:solidFill>
+                  <a:srgbClr val="ABB2BF"/>
+                </a:solidFill>
+                <a:effectLst/>
+                <a:latin typeface="Consolas" panose="020B0609020204030204" pitchFamily="49" charset="0"/>
+              </a:rPr>
+              <a:t>, </a:t>
+            </a:r>
+            <a:r>
+              <a:rPr lang="de-DE" b="0" dirty="0">
+                <a:solidFill>
+                  <a:srgbClr val="E06C75"/>
+                </a:solidFill>
+                <a:effectLst/>
+                <a:latin typeface="Consolas" panose="020B0609020204030204" pitchFamily="49" charset="0"/>
+              </a:rPr>
+              <a:t>users</a:t>
+            </a:r>
+            <a:r>
+              <a:rPr lang="en-US" b="0" dirty="0">
+                <a:solidFill>
+                  <a:srgbClr val="838FA7"/>
+                </a:solidFill>
+                <a:effectLst/>
+                <a:latin typeface="Consolas" panose="020B0609020204030204" pitchFamily="49" charset="0"/>
+              </a:rPr>
+              <a:t>)</a:t>
+            </a:r>
+            <a:endParaRPr lang="en-US" b="0" dirty="0">
+              <a:solidFill>
+                <a:srgbClr val="9DA5B3"/>
+              </a:solidFill>
+              <a:effectLst/>
+              <a:latin typeface="Consolas" panose="020B0609020204030204" pitchFamily="49" charset="0"/>
+            </a:endParaRPr>
+          </a:p>
+        </p:txBody>
+      </p:sp>
+    </p:spTree>
+    <p:extLst>
+      <p:ext uri="{BB962C8B-B14F-4D97-AF65-F5344CB8AC3E}">
+        <p14:creationId xmlns:p14="http://schemas.microsoft.com/office/powerpoint/2010/main" val="2717517555"/>
       </p:ext>
     </p:extLst>
   </p:cSld>

--- a/plans/PerformanceLayout.pptx
+++ b/plans/PerformanceLayout.pptx
@@ -267,7 +267,7 @@
           <a:p>
             <a:fld id="{21130B58-C831-4C23-84C1-2D5909AC39A7}" type="datetimeFigureOut">
               <a:rPr lang="de-DE" smtClean="0"/>
-              <a:t>25.10.2022</a:t>
+              <a:t>28.10.2022</a:t>
             </a:fld>
             <a:endParaRPr lang="de-DE"/>
           </a:p>
@@ -465,7 +465,7 @@
           <a:p>
             <a:fld id="{21130B58-C831-4C23-84C1-2D5909AC39A7}" type="datetimeFigureOut">
               <a:rPr lang="de-DE" smtClean="0"/>
-              <a:t>25.10.2022</a:t>
+              <a:t>28.10.2022</a:t>
             </a:fld>
             <a:endParaRPr lang="de-DE"/>
           </a:p>
@@ -673,7 +673,7 @@
           <a:p>
             <a:fld id="{21130B58-C831-4C23-84C1-2D5909AC39A7}" type="datetimeFigureOut">
               <a:rPr lang="de-DE" smtClean="0"/>
-              <a:t>25.10.2022</a:t>
+              <a:t>28.10.2022</a:t>
             </a:fld>
             <a:endParaRPr lang="de-DE"/>
           </a:p>
@@ -871,7 +871,7 @@
           <a:p>
             <a:fld id="{21130B58-C831-4C23-84C1-2D5909AC39A7}" type="datetimeFigureOut">
               <a:rPr lang="de-DE" smtClean="0"/>
-              <a:t>25.10.2022</a:t>
+              <a:t>28.10.2022</a:t>
             </a:fld>
             <a:endParaRPr lang="de-DE"/>
           </a:p>
@@ -1146,7 +1146,7 @@
           <a:p>
             <a:fld id="{21130B58-C831-4C23-84C1-2D5909AC39A7}" type="datetimeFigureOut">
               <a:rPr lang="de-DE" smtClean="0"/>
-              <a:t>25.10.2022</a:t>
+              <a:t>28.10.2022</a:t>
             </a:fld>
             <a:endParaRPr lang="de-DE"/>
           </a:p>
@@ -1411,7 +1411,7 @@
           <a:p>
             <a:fld id="{21130B58-C831-4C23-84C1-2D5909AC39A7}" type="datetimeFigureOut">
               <a:rPr lang="de-DE" smtClean="0"/>
-              <a:t>25.10.2022</a:t>
+              <a:t>28.10.2022</a:t>
             </a:fld>
             <a:endParaRPr lang="de-DE"/>
           </a:p>
@@ -1823,7 +1823,7 @@
           <a:p>
             <a:fld id="{21130B58-C831-4C23-84C1-2D5909AC39A7}" type="datetimeFigureOut">
               <a:rPr lang="de-DE" smtClean="0"/>
-              <a:t>25.10.2022</a:t>
+              <a:t>28.10.2022</a:t>
             </a:fld>
             <a:endParaRPr lang="de-DE"/>
           </a:p>
@@ -1964,7 +1964,7 @@
           <a:p>
             <a:fld id="{21130B58-C831-4C23-84C1-2D5909AC39A7}" type="datetimeFigureOut">
               <a:rPr lang="de-DE" smtClean="0"/>
-              <a:t>25.10.2022</a:t>
+              <a:t>28.10.2022</a:t>
             </a:fld>
             <a:endParaRPr lang="de-DE"/>
           </a:p>
@@ -2077,7 +2077,7 @@
           <a:p>
             <a:fld id="{21130B58-C831-4C23-84C1-2D5909AC39A7}" type="datetimeFigureOut">
               <a:rPr lang="de-DE" smtClean="0"/>
-              <a:t>25.10.2022</a:t>
+              <a:t>28.10.2022</a:t>
             </a:fld>
             <a:endParaRPr lang="de-DE"/>
           </a:p>
@@ -2388,7 +2388,7 @@
           <a:p>
             <a:fld id="{21130B58-C831-4C23-84C1-2D5909AC39A7}" type="datetimeFigureOut">
               <a:rPr lang="de-DE" smtClean="0"/>
-              <a:t>25.10.2022</a:t>
+              <a:t>28.10.2022</a:t>
             </a:fld>
             <a:endParaRPr lang="de-DE"/>
           </a:p>
@@ -2676,7 +2676,7 @@
           <a:p>
             <a:fld id="{21130B58-C831-4C23-84C1-2D5909AC39A7}" type="datetimeFigureOut">
               <a:rPr lang="de-DE" smtClean="0"/>
-              <a:t>25.10.2022</a:t>
+              <a:t>28.10.2022</a:t>
             </a:fld>
             <a:endParaRPr lang="de-DE"/>
           </a:p>
@@ -2917,7 +2917,7 @@
           <a:p>
             <a:fld id="{21130B58-C831-4C23-84C1-2D5909AC39A7}" type="datetimeFigureOut">
               <a:rPr lang="de-DE" smtClean="0"/>
-              <a:t>25.10.2022</a:t>
+              <a:t>28.10.2022</a:t>
             </a:fld>
             <a:endParaRPr lang="de-DE"/>
           </a:p>

--- a/plans/PerformanceLayout.pptx
+++ b/plans/PerformanceLayout.pptx
@@ -267,7 +267,7 @@
           <a:p>
             <a:fld id="{21130B58-C831-4C23-84C1-2D5909AC39A7}" type="datetimeFigureOut">
               <a:rPr lang="de-DE" smtClean="0"/>
-              <a:t>28.10.2022</a:t>
+              <a:t>29.10.2022</a:t>
             </a:fld>
             <a:endParaRPr lang="de-DE"/>
           </a:p>
@@ -465,7 +465,7 @@
           <a:p>
             <a:fld id="{21130B58-C831-4C23-84C1-2D5909AC39A7}" type="datetimeFigureOut">
               <a:rPr lang="de-DE" smtClean="0"/>
-              <a:t>28.10.2022</a:t>
+              <a:t>29.10.2022</a:t>
             </a:fld>
             <a:endParaRPr lang="de-DE"/>
           </a:p>
@@ -673,7 +673,7 @@
           <a:p>
             <a:fld id="{21130B58-C831-4C23-84C1-2D5909AC39A7}" type="datetimeFigureOut">
               <a:rPr lang="de-DE" smtClean="0"/>
-              <a:t>28.10.2022</a:t>
+              <a:t>29.10.2022</a:t>
             </a:fld>
             <a:endParaRPr lang="de-DE"/>
           </a:p>
@@ -871,7 +871,7 @@
           <a:p>
             <a:fld id="{21130B58-C831-4C23-84C1-2D5909AC39A7}" type="datetimeFigureOut">
               <a:rPr lang="de-DE" smtClean="0"/>
-              <a:t>28.10.2022</a:t>
+              <a:t>29.10.2022</a:t>
             </a:fld>
             <a:endParaRPr lang="de-DE"/>
           </a:p>
@@ -1146,7 +1146,7 @@
           <a:p>
             <a:fld id="{21130B58-C831-4C23-84C1-2D5909AC39A7}" type="datetimeFigureOut">
               <a:rPr lang="de-DE" smtClean="0"/>
-              <a:t>28.10.2022</a:t>
+              <a:t>29.10.2022</a:t>
             </a:fld>
             <a:endParaRPr lang="de-DE"/>
           </a:p>
@@ -1411,7 +1411,7 @@
           <a:p>
             <a:fld id="{21130B58-C831-4C23-84C1-2D5909AC39A7}" type="datetimeFigureOut">
               <a:rPr lang="de-DE" smtClean="0"/>
-              <a:t>28.10.2022</a:t>
+              <a:t>29.10.2022</a:t>
             </a:fld>
             <a:endParaRPr lang="de-DE"/>
           </a:p>
@@ -1823,7 +1823,7 @@
           <a:p>
             <a:fld id="{21130B58-C831-4C23-84C1-2D5909AC39A7}" type="datetimeFigureOut">
               <a:rPr lang="de-DE" smtClean="0"/>
-              <a:t>28.10.2022</a:t>
+              <a:t>29.10.2022</a:t>
             </a:fld>
             <a:endParaRPr lang="de-DE"/>
           </a:p>
@@ -1964,7 +1964,7 @@
           <a:p>
             <a:fld id="{21130B58-C831-4C23-84C1-2D5909AC39A7}" type="datetimeFigureOut">
               <a:rPr lang="de-DE" smtClean="0"/>
-              <a:t>28.10.2022</a:t>
+              <a:t>29.10.2022</a:t>
             </a:fld>
             <a:endParaRPr lang="de-DE"/>
           </a:p>
@@ -2077,7 +2077,7 @@
           <a:p>
             <a:fld id="{21130B58-C831-4C23-84C1-2D5909AC39A7}" type="datetimeFigureOut">
               <a:rPr lang="de-DE" smtClean="0"/>
-              <a:t>28.10.2022</a:t>
+              <a:t>29.10.2022</a:t>
             </a:fld>
             <a:endParaRPr lang="de-DE"/>
           </a:p>
@@ -2388,7 +2388,7 @@
           <a:p>
             <a:fld id="{21130B58-C831-4C23-84C1-2D5909AC39A7}" type="datetimeFigureOut">
               <a:rPr lang="de-DE" smtClean="0"/>
-              <a:t>28.10.2022</a:t>
+              <a:t>29.10.2022</a:t>
             </a:fld>
             <a:endParaRPr lang="de-DE"/>
           </a:p>
@@ -2676,7 +2676,7 @@
           <a:p>
             <a:fld id="{21130B58-C831-4C23-84C1-2D5909AC39A7}" type="datetimeFigureOut">
               <a:rPr lang="de-DE" smtClean="0"/>
-              <a:t>28.10.2022</a:t>
+              <a:t>29.10.2022</a:t>
             </a:fld>
             <a:endParaRPr lang="de-DE"/>
           </a:p>
@@ -2917,7 +2917,7 @@
           <a:p>
             <a:fld id="{21130B58-C831-4C23-84C1-2D5909AC39A7}" type="datetimeFigureOut">
               <a:rPr lang="de-DE" smtClean="0"/>
-              <a:t>28.10.2022</a:t>
+              <a:t>29.10.2022</a:t>
             </a:fld>
             <a:endParaRPr lang="de-DE"/>
           </a:p>

--- a/plans/PerformanceLayout.pptx
+++ b/plans/PerformanceLayout.pptx
@@ -267,7 +267,7 @@
           <a:p>
             <a:fld id="{21130B58-C831-4C23-84C1-2D5909AC39A7}" type="datetimeFigureOut">
               <a:rPr lang="de-DE" smtClean="0"/>
-              <a:t>29.10.2022</a:t>
+              <a:t>02.01.2023</a:t>
             </a:fld>
             <a:endParaRPr lang="de-DE"/>
           </a:p>
@@ -465,7 +465,7 @@
           <a:p>
             <a:fld id="{21130B58-C831-4C23-84C1-2D5909AC39A7}" type="datetimeFigureOut">
               <a:rPr lang="de-DE" smtClean="0"/>
-              <a:t>29.10.2022</a:t>
+              <a:t>02.01.2023</a:t>
             </a:fld>
             <a:endParaRPr lang="de-DE"/>
           </a:p>
@@ -673,7 +673,7 @@
           <a:p>
             <a:fld id="{21130B58-C831-4C23-84C1-2D5909AC39A7}" type="datetimeFigureOut">
               <a:rPr lang="de-DE" smtClean="0"/>
-              <a:t>29.10.2022</a:t>
+              <a:t>02.01.2023</a:t>
             </a:fld>
             <a:endParaRPr lang="de-DE"/>
           </a:p>
@@ -871,7 +871,7 @@
           <a:p>
             <a:fld id="{21130B58-C831-4C23-84C1-2D5909AC39A7}" type="datetimeFigureOut">
               <a:rPr lang="de-DE" smtClean="0"/>
-              <a:t>29.10.2022</a:t>
+              <a:t>02.01.2023</a:t>
             </a:fld>
             <a:endParaRPr lang="de-DE"/>
           </a:p>
@@ -1146,7 +1146,7 @@
           <a:p>
             <a:fld id="{21130B58-C831-4C23-84C1-2D5909AC39A7}" type="datetimeFigureOut">
               <a:rPr lang="de-DE" smtClean="0"/>
-              <a:t>29.10.2022</a:t>
+              <a:t>02.01.2023</a:t>
             </a:fld>
             <a:endParaRPr lang="de-DE"/>
           </a:p>
@@ -1411,7 +1411,7 @@
           <a:p>
             <a:fld id="{21130B58-C831-4C23-84C1-2D5909AC39A7}" type="datetimeFigureOut">
               <a:rPr lang="de-DE" smtClean="0"/>
-              <a:t>29.10.2022</a:t>
+              <a:t>02.01.2023</a:t>
             </a:fld>
             <a:endParaRPr lang="de-DE"/>
           </a:p>
@@ -1823,7 +1823,7 @@
           <a:p>
             <a:fld id="{21130B58-C831-4C23-84C1-2D5909AC39A7}" type="datetimeFigureOut">
               <a:rPr lang="de-DE" smtClean="0"/>
-              <a:t>29.10.2022</a:t>
+              <a:t>02.01.2023</a:t>
             </a:fld>
             <a:endParaRPr lang="de-DE"/>
           </a:p>
@@ -1964,7 +1964,7 @@
           <a:p>
             <a:fld id="{21130B58-C831-4C23-84C1-2D5909AC39A7}" type="datetimeFigureOut">
               <a:rPr lang="de-DE" smtClean="0"/>
-              <a:t>29.10.2022</a:t>
+              <a:t>02.01.2023</a:t>
             </a:fld>
             <a:endParaRPr lang="de-DE"/>
           </a:p>
@@ -2077,7 +2077,7 @@
           <a:p>
             <a:fld id="{21130B58-C831-4C23-84C1-2D5909AC39A7}" type="datetimeFigureOut">
               <a:rPr lang="de-DE" smtClean="0"/>
-              <a:t>29.10.2022</a:t>
+              <a:t>02.01.2023</a:t>
             </a:fld>
             <a:endParaRPr lang="de-DE"/>
           </a:p>
@@ -2388,7 +2388,7 @@
           <a:p>
             <a:fld id="{21130B58-C831-4C23-84C1-2D5909AC39A7}" type="datetimeFigureOut">
               <a:rPr lang="de-DE" smtClean="0"/>
-              <a:t>29.10.2022</a:t>
+              <a:t>02.01.2023</a:t>
             </a:fld>
             <a:endParaRPr lang="de-DE"/>
           </a:p>
@@ -2676,7 +2676,7 @@
           <a:p>
             <a:fld id="{21130B58-C831-4C23-84C1-2D5909AC39A7}" type="datetimeFigureOut">
               <a:rPr lang="de-DE" smtClean="0"/>
-              <a:t>29.10.2022</a:t>
+              <a:t>02.01.2023</a:t>
             </a:fld>
             <a:endParaRPr lang="de-DE"/>
           </a:p>
@@ -2917,7 +2917,7 @@
           <a:p>
             <a:fld id="{21130B58-C831-4C23-84C1-2D5909AC39A7}" type="datetimeFigureOut">
               <a:rPr lang="de-DE" smtClean="0"/>
-              <a:t>29.10.2022</a:t>
+              <a:t>02.01.2023</a:t>
             </a:fld>
             <a:endParaRPr lang="de-DE"/>
           </a:p>
@@ -18591,7 +18591,7 @@
         </p:nvSpPr>
         <p:spPr>
           <a:xfrm>
-            <a:off x="838200" y="1813586"/>
+            <a:off x="838200" y="1842976"/>
             <a:ext cx="5897137" cy="475205"/>
           </a:xfrm>
           <a:prstGeom prst="roundRect">
@@ -18624,7 +18624,7 @@
           <a:lstStyle/>
           <a:p>
             <a:r>
-              <a:rPr lang="de-DE" b="0">
+              <a:rPr lang="de-DE" b="0" dirty="0" err="1">
                 <a:solidFill>
                   <a:srgbClr val="6495EE"/>
                 </a:solidFill>
@@ -18634,7 +18634,7 @@
               <a:t>getPerformanceCategories</a:t>
             </a:r>
             <a:r>
-              <a:rPr lang="de-DE">
+              <a:rPr lang="de-DE" dirty="0">
                 <a:solidFill>
                   <a:srgbClr val="9DA5B3"/>
                 </a:solidFill>
@@ -18642,12 +18642,6 @@
               </a:rPr>
               <a:t>()</a:t>
             </a:r>
-            <a:endParaRPr lang="de-DE" dirty="0">
-              <a:solidFill>
-                <a:srgbClr val="9DA5B3"/>
-              </a:solidFill>
-              <a:latin typeface="Consolas" panose="020B0609020204030204" pitchFamily="49" charset="0"/>
-            </a:endParaRPr>
           </a:p>
         </p:txBody>
       </p:sp>
@@ -18665,7 +18659,7 @@
         </p:nvSpPr>
         <p:spPr>
           <a:xfrm>
-            <a:off x="849784" y="2419147"/>
+            <a:off x="849784" y="2448537"/>
             <a:ext cx="5897137" cy="660824"/>
           </a:xfrm>
           <a:prstGeom prst="roundRect">
@@ -18823,7 +18817,7 @@
         </p:nvSpPr>
         <p:spPr>
           <a:xfrm>
-            <a:off x="838198" y="3231858"/>
+            <a:off x="838198" y="3261248"/>
             <a:ext cx="5897137" cy="660824"/>
           </a:xfrm>
           <a:prstGeom prst="roundRect">
@@ -18994,7 +18988,7 @@
         </p:nvSpPr>
         <p:spPr>
           <a:xfrm>
-            <a:off x="838198" y="4078023"/>
+            <a:off x="838198" y="4107413"/>
             <a:ext cx="5897137" cy="660824"/>
           </a:xfrm>
           <a:prstGeom prst="roundRect">
@@ -19112,7 +19106,7 @@
         </p:nvSpPr>
         <p:spPr>
           <a:xfrm>
-            <a:off x="838197" y="4916293"/>
+            <a:off x="838197" y="4945683"/>
             <a:ext cx="5897137" cy="660824"/>
           </a:xfrm>
           <a:prstGeom prst="roundRect">
@@ -19625,7 +19619,7 @@
         </p:nvSpPr>
         <p:spPr>
           <a:xfrm>
-            <a:off x="7236648" y="4705393"/>
+            <a:off x="7236648" y="4734783"/>
             <a:ext cx="4784367" cy="655678"/>
           </a:xfrm>
           <a:prstGeom prst="roundRect">
